--- a/unsorted/ps dev training/source ppt slides/Riak 201 - LearningToShare.pptx
+++ b/unsorted/ps dev training/source ppt slides/Riak 201 - LearningToShare.pptx
@@ -5,7 +5,7 @@
     <p:sldMasterId id="2147483648" r:id="rId1"/>
   </p:sldMasterIdLst>
   <p:notesMasterIdLst>
-    <p:notesMasterId r:id="rId42"/>
+    <p:notesMasterId r:id="rId43"/>
   </p:notesMasterIdLst>
   <p:sldIdLst>
     <p:sldId id="259" r:id="rId2"/>
@@ -16,38 +16,39 @@
     <p:sldId id="263" r:id="rId7"/>
     <p:sldId id="264" r:id="rId8"/>
     <p:sldId id="265" r:id="rId9"/>
-    <p:sldId id="294" r:id="rId10"/>
-    <p:sldId id="267" r:id="rId11"/>
+    <p:sldId id="267" r:id="rId10"/>
+    <p:sldId id="294" r:id="rId11"/>
     <p:sldId id="268" r:id="rId12"/>
     <p:sldId id="269" r:id="rId13"/>
-    <p:sldId id="271" r:id="rId14"/>
-    <p:sldId id="295" r:id="rId15"/>
-    <p:sldId id="273" r:id="rId16"/>
-    <p:sldId id="274" r:id="rId17"/>
-    <p:sldId id="275" r:id="rId18"/>
-    <p:sldId id="276" r:id="rId19"/>
-    <p:sldId id="277" r:id="rId20"/>
-    <p:sldId id="278" r:id="rId21"/>
-    <p:sldId id="279" r:id="rId22"/>
-    <p:sldId id="296" r:id="rId23"/>
-    <p:sldId id="281" r:id="rId24"/>
-    <p:sldId id="282" r:id="rId25"/>
-    <p:sldId id="283" r:id="rId26"/>
-    <p:sldId id="284" r:id="rId27"/>
-    <p:sldId id="297" r:id="rId28"/>
-    <p:sldId id="298" r:id="rId29"/>
-    <p:sldId id="287" r:id="rId30"/>
-    <p:sldId id="288" r:id="rId31"/>
-    <p:sldId id="289" r:id="rId32"/>
-    <p:sldId id="290" r:id="rId33"/>
-    <p:sldId id="291" r:id="rId34"/>
-    <p:sldId id="292" r:id="rId35"/>
-    <p:sldId id="299" r:id="rId36"/>
-    <p:sldId id="300" r:id="rId37"/>
-    <p:sldId id="301" r:id="rId38"/>
-    <p:sldId id="302" r:id="rId39"/>
-    <p:sldId id="303" r:id="rId40"/>
-    <p:sldId id="304" r:id="rId41"/>
+    <p:sldId id="305" r:id="rId14"/>
+    <p:sldId id="271" r:id="rId15"/>
+    <p:sldId id="295" r:id="rId16"/>
+    <p:sldId id="273" r:id="rId17"/>
+    <p:sldId id="274" r:id="rId18"/>
+    <p:sldId id="275" r:id="rId19"/>
+    <p:sldId id="276" r:id="rId20"/>
+    <p:sldId id="277" r:id="rId21"/>
+    <p:sldId id="278" r:id="rId22"/>
+    <p:sldId id="279" r:id="rId23"/>
+    <p:sldId id="296" r:id="rId24"/>
+    <p:sldId id="281" r:id="rId25"/>
+    <p:sldId id="282" r:id="rId26"/>
+    <p:sldId id="283" r:id="rId27"/>
+    <p:sldId id="284" r:id="rId28"/>
+    <p:sldId id="297" r:id="rId29"/>
+    <p:sldId id="298" r:id="rId30"/>
+    <p:sldId id="287" r:id="rId31"/>
+    <p:sldId id="288" r:id="rId32"/>
+    <p:sldId id="289" r:id="rId33"/>
+    <p:sldId id="290" r:id="rId34"/>
+    <p:sldId id="291" r:id="rId35"/>
+    <p:sldId id="292" r:id="rId36"/>
+    <p:sldId id="299" r:id="rId37"/>
+    <p:sldId id="300" r:id="rId38"/>
+    <p:sldId id="301" r:id="rId39"/>
+    <p:sldId id="302" r:id="rId40"/>
+    <p:sldId id="303" r:id="rId41"/>
+    <p:sldId id="304" r:id="rId42"/>
   </p:sldIdLst>
   <p:sldSz cx="9144000" cy="6858000" type="screen4x3"/>
   <p:notesSz cx="6858000" cy="9144000"/>
@@ -230,7 +231,7 @@
           </a:lstStyle>
           <a:p>
             <a:fld id="{1EC3ADD2-3CA9-734A-A5C0-E415621D38D9}" type="datetimeFigureOut">
-              <a:t>8/24/15</a:t>
+              <a:t>10/2/15</a:t>
             </a:fld>
             <a:endParaRPr lang="en-US"/>
           </a:p>
@@ -606,15 +607,7 @@
           <a:p>
             <a:r>
               <a:rPr lang="en-US" baseline="0" dirty="0" smtClean="0"/>
-              <a:t>-- You can think of the guy with the map as a </a:t>
-            </a:r>
-            <a:r>
-              <a:rPr lang="en-US" baseline="0" dirty="0" err="1" smtClean="0"/>
-              <a:t>Riak</a:t>
-            </a:r>
-            <a:r>
-              <a:rPr lang="en-US" baseline="0" dirty="0" smtClean="0"/>
-              <a:t> node. </a:t>
+              <a:t>We use the SHA-1 hash function, which, given a bucket/key, gives us a number between 0 and 2^160</a:t>
             </a:r>
           </a:p>
           <a:p>
@@ -623,37 +616,35 @@
           <a:p>
             <a:r>
               <a:rPr lang="en-US" baseline="0" dirty="0" smtClean="0"/>
-              <a:t>Since every node is using the same consistent hashing function, any of them can service requests no matter which box your data lives on.</a:t>
+              <a:t>Give each one of these partitions a range</a:t>
             </a:r>
           </a:p>
           <a:p>
             <a:endParaRPr lang="en-US" baseline="0" dirty="0" smtClean="0"/>
           </a:p>
           <a:p>
-            <a:pPr marL="0" marR="0" indent="0" algn="l" defTabSz="914400" rtl="0" eaLnBrk="0" fontAlgn="base" latinLnBrk="0" hangingPunct="0">
-              <a:lnSpc>
-                <a:spcPct val="100000"/>
-              </a:lnSpc>
-              <a:spcBef>
-                <a:spcPct val="0"/>
-              </a:spcBef>
-              <a:spcAft>
-                <a:spcPct val="0"/>
-              </a:spcAft>
-              <a:buClrTx/>
-              <a:buSzTx/>
-              <a:buFontTx/>
-              <a:buNone/>
-              <a:tabLst/>
-              <a:defRPr/>
-            </a:pPr>
             <a:r>
               <a:rPr lang="en-US" baseline="0" dirty="0" smtClean="0"/>
-              <a:t>And each box or node is responsible for a quarter of that address space in this example</a:t>
+              <a:t>So we’re able to evenly distribute data and evenly utilize resources</a:t>
             </a:r>
           </a:p>
           <a:p>
             <a:endParaRPr lang="en-US" baseline="0" dirty="0" smtClean="0"/>
+          </a:p>
+          <a:p>
+            <a:r>
+              <a:rPr lang="en-US" baseline="0" dirty="0" smtClean="0"/>
+              <a:t>But what if we need to add a physical node?</a:t>
+            </a:r>
+          </a:p>
+          <a:p>
+            <a:endParaRPr lang="en-US" baseline="0" dirty="0" smtClean="0"/>
+          </a:p>
+          <a:p>
+            <a:r>
+              <a:rPr lang="en-US" baseline="0" dirty="0" smtClean="0"/>
+              <a:t>We’d have to change the ranges, and find all the objects that need to move, so we can re -shuffle</a:t>
+            </a:r>
           </a:p>
         </p:txBody>
       </p:sp>
@@ -714,93 +705,70 @@
           <a:bodyPr/>
           <a:lstStyle/>
           <a:p>
-            <a:pPr marL="0" marR="0" indent="0" algn="l" defTabSz="914400" rtl="0" eaLnBrk="0" fontAlgn="base" latinLnBrk="0" hangingPunct="0">
-              <a:lnSpc>
-                <a:spcPct val="100000"/>
-              </a:lnSpc>
-              <a:spcBef>
-                <a:spcPct val="0"/>
-              </a:spcBef>
-              <a:spcAft>
-                <a:spcPct val="0"/>
-              </a:spcAft>
-              <a:buClrTx/>
-              <a:buSzTx/>
-              <a:buFontTx/>
-              <a:buNone/>
-              <a:tabLst/>
-              <a:defRPr/>
-            </a:pPr>
             <a:r>
               <a:rPr lang="en-US" baseline="0" dirty="0" smtClean="0"/>
-              <a:t>-- In </a:t>
-            </a:r>
-            <a:r>
-              <a:rPr lang="en-US" baseline="0" dirty="0" err="1" smtClean="0"/>
-              <a:t>Riak</a:t>
-            </a:r>
-            <a:r>
-              <a:rPr lang="en-US" baseline="0" dirty="0" smtClean="0"/>
-              <a:t> the address space for the hash function is 0 through two to the 160</a:t>
-            </a:r>
-            <a:r>
-              <a:rPr lang="en-US" baseline="30000" dirty="0" smtClean="0"/>
-              <a:t>th</a:t>
-            </a:r>
-            <a:r>
-              <a:rPr lang="en-US" baseline="0" dirty="0" smtClean="0"/>
-              <a:t>.</a:t>
+              <a:t>So what do we need?</a:t>
             </a:r>
           </a:p>
           <a:p>
-            <a:pPr marL="0" marR="0" indent="0" algn="l" defTabSz="914400" rtl="0" eaLnBrk="0" fontAlgn="base" latinLnBrk="0" hangingPunct="0">
-              <a:lnSpc>
-                <a:spcPct val="100000"/>
-              </a:lnSpc>
-              <a:spcBef>
-                <a:spcPct val="0"/>
-              </a:spcBef>
-              <a:spcAft>
-                <a:spcPct val="0"/>
-              </a:spcAft>
-              <a:buClrTx/>
-              <a:buSzTx/>
-              <a:buFontTx/>
-              <a:buNone/>
-              <a:tabLst/>
-              <a:defRPr/>
-            </a:pPr>
             <a:endParaRPr lang="en-US" baseline="0" dirty="0" smtClean="0"/>
           </a:p>
           <a:p>
-            <a:pPr marL="0" marR="0" indent="0" algn="l" defTabSz="914400" rtl="0" eaLnBrk="0" fontAlgn="base" latinLnBrk="0" hangingPunct="0">
-              <a:lnSpc>
-                <a:spcPct val="100000"/>
-              </a:lnSpc>
-              <a:spcBef>
-                <a:spcPct val="0"/>
-              </a:spcBef>
-              <a:spcAft>
-                <a:spcPct val="0"/>
-              </a:spcAft>
-              <a:buClrTx/>
-              <a:buSzTx/>
-              <a:buFontTx/>
-              <a:buNone/>
-              <a:tabLst/>
-              <a:defRPr/>
-            </a:pPr>
             <a:r>
               <a:rPr lang="en-US" baseline="0" dirty="0" smtClean="0"/>
-              <a:t>All of these addresses are split evenly across several partitions, 16 in this case. </a:t>
+              <a:t>We want an object to always live in the same partition, so we don’t have to rehash the object or sift through all the objects</a:t>
             </a:r>
+          </a:p>
+          <a:p>
+            <a:endParaRPr lang="en-US" baseline="0" dirty="0" smtClean="0"/>
+          </a:p>
+          <a:p>
+            <a:r>
+              <a:rPr lang="en-US" baseline="0" dirty="0" smtClean="0"/>
+              <a:t>But we also want physical nodes to be able to change what portion of the ring it’s responsible for?</a:t>
+            </a:r>
+          </a:p>
+          <a:p>
+            <a:endParaRPr lang="en-US" baseline="0" dirty="0" smtClean="0"/>
+          </a:p>
+          <a:p>
+            <a:r>
+              <a:rPr lang="en-US" baseline="0" dirty="0" smtClean="0"/>
+              <a:t>So what do we do?</a:t>
+            </a:r>
+          </a:p>
+          <a:p>
+            <a:endParaRPr lang="en-US" dirty="0"/>
+          </a:p>
+        </p:txBody>
+      </p:sp>
+      <p:sp>
+        <p:nvSpPr>
+          <p:cNvPr id="4" name="Slide Number Placeholder 3"/>
+          <p:cNvSpPr>
+            <a:spLocks noGrp="1"/>
+          </p:cNvSpPr>
+          <p:nvPr>
+            <p:ph type="sldNum" sz="quarter" idx="10"/>
+          </p:nvPr>
+        </p:nvSpPr>
+        <p:spPr/>
+        <p:txBody>
+          <a:bodyPr/>
+          <a:lstStyle/>
+          <a:p>
+            <a:fld id="{4826153F-4194-9B4E-AA4C-30B41C270F91}" type="slidenum">
+              <a:rPr lang="en-US" smtClean="0"/>
+              <a:t>14</a:t>
+            </a:fld>
+            <a:endParaRPr lang="en-US"/>
           </a:p>
         </p:txBody>
       </p:sp>
     </p:spTree>
     <p:extLst>
       <p:ext uri="{BB962C8B-B14F-4D97-AF65-F5344CB8AC3E}">
-        <p14:creationId xmlns:p14="http://schemas.microsoft.com/office/powerpoint/2010/main" val="222766482"/>
+        <p14:creationId xmlns:p14="http://schemas.microsoft.com/office/powerpoint/2010/main" val="1581484500"/>
       </p:ext>
     </p:extLst>
   </p:cSld>
@@ -856,7 +824,165 @@
           <a:p>
             <a:r>
               <a:rPr lang="en-US" baseline="0" dirty="0" smtClean="0"/>
-              <a:t>This is called the Ring</a:t>
+              <a:t>We divide up the 160bit number into a large number of partitions, and then put multiple partitions on physical nodes, depending on how many physical nodes are in the cluster</a:t>
+            </a:r>
+          </a:p>
+          <a:p>
+            <a:endParaRPr lang="en-US" baseline="0" dirty="0" smtClean="0"/>
+          </a:p>
+          <a:p>
+            <a:r>
+              <a:rPr lang="en-US" baseline="0" dirty="0" smtClean="0"/>
+              <a:t>This is a  much smaller number than normal in order to make the boxes visible</a:t>
+            </a:r>
+          </a:p>
+          <a:p>
+            <a:r>
+              <a:rPr lang="en-US" baseline="0" dirty="0" smtClean="0"/>
+              <a:t>  - you’ll see upwards of 512 in the wild</a:t>
+            </a:r>
+          </a:p>
+          <a:p>
+            <a:endParaRPr lang="en-US" baseline="0" dirty="0" smtClean="0"/>
+          </a:p>
+          <a:p>
+            <a:r>
+              <a:rPr lang="en-US" baseline="0" dirty="0" smtClean="0"/>
+              <a:t>Multiple partitions can live on a physical node</a:t>
+            </a:r>
+          </a:p>
+          <a:p>
+            <a:r>
+              <a:rPr lang="en-US" baseline="0" dirty="0" smtClean="0"/>
+              <a:t>When nodes join or leave a cluster, these partitions can be passed around</a:t>
+            </a:r>
+          </a:p>
+          <a:p>
+            <a:r>
+              <a:rPr lang="en-US" baseline="0" dirty="0" smtClean="0"/>
+              <a:t>   - instead of sifting through objects</a:t>
+            </a:r>
+          </a:p>
+          <a:p>
+            <a:endParaRPr lang="en-US" baseline="0" dirty="0" smtClean="0"/>
+          </a:p>
+          <a:p>
+            <a:r>
+              <a:rPr lang="en-US" baseline="0" dirty="0" smtClean="0"/>
+              <a:t>So on top of the consistent hashing function, we also now need a mapping of which partitions live on which physical node</a:t>
+            </a:r>
+          </a:p>
+          <a:p>
+            <a:endParaRPr lang="en-US" baseline="0" dirty="0" smtClean="0"/>
+          </a:p>
+          <a:p>
+            <a:endParaRPr lang="en-US" baseline="0" dirty="0" smtClean="0"/>
+          </a:p>
+        </p:txBody>
+      </p:sp>
+    </p:spTree>
+    <p:extLst>
+      <p:ext uri="{BB962C8B-B14F-4D97-AF65-F5344CB8AC3E}">
+        <p14:creationId xmlns:p14="http://schemas.microsoft.com/office/powerpoint/2010/main" val="222766482"/>
+      </p:ext>
+    </p:extLst>
+  </p:cSld>
+  <p:clrMapOvr>
+    <a:masterClrMapping/>
+  </p:clrMapOvr>
+</p:notes>
+</file>
+
+<file path=ppt/notesSlides/notesSlide13.xml><?xml version="1.0" encoding="utf-8"?>
+<p:notes xmlns:a="http://schemas.openxmlformats.org/drawingml/2006/main" xmlns:r="http://schemas.openxmlformats.org/officeDocument/2006/relationships" xmlns:p="http://schemas.openxmlformats.org/presentationml/2006/main">
+  <p:cSld>
+    <p:spTree>
+      <p:nvGrpSpPr>
+        <p:cNvPr id="1" name=""/>
+        <p:cNvGrpSpPr/>
+        <p:nvPr/>
+      </p:nvGrpSpPr>
+      <p:grpSpPr>
+        <a:xfrm>
+          <a:off x="0" y="0"/>
+          <a:ext cx="0" cy="0"/>
+          <a:chOff x="0" y="0"/>
+          <a:chExt cx="0" cy="0"/>
+        </a:xfrm>
+      </p:grpSpPr>
+      <p:sp>
+        <p:nvSpPr>
+          <p:cNvPr id="2" name="Slide Image Placeholder 1"/>
+          <p:cNvSpPr>
+            <a:spLocks noGrp="1" noRot="1" noChangeAspect="1"/>
+          </p:cNvSpPr>
+          <p:nvPr>
+            <p:ph type="sldImg"/>
+          </p:nvPr>
+        </p:nvSpPr>
+        <p:spPr/>
+      </p:sp>
+      <p:sp>
+        <p:nvSpPr>
+          <p:cNvPr id="3" name="Notes Placeholder 2"/>
+          <p:cNvSpPr>
+            <a:spLocks noGrp="1"/>
+          </p:cNvSpPr>
+          <p:nvPr>
+            <p:ph type="body" idx="1"/>
+          </p:nvPr>
+        </p:nvSpPr>
+        <p:spPr/>
+        <p:txBody>
+          <a:bodyPr/>
+          <a:lstStyle/>
+          <a:p>
+            <a:r>
+              <a:rPr lang="en-US" baseline="0" dirty="0" smtClean="0"/>
+              <a:t>This is what we call “The Ring”</a:t>
+            </a:r>
+          </a:p>
+          <a:p>
+            <a:endParaRPr lang="en-US" baseline="0" dirty="0" smtClean="0"/>
+          </a:p>
+          <a:p>
+            <a:r>
+              <a:rPr lang="en-US" baseline="0" dirty="0" smtClean="0"/>
+              <a:t>You’ll see this</a:t>
+            </a:r>
+          </a:p>
+          <a:p>
+            <a:r>
+              <a:rPr lang="en-US" baseline="0" dirty="0" smtClean="0"/>
+              <a:t>     - </a:t>
+            </a:r>
+            <a:r>
+              <a:rPr lang="en-US" baseline="0" dirty="0" err="1" smtClean="0"/>
+              <a:t>app.config</a:t>
+            </a:r>
+            <a:r>
+              <a:rPr lang="en-US" baseline="0" dirty="0" smtClean="0"/>
+              <a:t> – </a:t>
+            </a:r>
+            <a:r>
+              <a:rPr lang="en-US" baseline="0" dirty="0" err="1" smtClean="0"/>
+              <a:t>ring_creating_size</a:t>
+            </a:r>
+            <a:endParaRPr lang="en-US" baseline="0" dirty="0" smtClean="0"/>
+          </a:p>
+          <a:p>
+            <a:r>
+              <a:rPr lang="en-US" baseline="0" dirty="0" smtClean="0"/>
+              <a:t>     - docs – some properties/state are passed in the ring</a:t>
+            </a:r>
+          </a:p>
+          <a:p>
+            <a:endParaRPr lang="en-US" baseline="0" dirty="0" smtClean="0"/>
+          </a:p>
+          <a:p>
+            <a:r>
+              <a:rPr lang="en-US" baseline="0" smtClean="0"/>
+              <a:t>The the main purpose of the ring is defining the partitions of the 160bit number (next slide)</a:t>
             </a:r>
             <a:endParaRPr lang="en-US" baseline="0" dirty="0" smtClean="0"/>
           </a:p>
@@ -879,7 +1005,7 @@
           <a:p>
             <a:fld id="{4826153F-4194-9B4E-AA4C-30B41C270F91}" type="slidenum">
               <a:rPr lang="en-US" smtClean="0"/>
-              <a:t>15</a:t>
+              <a:t>16</a:t>
             </a:fld>
             <a:endParaRPr lang="en-US"/>
           </a:p>
@@ -898,7 +1024,7 @@
 </p:notes>
 </file>
 
-<file path=ppt/notesSlides/notesSlide13.xml><?xml version="1.0" encoding="utf-8"?>
+<file path=ppt/notesSlides/notesSlide14.xml><?xml version="1.0" encoding="utf-8"?>
 <p:notes xmlns:a="http://schemas.openxmlformats.org/drawingml/2006/main" xmlns:r="http://schemas.openxmlformats.org/officeDocument/2006/relationships" xmlns:p="http://schemas.openxmlformats.org/presentationml/2006/main">
   <p:cSld>
     <p:spTree>
@@ -1026,7 +1152,7 @@
 </p:notes>
 </file>
 
-<file path=ppt/notesSlides/notesSlide14.xml><?xml version="1.0" encoding="utf-8"?>
+<file path=ppt/notesSlides/notesSlide15.xml><?xml version="1.0" encoding="utf-8"?>
 <p:notes xmlns:a="http://schemas.openxmlformats.org/drawingml/2006/main" xmlns:r="http://schemas.openxmlformats.org/officeDocument/2006/relationships" xmlns:p="http://schemas.openxmlformats.org/presentationml/2006/main">
   <p:cSld>
     <p:spTree>
@@ -1116,7 +1242,7 @@
 </p:notes>
 </file>
 
-<file path=ppt/notesSlides/notesSlide15.xml><?xml version="1.0" encoding="utf-8"?>
+<file path=ppt/notesSlides/notesSlide16.xml><?xml version="1.0" encoding="utf-8"?>
 <p:notes xmlns:a="http://schemas.openxmlformats.org/drawingml/2006/main" xmlns:r="http://schemas.openxmlformats.org/officeDocument/2006/relationships" xmlns:p="http://schemas.openxmlformats.org/presentationml/2006/main">
   <p:cSld>
     <p:spTree>
@@ -1188,7 +1314,7 @@
 </p:notes>
 </file>
 
-<file path=ppt/notesSlides/notesSlide16.xml><?xml version="1.0" encoding="utf-8"?>
+<file path=ppt/notesSlides/notesSlide17.xml><?xml version="1.0" encoding="utf-8"?>
 <p:notes xmlns:a="http://schemas.openxmlformats.org/drawingml/2006/main" xmlns:r="http://schemas.openxmlformats.org/officeDocument/2006/relationships" xmlns:p="http://schemas.openxmlformats.org/presentationml/2006/main">
   <p:cSld>
     <p:spTree>
@@ -1301,7 +1427,7 @@
 </p:notes>
 </file>
 
-<file path=ppt/notesSlides/notesSlide17.xml><?xml version="1.0" encoding="utf-8"?>
+<file path=ppt/notesSlides/notesSlide18.xml><?xml version="1.0" encoding="utf-8"?>
 <p:notes xmlns:a="http://schemas.openxmlformats.org/drawingml/2006/main" xmlns:r="http://schemas.openxmlformats.org/officeDocument/2006/relationships" xmlns:p="http://schemas.openxmlformats.org/presentationml/2006/main">
   <p:cSld>
     <p:spTree>
@@ -1373,7 +1499,7 @@
 </p:notes>
 </file>
 
-<file path=ppt/notesSlides/notesSlide18.xml><?xml version="1.0" encoding="utf-8"?>
+<file path=ppt/notesSlides/notesSlide19.xml><?xml version="1.0" encoding="utf-8"?>
 <p:notes xmlns:a="http://schemas.openxmlformats.org/drawingml/2006/main" xmlns:r="http://schemas.openxmlformats.org/officeDocument/2006/relationships" xmlns:p="http://schemas.openxmlformats.org/presentationml/2006/main">
   <p:cSld>
     <p:spTree>
@@ -1445,7 +1571,123 @@
 </p:notes>
 </file>
 
-<file path=ppt/notesSlides/notesSlide19.xml><?xml version="1.0" encoding="utf-8"?>
+<file path=ppt/notesSlides/notesSlide2.xml><?xml version="1.0" encoding="utf-8"?>
+<p:notes xmlns:a="http://schemas.openxmlformats.org/drawingml/2006/main" xmlns:r="http://schemas.openxmlformats.org/officeDocument/2006/relationships" xmlns:p="http://schemas.openxmlformats.org/presentationml/2006/main">
+  <p:cSld>
+    <p:spTree>
+      <p:nvGrpSpPr>
+        <p:cNvPr id="1" name=""/>
+        <p:cNvGrpSpPr/>
+        <p:nvPr/>
+      </p:nvGrpSpPr>
+      <p:grpSpPr>
+        <a:xfrm>
+          <a:off x="0" y="0"/>
+          <a:ext cx="0" cy="0"/>
+          <a:chOff x="0" y="0"/>
+          <a:chExt cx="0" cy="0"/>
+        </a:xfrm>
+      </p:grpSpPr>
+      <p:sp>
+        <p:nvSpPr>
+          <p:cNvPr id="2" name="Slide Image Placeholder 1"/>
+          <p:cNvSpPr>
+            <a:spLocks noGrp="1" noRot="1" noChangeAspect="1"/>
+          </p:cNvSpPr>
+          <p:nvPr>
+            <p:ph type="sldImg"/>
+          </p:nvPr>
+        </p:nvSpPr>
+        <p:spPr/>
+      </p:sp>
+      <p:sp>
+        <p:nvSpPr>
+          <p:cNvPr id="3" name="Notes Placeholder 2"/>
+          <p:cNvSpPr>
+            <a:spLocks noGrp="1"/>
+          </p:cNvSpPr>
+          <p:nvPr>
+            <p:ph type="body" idx="1"/>
+          </p:nvPr>
+        </p:nvSpPr>
+        <p:spPr/>
+        <p:txBody>
+          <a:bodyPr/>
+          <a:lstStyle/>
+          <a:p>
+            <a:r>
+              <a:rPr lang="en-US" baseline="0" dirty="0" smtClean="0"/>
+              <a:t>-- Now we add some data, and eventually the box fills up.</a:t>
+            </a:r>
+          </a:p>
+          <a:p>
+            <a:endParaRPr lang="en-US" baseline="0" dirty="0" smtClean="0"/>
+          </a:p>
+          <a:p>
+            <a:r>
+              <a:rPr lang="en-US" baseline="0" dirty="0" smtClean="0"/>
+              <a:t>Used to contain data</a:t>
+            </a:r>
+          </a:p>
+          <a:p>
+            <a:pPr marL="171450" indent="-171450">
+              <a:buFontTx/>
+              <a:buChar char="-"/>
+            </a:pPr>
+            <a:r>
+              <a:rPr lang="en-US" baseline="0" dirty="0" smtClean="0"/>
+              <a:t>Designed, contains 2</a:t>
+            </a:r>
+          </a:p>
+          <a:p>
+            <a:pPr marL="171450" indent="-171450">
+              <a:buFontTx/>
+              <a:buChar char="-"/>
+            </a:pPr>
+            <a:r>
+              <a:rPr lang="en-US" baseline="0" dirty="0" smtClean="0"/>
+              <a:t>Contains:</a:t>
+            </a:r>
+          </a:p>
+          <a:p>
+            <a:pPr marL="628650" lvl="1" indent="-171450">
+              <a:buFontTx/>
+              <a:buChar char="-"/>
+            </a:pPr>
+            <a:r>
+              <a:rPr lang="en-US" baseline="0" dirty="0" smtClean="0"/>
+              <a:t>Samurai</a:t>
+            </a:r>
+          </a:p>
+          <a:p>
+            <a:pPr marL="628650" lvl="1" indent="-171450">
+              <a:buFontTx/>
+              <a:buChar char="-"/>
+            </a:pPr>
+            <a:r>
+              <a:rPr lang="en-US" baseline="0" dirty="0" smtClean="0"/>
+              <a:t>Santa Clauses</a:t>
+            </a:r>
+          </a:p>
+          <a:p>
+            <a:endParaRPr lang="en-US" baseline="0" dirty="0" smtClean="0"/>
+          </a:p>
+        </p:txBody>
+      </p:sp>
+    </p:spTree>
+    <p:extLst>
+      <p:ext uri="{BB962C8B-B14F-4D97-AF65-F5344CB8AC3E}">
+        <p14:creationId xmlns:p14="http://schemas.microsoft.com/office/powerpoint/2010/main" val="222766482"/>
+      </p:ext>
+    </p:extLst>
+  </p:cSld>
+  <p:clrMapOvr>
+    <a:masterClrMapping/>
+  </p:clrMapOvr>
+</p:notes>
+</file>
+
+<file path=ppt/notesSlides/notesSlide20.xml><?xml version="1.0" encoding="utf-8"?>
 <p:notes xmlns:a="http://schemas.openxmlformats.org/drawingml/2006/main" xmlns:r="http://schemas.openxmlformats.org/officeDocument/2006/relationships" xmlns:p="http://schemas.openxmlformats.org/presentationml/2006/main">
   <p:cSld>
     <p:spTree>
@@ -1525,7 +1767,7 @@
           <a:p>
             <a:fld id="{4826153F-4194-9B4E-AA4C-30B41C270F91}" type="slidenum">
               <a:rPr lang="en-US" smtClean="0"/>
-              <a:t>23</a:t>
+              <a:t>24</a:t>
             </a:fld>
             <a:endParaRPr lang="en-US"/>
           </a:p>
@@ -1544,71 +1786,7 @@
 </p:notes>
 </file>
 
-<file path=ppt/notesSlides/notesSlide2.xml><?xml version="1.0" encoding="utf-8"?>
-<p:notes xmlns:a="http://schemas.openxmlformats.org/drawingml/2006/main" xmlns:r="http://schemas.openxmlformats.org/officeDocument/2006/relationships" xmlns:p="http://schemas.openxmlformats.org/presentationml/2006/main">
-  <p:cSld>
-    <p:spTree>
-      <p:nvGrpSpPr>
-        <p:cNvPr id="1" name=""/>
-        <p:cNvGrpSpPr/>
-        <p:nvPr/>
-      </p:nvGrpSpPr>
-      <p:grpSpPr>
-        <a:xfrm>
-          <a:off x="0" y="0"/>
-          <a:ext cx="0" cy="0"/>
-          <a:chOff x="0" y="0"/>
-          <a:chExt cx="0" cy="0"/>
-        </a:xfrm>
-      </p:grpSpPr>
-      <p:sp>
-        <p:nvSpPr>
-          <p:cNvPr id="2" name="Slide Image Placeholder 1"/>
-          <p:cNvSpPr>
-            <a:spLocks noGrp="1" noRot="1" noChangeAspect="1"/>
-          </p:cNvSpPr>
-          <p:nvPr>
-            <p:ph type="sldImg"/>
-          </p:nvPr>
-        </p:nvSpPr>
-        <p:spPr/>
-      </p:sp>
-      <p:sp>
-        <p:nvSpPr>
-          <p:cNvPr id="3" name="Notes Placeholder 2"/>
-          <p:cNvSpPr>
-            <a:spLocks noGrp="1"/>
-          </p:cNvSpPr>
-          <p:nvPr>
-            <p:ph type="body" idx="1"/>
-          </p:nvPr>
-        </p:nvSpPr>
-        <p:spPr/>
-        <p:txBody>
-          <a:bodyPr/>
-          <a:lstStyle/>
-          <a:p>
-            <a:r>
-              <a:rPr lang="en-US" baseline="0" dirty="0" smtClean="0"/>
-              <a:t>-- Now we add some data, and eventually the box fills up</a:t>
-            </a:r>
-          </a:p>
-        </p:txBody>
-      </p:sp>
-    </p:spTree>
-    <p:extLst>
-      <p:ext uri="{BB962C8B-B14F-4D97-AF65-F5344CB8AC3E}">
-        <p14:creationId xmlns:p14="http://schemas.microsoft.com/office/powerpoint/2010/main" val="222766482"/>
-      </p:ext>
-    </p:extLst>
-  </p:cSld>
-  <p:clrMapOvr>
-    <a:masterClrMapping/>
-  </p:clrMapOvr>
-</p:notes>
-</file>
-
-<file path=ppt/notesSlides/notesSlide20.xml><?xml version="1.0" encoding="utf-8"?>
+<file path=ppt/notesSlides/notesSlide21.xml><?xml version="1.0" encoding="utf-8"?>
 <p:notes xmlns:a="http://schemas.openxmlformats.org/drawingml/2006/main" xmlns:r="http://schemas.openxmlformats.org/officeDocument/2006/relationships" xmlns:p="http://schemas.openxmlformats.org/presentationml/2006/main">
   <p:cSld>
     <p:spTree>
@@ -1672,7 +1850,7 @@
 </p:notes>
 </file>
 
-<file path=ppt/notesSlides/notesSlide21.xml><?xml version="1.0" encoding="utf-8"?>
+<file path=ppt/notesSlides/notesSlide22.xml><?xml version="1.0" encoding="utf-8"?>
 <p:notes xmlns:a="http://schemas.openxmlformats.org/drawingml/2006/main" xmlns:r="http://schemas.openxmlformats.org/officeDocument/2006/relationships" xmlns:p="http://schemas.openxmlformats.org/presentationml/2006/main">
   <p:cSld>
     <p:spTree>
@@ -1736,7 +1914,7 @@
 </p:notes>
 </file>
 
-<file path=ppt/notesSlides/notesSlide22.xml><?xml version="1.0" encoding="utf-8"?>
+<file path=ppt/notesSlides/notesSlide23.xml><?xml version="1.0" encoding="utf-8"?>
 <p:notes xmlns:a="http://schemas.openxmlformats.org/drawingml/2006/main" xmlns:r="http://schemas.openxmlformats.org/officeDocument/2006/relationships" xmlns:p="http://schemas.openxmlformats.org/presentationml/2006/main">
   <p:cSld>
     <p:spTree>
@@ -1809,7 +1987,7 @@
 </p:notes>
 </file>
 
-<file path=ppt/notesSlides/notesSlide23.xml><?xml version="1.0" encoding="utf-8"?>
+<file path=ppt/notesSlides/notesSlide24.xml><?xml version="1.0" encoding="utf-8"?>
 <p:notes xmlns:a="http://schemas.openxmlformats.org/drawingml/2006/main" xmlns:r="http://schemas.openxmlformats.org/officeDocument/2006/relationships" xmlns:p="http://schemas.openxmlformats.org/presentationml/2006/main">
   <p:cSld>
     <p:spTree>
@@ -1873,7 +2051,7 @@
 </p:notes>
 </file>
 
-<file path=ppt/notesSlides/notesSlide24.xml><?xml version="1.0" encoding="utf-8"?>
+<file path=ppt/notesSlides/notesSlide25.xml><?xml version="1.0" encoding="utf-8"?>
 <p:notes xmlns:a="http://schemas.openxmlformats.org/drawingml/2006/main" xmlns:r="http://schemas.openxmlformats.org/officeDocument/2006/relationships" xmlns:p="http://schemas.openxmlformats.org/presentationml/2006/main">
   <p:cSld>
     <p:spTree>
@@ -1921,91 +2099,6 @@
               <a:rPr lang="en-US" baseline="0" dirty="0" smtClean="0"/>
               <a:t>Now that we’ve talked about ownership hand-offs in a normal cluster state, lets talk about what happens in a failure state</a:t>
             </a:r>
-            <a:endParaRPr lang="en-US" baseline="0" dirty="0" smtClean="0"/>
-          </a:p>
-        </p:txBody>
-      </p:sp>
-      <p:sp>
-        <p:nvSpPr>
-          <p:cNvPr id="4" name="Slide Number Placeholder 3"/>
-          <p:cNvSpPr>
-            <a:spLocks noGrp="1"/>
-          </p:cNvSpPr>
-          <p:nvPr>
-            <p:ph type="sldNum" sz="quarter" idx="10"/>
-          </p:nvPr>
-        </p:nvSpPr>
-        <p:spPr/>
-        <p:txBody>
-          <a:bodyPr/>
-          <a:lstStyle/>
-          <a:p>
-            <a:fld id="{4826153F-4194-9B4E-AA4C-30B41C270F91}" type="slidenum">
-              <a:rPr lang="en-US" smtClean="0"/>
-              <a:t>28</a:t>
-            </a:fld>
-            <a:endParaRPr lang="en-US"/>
-          </a:p>
-        </p:txBody>
-      </p:sp>
-    </p:spTree>
-    <p:extLst>
-      <p:ext uri="{BB962C8B-B14F-4D97-AF65-F5344CB8AC3E}">
-        <p14:creationId xmlns:p14="http://schemas.microsoft.com/office/powerpoint/2010/main" val="3299904413"/>
-      </p:ext>
-    </p:extLst>
-  </p:cSld>
-  <p:clrMapOvr>
-    <a:masterClrMapping/>
-  </p:clrMapOvr>
-</p:notes>
-</file>
-
-<file path=ppt/notesSlides/notesSlide25.xml><?xml version="1.0" encoding="utf-8"?>
-<p:notes xmlns:a="http://schemas.openxmlformats.org/drawingml/2006/main" xmlns:r="http://schemas.openxmlformats.org/officeDocument/2006/relationships" xmlns:p="http://schemas.openxmlformats.org/presentationml/2006/main">
-  <p:cSld>
-    <p:spTree>
-      <p:nvGrpSpPr>
-        <p:cNvPr id="1" name=""/>
-        <p:cNvGrpSpPr/>
-        <p:nvPr/>
-      </p:nvGrpSpPr>
-      <p:grpSpPr>
-        <a:xfrm>
-          <a:off x="0" y="0"/>
-          <a:ext cx="0" cy="0"/>
-          <a:chOff x="0" y="0"/>
-          <a:chExt cx="0" cy="0"/>
-        </a:xfrm>
-      </p:grpSpPr>
-      <p:sp>
-        <p:nvSpPr>
-          <p:cNvPr id="2" name="Slide Image Placeholder 1"/>
-          <p:cNvSpPr>
-            <a:spLocks noGrp="1" noRot="1" noChangeAspect="1"/>
-          </p:cNvSpPr>
-          <p:nvPr>
-            <p:ph type="sldImg"/>
-          </p:nvPr>
-        </p:nvSpPr>
-        <p:spPr/>
-      </p:sp>
-      <p:sp>
-        <p:nvSpPr>
-          <p:cNvPr id="3" name="Notes Placeholder 2"/>
-          <p:cNvSpPr>
-            <a:spLocks noGrp="1"/>
-          </p:cNvSpPr>
-          <p:nvPr>
-            <p:ph type="body" idx="1"/>
-          </p:nvPr>
-        </p:nvSpPr>
-        <p:spPr/>
-        <p:txBody>
-          <a:bodyPr/>
-          <a:lstStyle/>
-          <a:p>
-            <a:endParaRPr lang="en-US" dirty="0"/>
           </a:p>
         </p:txBody>
       </p:sp>
@@ -2089,6 +2182,90 @@
           <a:bodyPr/>
           <a:lstStyle/>
           <a:p>
+            <a:endParaRPr lang="en-US" dirty="0"/>
+          </a:p>
+        </p:txBody>
+      </p:sp>
+      <p:sp>
+        <p:nvSpPr>
+          <p:cNvPr id="4" name="Slide Number Placeholder 3"/>
+          <p:cNvSpPr>
+            <a:spLocks noGrp="1"/>
+          </p:cNvSpPr>
+          <p:nvPr>
+            <p:ph type="sldNum" sz="quarter" idx="10"/>
+          </p:nvPr>
+        </p:nvSpPr>
+        <p:spPr/>
+        <p:txBody>
+          <a:bodyPr/>
+          <a:lstStyle/>
+          <a:p>
+            <a:fld id="{4826153F-4194-9B4E-AA4C-30B41C270F91}" type="slidenum">
+              <a:rPr lang="en-US" smtClean="0"/>
+              <a:t>30</a:t>
+            </a:fld>
+            <a:endParaRPr lang="en-US"/>
+          </a:p>
+        </p:txBody>
+      </p:sp>
+    </p:spTree>
+    <p:extLst>
+      <p:ext uri="{BB962C8B-B14F-4D97-AF65-F5344CB8AC3E}">
+        <p14:creationId xmlns:p14="http://schemas.microsoft.com/office/powerpoint/2010/main" val="3299904413"/>
+      </p:ext>
+    </p:extLst>
+  </p:cSld>
+  <p:clrMapOvr>
+    <a:masterClrMapping/>
+  </p:clrMapOvr>
+</p:notes>
+</file>
+
+<file path=ppt/notesSlides/notesSlide27.xml><?xml version="1.0" encoding="utf-8"?>
+<p:notes xmlns:a="http://schemas.openxmlformats.org/drawingml/2006/main" xmlns:r="http://schemas.openxmlformats.org/officeDocument/2006/relationships" xmlns:p="http://schemas.openxmlformats.org/presentationml/2006/main">
+  <p:cSld>
+    <p:spTree>
+      <p:nvGrpSpPr>
+        <p:cNvPr id="1" name=""/>
+        <p:cNvGrpSpPr/>
+        <p:nvPr/>
+      </p:nvGrpSpPr>
+      <p:grpSpPr>
+        <a:xfrm>
+          <a:off x="0" y="0"/>
+          <a:ext cx="0" cy="0"/>
+          <a:chOff x="0" y="0"/>
+          <a:chExt cx="0" cy="0"/>
+        </a:xfrm>
+      </p:grpSpPr>
+      <p:sp>
+        <p:nvSpPr>
+          <p:cNvPr id="2" name="Slide Image Placeholder 1"/>
+          <p:cNvSpPr>
+            <a:spLocks noGrp="1" noRot="1" noChangeAspect="1"/>
+          </p:cNvSpPr>
+          <p:nvPr>
+            <p:ph type="sldImg"/>
+          </p:nvPr>
+        </p:nvSpPr>
+        <p:spPr/>
+      </p:sp>
+      <p:sp>
+        <p:nvSpPr>
+          <p:cNvPr id="3" name="Notes Placeholder 2"/>
+          <p:cNvSpPr>
+            <a:spLocks noGrp="1"/>
+          </p:cNvSpPr>
+          <p:nvPr>
+            <p:ph type="body" idx="1"/>
+          </p:nvPr>
+        </p:nvSpPr>
+        <p:spPr/>
+        <p:txBody>
+          <a:bodyPr/>
+          <a:lstStyle/>
+          <a:p>
             <a:r>
               <a:rPr lang="en-US" baseline="0" dirty="0" smtClean="0"/>
               <a:t>-- Lets say a pile of rocks falls on one of your servers</a:t>
@@ -2109,7 +2286,7 @@
 </p:notes>
 </file>
 
-<file path=ppt/notesSlides/notesSlide27.xml><?xml version="1.0" encoding="utf-8"?>
+<file path=ppt/notesSlides/notesSlide28.xml><?xml version="1.0" encoding="utf-8"?>
 <p:notes xmlns:a="http://schemas.openxmlformats.org/drawingml/2006/main" xmlns:r="http://schemas.openxmlformats.org/officeDocument/2006/relationships" xmlns:p="http://schemas.openxmlformats.org/presentationml/2006/main">
   <p:cSld>
     <p:spTree>
@@ -2194,7 +2371,7 @@
 </p:notes>
 </file>
 
-<file path=ppt/notesSlides/notesSlide28.xml><?xml version="1.0" encoding="utf-8"?>
+<file path=ppt/notesSlides/notesSlide29.xml><?xml version="1.0" encoding="utf-8"?>
 <p:notes xmlns:a="http://schemas.openxmlformats.org/drawingml/2006/main" xmlns:r="http://schemas.openxmlformats.org/officeDocument/2006/relationships" xmlns:p="http://schemas.openxmlformats.org/presentationml/2006/main">
   <p:cSld>
     <p:spTree>
@@ -2241,78 +2418,6 @@
             <a:r>
               <a:rPr lang="en-US" baseline="0" dirty="0" smtClean="0"/>
               <a:t>-- The node that receives the request hashes his name and finds that he should be directed to the red node… but where’d the red node go?</a:t>
-            </a:r>
-          </a:p>
-        </p:txBody>
-      </p:sp>
-    </p:spTree>
-    <p:extLst>
-      <p:ext uri="{BB962C8B-B14F-4D97-AF65-F5344CB8AC3E}">
-        <p14:creationId xmlns:p14="http://schemas.microsoft.com/office/powerpoint/2010/main" val="222766482"/>
-      </p:ext>
-    </p:extLst>
-  </p:cSld>
-  <p:clrMapOvr>
-    <a:masterClrMapping/>
-  </p:clrMapOvr>
-</p:notes>
-</file>
-
-<file path=ppt/notesSlides/notesSlide29.xml><?xml version="1.0" encoding="utf-8"?>
-<p:notes xmlns:a="http://schemas.openxmlformats.org/drawingml/2006/main" xmlns:r="http://schemas.openxmlformats.org/officeDocument/2006/relationships" xmlns:p="http://schemas.openxmlformats.org/presentationml/2006/main">
-  <p:cSld>
-    <p:spTree>
-      <p:nvGrpSpPr>
-        <p:cNvPr id="1" name=""/>
-        <p:cNvGrpSpPr/>
-        <p:nvPr/>
-      </p:nvGrpSpPr>
-      <p:grpSpPr>
-        <a:xfrm>
-          <a:off x="0" y="0"/>
-          <a:ext cx="0" cy="0"/>
-          <a:chOff x="0" y="0"/>
-          <a:chExt cx="0" cy="0"/>
-        </a:xfrm>
-      </p:grpSpPr>
-      <p:sp>
-        <p:nvSpPr>
-          <p:cNvPr id="2" name="Slide Image Placeholder 1"/>
-          <p:cNvSpPr>
-            <a:spLocks noGrp="1" noRot="1" noChangeAspect="1"/>
-          </p:cNvSpPr>
-          <p:nvPr>
-            <p:ph type="sldImg"/>
-          </p:nvPr>
-        </p:nvSpPr>
-        <p:spPr/>
-      </p:sp>
-      <p:sp>
-        <p:nvSpPr>
-          <p:cNvPr id="3" name="Notes Placeholder 2"/>
-          <p:cNvSpPr>
-            <a:spLocks noGrp="1"/>
-          </p:cNvSpPr>
-          <p:nvPr>
-            <p:ph type="body" idx="1"/>
-          </p:nvPr>
-        </p:nvSpPr>
-        <p:spPr/>
-        <p:txBody>
-          <a:bodyPr/>
-          <a:lstStyle/>
-          <a:p>
-            <a:r>
-              <a:rPr lang="en-US" baseline="0" dirty="0" smtClean="0"/>
-              <a:t>-- During the absence of the red node, the rest of the nodes will claim ownership of the partitions red used to handle as if it were a cluster of 3 </a:t>
-            </a:r>
-            <a:r>
-              <a:rPr lang="en-US" baseline="0" dirty="0" err="1" smtClean="0"/>
-              <a:t>ndoes</a:t>
-            </a:r>
-            <a:r>
-              <a:rPr lang="en-US" baseline="0" dirty="0" smtClean="0"/>
-              <a:t> instead of four</a:t>
             </a:r>
           </a:p>
         </p:txBody>
@@ -2377,6 +2482,52 @@
             <a:r>
               <a:rPr lang="en-US" baseline="0" dirty="0" smtClean="0"/>
               <a:t>-- What happens when we run out of space?</a:t>
+            </a:r>
+          </a:p>
+          <a:p>
+            <a:r>
+              <a:rPr lang="en-US" baseline="0" dirty="0" smtClean="0"/>
+              <a:t>At some point you have too much data to fit on one server</a:t>
+            </a:r>
+          </a:p>
+          <a:p>
+            <a:endParaRPr lang="en-US" baseline="0" dirty="0" smtClean="0"/>
+          </a:p>
+          <a:p>
+            <a:pPr marL="171450" indent="-171450">
+              <a:buFontTx/>
+              <a:buChar char="-"/>
+            </a:pPr>
+            <a:r>
+              <a:rPr lang="en-US" baseline="0" dirty="0" smtClean="0"/>
+              <a:t>More objects, different objects?</a:t>
+            </a:r>
+          </a:p>
+          <a:p>
+            <a:pPr marL="171450" indent="-171450">
+              <a:buFontTx/>
+              <a:buChar char="-"/>
+            </a:pPr>
+            <a:r>
+              <a:rPr lang="en-US" baseline="0" dirty="0" smtClean="0"/>
+              <a:t>Too many objects for one box</a:t>
+            </a:r>
+          </a:p>
+          <a:p>
+            <a:pPr marL="0" indent="0">
+              <a:buFontTx/>
+              <a:buNone/>
+            </a:pPr>
+            <a:endParaRPr lang="en-US" baseline="0" dirty="0" smtClean="0"/>
+          </a:p>
+          <a:p>
+            <a:pPr marL="0" indent="0">
+              <a:buFontTx/>
+              <a:buNone/>
+            </a:pPr>
+            <a:r>
+              <a:rPr lang="en-US" baseline="0" dirty="0" smtClean="0"/>
+              <a:t>What do you do?</a:t>
             </a:r>
           </a:p>
           <a:p>
@@ -2449,6 +2600,78 @@
           <a:p>
             <a:r>
               <a:rPr lang="en-US" baseline="0" dirty="0" smtClean="0"/>
+              <a:t>-- During the absence of the red node, the rest of the nodes will claim ownership of the partitions red used to handle as if it were a cluster of 3 </a:t>
+            </a:r>
+            <a:r>
+              <a:rPr lang="en-US" baseline="0" dirty="0" err="1" smtClean="0"/>
+              <a:t>ndoes</a:t>
+            </a:r>
+            <a:r>
+              <a:rPr lang="en-US" baseline="0" dirty="0" smtClean="0"/>
+              <a:t> instead of four</a:t>
+            </a:r>
+          </a:p>
+        </p:txBody>
+      </p:sp>
+    </p:spTree>
+    <p:extLst>
+      <p:ext uri="{BB962C8B-B14F-4D97-AF65-F5344CB8AC3E}">
+        <p14:creationId xmlns:p14="http://schemas.microsoft.com/office/powerpoint/2010/main" val="222766482"/>
+      </p:ext>
+    </p:extLst>
+  </p:cSld>
+  <p:clrMapOvr>
+    <a:masterClrMapping/>
+  </p:clrMapOvr>
+</p:notes>
+</file>
+
+<file path=ppt/notesSlides/notesSlide31.xml><?xml version="1.0" encoding="utf-8"?>
+<p:notes xmlns:a="http://schemas.openxmlformats.org/drawingml/2006/main" xmlns:r="http://schemas.openxmlformats.org/officeDocument/2006/relationships" xmlns:p="http://schemas.openxmlformats.org/presentationml/2006/main">
+  <p:cSld>
+    <p:spTree>
+      <p:nvGrpSpPr>
+        <p:cNvPr id="1" name=""/>
+        <p:cNvGrpSpPr/>
+        <p:nvPr/>
+      </p:nvGrpSpPr>
+      <p:grpSpPr>
+        <a:xfrm>
+          <a:off x="0" y="0"/>
+          <a:ext cx="0" cy="0"/>
+          <a:chOff x="0" y="0"/>
+          <a:chExt cx="0" cy="0"/>
+        </a:xfrm>
+      </p:grpSpPr>
+      <p:sp>
+        <p:nvSpPr>
+          <p:cNvPr id="2" name="Slide Image Placeholder 1"/>
+          <p:cNvSpPr>
+            <a:spLocks noGrp="1" noRot="1" noChangeAspect="1"/>
+          </p:cNvSpPr>
+          <p:nvPr>
+            <p:ph type="sldImg"/>
+          </p:nvPr>
+        </p:nvSpPr>
+        <p:spPr/>
+      </p:sp>
+      <p:sp>
+        <p:nvSpPr>
+          <p:cNvPr id="3" name="Notes Placeholder 2"/>
+          <p:cNvSpPr>
+            <a:spLocks noGrp="1"/>
+          </p:cNvSpPr>
+          <p:nvPr>
+            <p:ph type="body" idx="1"/>
+          </p:nvPr>
+        </p:nvSpPr>
+        <p:spPr/>
+        <p:txBody>
+          <a:bodyPr/>
+          <a:lstStyle/>
+          <a:p>
+            <a:r>
+              <a:rPr lang="en-US" baseline="0" dirty="0" smtClean="0"/>
               <a:t>-- If the red node comes back online and is rediscovered by the rest of the cluster via Gossip protocol, the handoff process begins to return the partitions back to red’s ownership</a:t>
             </a:r>
           </a:p>
@@ -2473,7 +2696,7 @@
 </p:notes>
 </file>
 
-<file path=ppt/notesSlides/notesSlide31.xml><?xml version="1.0" encoding="utf-8"?>
+<file path=ppt/notesSlides/notesSlide32.xml><?xml version="1.0" encoding="utf-8"?>
 <p:notes xmlns:a="http://schemas.openxmlformats.org/drawingml/2006/main" xmlns:r="http://schemas.openxmlformats.org/officeDocument/2006/relationships" xmlns:p="http://schemas.openxmlformats.org/presentationml/2006/main">
   <p:cSld>
     <p:spTree>
@@ -2537,7 +2760,7 @@
 </p:notes>
 </file>
 
-<file path=ppt/notesSlides/notesSlide32.xml><?xml version="1.0" encoding="utf-8"?>
+<file path=ppt/notesSlides/notesSlide33.xml><?xml version="1.0" encoding="utf-8"?>
 <p:notes xmlns:a="http://schemas.openxmlformats.org/drawingml/2006/main" xmlns:r="http://schemas.openxmlformats.org/officeDocument/2006/relationships" xmlns:p="http://schemas.openxmlformats.org/presentationml/2006/main">
   <p:cSld>
     <p:spTree>
@@ -2594,7 +2817,6 @@
               <a:rPr lang="en-US" baseline="0" dirty="0" smtClean="0"/>
               <a:t>This differs from regular handoff because it happened as the result of an unexpected change in the cluster, not from intentionally adding or removing a node</a:t>
             </a:r>
-            <a:endParaRPr lang="en-US" baseline="0" dirty="0" smtClean="0"/>
           </a:p>
         </p:txBody>
       </p:sp>
@@ -2615,7 +2837,7 @@
           <a:p>
             <a:fld id="{4826153F-4194-9B4E-AA4C-30B41C270F91}" type="slidenum">
               <a:rPr lang="en-US" smtClean="0"/>
-              <a:t>36</a:t>
+              <a:t>37</a:t>
             </a:fld>
             <a:endParaRPr lang="en-US"/>
           </a:p>
@@ -2634,7 +2856,7 @@
 </p:notes>
 </file>
 
-<file path=ppt/notesSlides/notesSlide33.xml><?xml version="1.0" encoding="utf-8"?>
+<file path=ppt/notesSlides/notesSlide34.xml><?xml version="1.0" encoding="utf-8"?>
 <p:notes xmlns:a="http://schemas.openxmlformats.org/drawingml/2006/main" xmlns:r="http://schemas.openxmlformats.org/officeDocument/2006/relationships" xmlns:p="http://schemas.openxmlformats.org/presentationml/2006/main">
   <p:cSld>
     <p:spTree>
@@ -2802,7 +3024,7 @@
           <a:p>
             <a:fld id="{4826153F-4194-9B4E-AA4C-30B41C270F91}" type="slidenum">
               <a:rPr lang="en-US" smtClean="0"/>
-              <a:t>38</a:t>
+              <a:t>39</a:t>
             </a:fld>
             <a:endParaRPr lang="en-US"/>
           </a:p>
@@ -2821,7 +3043,7 @@
 </p:notes>
 </file>
 
-<file path=ppt/notesSlides/notesSlide34.xml><?xml version="1.0" encoding="utf-8"?>
+<file path=ppt/notesSlides/notesSlide35.xml><?xml version="1.0" encoding="utf-8"?>
 <p:notes xmlns:a="http://schemas.openxmlformats.org/drawingml/2006/main" xmlns:r="http://schemas.openxmlformats.org/officeDocument/2006/relationships" xmlns:p="http://schemas.openxmlformats.org/presentationml/2006/main">
   <p:cSld>
     <p:spTree>
@@ -2975,10 +3197,6 @@
               </a:rPr>
               <a:t>divided as evenly as possible amongst the nodes</a:t>
             </a:r>
-            <a:endParaRPr lang="en-US" sz="1200" b="1" dirty="0" smtClean="0">
-              <a:latin typeface="Franklin Gothic Medium"/>
-              <a:cs typeface="Franklin Gothic Medium"/>
-            </a:endParaRPr>
           </a:p>
         </p:txBody>
       </p:sp>
@@ -2999,7 +3217,7 @@
           <a:p>
             <a:fld id="{4826153F-4194-9B4E-AA4C-30B41C270F91}" type="slidenum">
               <a:rPr lang="en-US" smtClean="0"/>
-              <a:t>39</a:t>
+              <a:t>40</a:t>
             </a:fld>
             <a:endParaRPr lang="en-US"/>
           </a:p>
@@ -3018,7 +3236,7 @@
 </p:notes>
 </file>
 
-<file path=ppt/notesSlides/notesSlide35.xml><?xml version="1.0" encoding="utf-8"?>
+<file path=ppt/notesSlides/notesSlide36.xml><?xml version="1.0" encoding="utf-8"?>
 <p:notes xmlns:a="http://schemas.openxmlformats.org/drawingml/2006/main" xmlns:r="http://schemas.openxmlformats.org/officeDocument/2006/relationships" xmlns:p="http://schemas.openxmlformats.org/presentationml/2006/main">
   <p:cSld>
     <p:spTree>
@@ -3134,7 +3352,7 @@
           <a:p>
             <a:fld id="{4826153F-4194-9B4E-AA4C-30B41C270F91}" type="slidenum">
               <a:rPr lang="en-US" smtClean="0"/>
-              <a:t>40</a:t>
+              <a:t>41</a:t>
             </a:fld>
             <a:endParaRPr lang="en-US"/>
           </a:p>
@@ -3199,8 +3417,115 @@
           <a:p>
             <a:r>
               <a:rPr lang="en-US" baseline="0" dirty="0" smtClean="0"/>
-              <a:t>-- One solution might be separate your data sort of chronologically</a:t>
+              <a:t>-- One solution might be separate your data sort of chronologically. (You add more machines to store things. This creates a problem, where do things go, and how do you get them?)</a:t>
             </a:r>
+          </a:p>
+          <a:p>
+            <a:endParaRPr lang="en-US" baseline="0" dirty="0" smtClean="0"/>
+          </a:p>
+          <a:p>
+            <a:r>
+              <a:rPr lang="en-US" baseline="0" dirty="0" smtClean="0"/>
+              <a:t>A typical scheme looks like this</a:t>
+            </a:r>
+          </a:p>
+          <a:p>
+            <a:endParaRPr lang="en-US" baseline="0" dirty="0" smtClean="0"/>
+          </a:p>
+          <a:p>
+            <a:r>
+              <a:rPr lang="en-US" baseline="0" dirty="0" smtClean="0"/>
+              <a:t>All things of this type go here</a:t>
+            </a:r>
+          </a:p>
+          <a:p>
+            <a:r>
+              <a:rPr lang="en-US" baseline="0" dirty="0" smtClean="0"/>
+              <a:t>   - map, based on type</a:t>
+            </a:r>
+          </a:p>
+          <a:p>
+            <a:endParaRPr lang="en-US" baseline="0" dirty="0" smtClean="0"/>
+          </a:p>
+          <a:p>
+            <a:r>
+              <a:rPr lang="en-US" baseline="0" dirty="0" smtClean="0"/>
+              <a:t>But what are the problems?</a:t>
+            </a:r>
+          </a:p>
+          <a:p>
+            <a:r>
+              <a:rPr lang="en-US" baseline="0" dirty="0" smtClean="0"/>
+              <a:t> - only 1 Dr. Who</a:t>
+            </a:r>
+          </a:p>
+          <a:p>
+            <a:r>
+              <a:rPr lang="en-US" baseline="0" dirty="0" smtClean="0"/>
+              <a:t> - No body wants to be a hall monitor</a:t>
+            </a:r>
+          </a:p>
+          <a:p>
+            <a:r>
+              <a:rPr lang="en-US" baseline="0" dirty="0" smtClean="0"/>
+              <a:t> - everyone wants to be a cowboy</a:t>
+            </a:r>
+          </a:p>
+          <a:p>
+            <a:r>
+              <a:rPr lang="en-US" baseline="0" dirty="0" smtClean="0"/>
+              <a:t> - No Samurai’s left, Tom </a:t>
+            </a:r>
+            <a:r>
+              <a:rPr lang="en-US" baseline="0" dirty="0" err="1" smtClean="0"/>
+              <a:t>Cruize</a:t>
+            </a:r>
+            <a:r>
+              <a:rPr lang="en-US" baseline="0" dirty="0" smtClean="0"/>
+              <a:t> was the last one</a:t>
+            </a:r>
+          </a:p>
+          <a:p>
+            <a:endParaRPr lang="en-US" baseline="0" dirty="0" smtClean="0"/>
+          </a:p>
+          <a:p>
+            <a:r>
+              <a:rPr lang="en-US" baseline="0" dirty="0" smtClean="0"/>
+              <a:t>Imbalance</a:t>
+            </a:r>
+          </a:p>
+          <a:p>
+            <a:r>
+              <a:rPr lang="en-US" baseline="0" dirty="0" smtClean="0"/>
+              <a:t>Where do you put new things?</a:t>
+            </a:r>
+          </a:p>
+          <a:p>
+            <a:r>
+              <a:rPr lang="en-US" baseline="0" dirty="0" smtClean="0"/>
+              <a:t>Resource misallocation</a:t>
+            </a:r>
+          </a:p>
+          <a:p>
+            <a:endParaRPr lang="en-US" baseline="0" dirty="0" smtClean="0"/>
+          </a:p>
+          <a:p>
+            <a:r>
+              <a:rPr lang="en-US" baseline="0" dirty="0" smtClean="0"/>
+              <a:t>Eventually you’ll have to rebalance</a:t>
+            </a:r>
+          </a:p>
+          <a:p>
+            <a:endParaRPr lang="en-US" baseline="0" dirty="0" smtClean="0"/>
+          </a:p>
+          <a:p>
+            <a:endParaRPr lang="en-US" baseline="0" dirty="0" smtClean="0"/>
+          </a:p>
+          <a:p>
+            <a:endParaRPr lang="en-US" baseline="0" dirty="0" smtClean="0"/>
+          </a:p>
+          <a:p>
+            <a:endParaRPr lang="en-US" baseline="0" dirty="0" smtClean="0"/>
           </a:p>
           <a:p>
             <a:endParaRPr lang="en-US" baseline="0" dirty="0" smtClean="0"/>
@@ -3441,69 +3766,62 @@
           <a:bodyPr/>
           <a:lstStyle/>
           <a:p>
-            <a:pPr marL="0" marR="0" indent="0" algn="l" defTabSz="457200" rtl="0" eaLnBrk="1" fontAlgn="auto" latinLnBrk="0" hangingPunct="1">
-              <a:lnSpc>
-                <a:spcPct val="100000"/>
-              </a:lnSpc>
-              <a:spcBef>
-                <a:spcPts val="0"/>
-              </a:spcBef>
-              <a:spcAft>
-                <a:spcPts val="0"/>
-              </a:spcAft>
-              <a:buClrTx/>
-              <a:buSzTx/>
-              <a:buFontTx/>
-              <a:buNone/>
-              <a:tabLst/>
-              <a:defRPr/>
-            </a:pPr>
             <a:r>
-              <a:rPr lang="en-US" dirty="0" smtClean="0"/>
-              <a:t>-- </a:t>
+              <a:rPr lang="en-US" baseline="0" dirty="0" smtClean="0"/>
+              <a:t>So what do we do?</a:t>
             </a:r>
-            <a:r>
-              <a:rPr lang="en-US" dirty="0" err="1" smtClean="0"/>
-              <a:t>Riak</a:t>
-            </a:r>
-            <a:r>
-              <a:rPr lang="en-US" dirty="0" smtClean="0"/>
-              <a:t> distributes data evenly using consistent hashing</a:t>
-            </a:r>
+          </a:p>
+          <a:p>
             <a:endParaRPr lang="en-US" baseline="0" dirty="0" smtClean="0"/>
           </a:p>
           <a:p>
-            <a:endParaRPr lang="en-US" dirty="0"/>
+            <a:r>
+              <a:rPr lang="en-US" baseline="0" dirty="0" smtClean="0"/>
+              <a:t>Instead of using some classification to determine where to put the data</a:t>
+            </a:r>
           </a:p>
-        </p:txBody>
-      </p:sp>
-      <p:sp>
-        <p:nvSpPr>
-          <p:cNvPr id="4" name="Slide Number Placeholder 3"/>
-          <p:cNvSpPr>
-            <a:spLocks noGrp="1"/>
-          </p:cNvSpPr>
-          <p:nvPr>
-            <p:ph type="sldNum" sz="quarter" idx="10"/>
-          </p:nvPr>
-        </p:nvSpPr>
-        <p:spPr/>
-        <p:txBody>
-          <a:bodyPr/>
-          <a:lstStyle/>
           <a:p>
-            <a:fld id="{4826153F-4194-9B4E-AA4C-30B41C270F91}" type="slidenum">
-              <a:rPr lang="en-US" smtClean="0"/>
-              <a:t>10</a:t>
-            </a:fld>
-            <a:endParaRPr lang="en-US"/>
+            <a:endParaRPr lang="en-US" baseline="0" dirty="0" smtClean="0"/>
+          </a:p>
+          <a:p>
+            <a:r>
+              <a:rPr lang="en-US" baseline="0" dirty="0" smtClean="0"/>
+              <a:t>We take the key, and perform a hash function on that key, to get a 180 bit integer</a:t>
+            </a:r>
+          </a:p>
+          <a:p>
+            <a:endParaRPr lang="en-US" baseline="0" dirty="0" smtClean="0"/>
+          </a:p>
+          <a:p>
+            <a:r>
+              <a:rPr lang="en-US" baseline="0" dirty="0" smtClean="0"/>
+              <a:t>we use a consistent hash function on the key.</a:t>
+            </a:r>
+          </a:p>
+          <a:p>
+            <a:endParaRPr lang="en-US" baseline="0" dirty="0" smtClean="0"/>
+          </a:p>
+          <a:p>
+            <a:r>
+              <a:rPr lang="en-US" baseline="0" dirty="0" smtClean="0"/>
+              <a:t>Always converts the key to the same number</a:t>
+            </a:r>
+          </a:p>
+          <a:p>
+            <a:endParaRPr lang="en-US" baseline="0" dirty="0" smtClean="0"/>
+          </a:p>
+          <a:p>
+            <a:r>
+              <a:rPr lang="en-US" baseline="0" dirty="0" smtClean="0"/>
+              <a:t>Divide up the possible number ranges</a:t>
+            </a:r>
           </a:p>
         </p:txBody>
       </p:sp>
     </p:spTree>
     <p:extLst>
       <p:ext uri="{BB962C8B-B14F-4D97-AF65-F5344CB8AC3E}">
-        <p14:creationId xmlns:p14="http://schemas.microsoft.com/office/powerpoint/2010/main" val="3440900330"/>
+        <p14:creationId xmlns:p14="http://schemas.microsoft.com/office/powerpoint/2010/main" val="222766482"/>
       </p:ext>
     </p:extLst>
   </p:cSld>
@@ -3558,16 +3876,62 @@
           <a:lstStyle/>
           <a:p>
             <a:r>
+              <a:rPr lang="en-US" dirty="0" smtClean="0"/>
+              <a:t>We call this consistent hashing</a:t>
+            </a:r>
+          </a:p>
+          <a:p>
+            <a:endParaRPr lang="en-US" baseline="0" dirty="0" smtClean="0"/>
+          </a:p>
+          <a:p>
+            <a:r>
               <a:rPr lang="en-US" baseline="0" dirty="0" smtClean="0"/>
-              <a:t>-- Given a key such as “Claus, Santa”, a consistent hashing function will always return the same address or partition id</a:t>
+              <a:t>Our version of </a:t>
             </a:r>
+            <a:r>
+              <a:rPr lang="en-US" baseline="0" dirty="0" err="1" smtClean="0"/>
+              <a:t>sharding</a:t>
+            </a:r>
+            <a:endParaRPr lang="en-US" baseline="0" dirty="0" smtClean="0"/>
+          </a:p>
+          <a:p>
+            <a:endParaRPr lang="en-US" baseline="0" dirty="0" smtClean="0"/>
+          </a:p>
+          <a:p>
+            <a:r>
+              <a:rPr lang="en-US" baseline="0" dirty="0" smtClean="0"/>
+              <a:t>What this gives us is this: (next slide)</a:t>
+            </a:r>
+          </a:p>
+        </p:txBody>
+      </p:sp>
+      <p:sp>
+        <p:nvSpPr>
+          <p:cNvPr id="4" name="Slide Number Placeholder 3"/>
+          <p:cNvSpPr>
+            <a:spLocks noGrp="1"/>
+          </p:cNvSpPr>
+          <p:nvPr>
+            <p:ph type="sldNum" sz="quarter" idx="10"/>
+          </p:nvPr>
+        </p:nvSpPr>
+        <p:spPr/>
+        <p:txBody>
+          <a:bodyPr/>
+          <a:lstStyle/>
+          <a:p>
+            <a:fld id="{4826153F-4194-9B4E-AA4C-30B41C270F91}" type="slidenum">
+              <a:rPr lang="en-US" smtClean="0"/>
+              <a:t>11</a:t>
+            </a:fld>
+            <a:endParaRPr lang="en-US"/>
           </a:p>
         </p:txBody>
       </p:sp>
     </p:spTree>
     <p:extLst>
       <p:ext uri="{BB962C8B-B14F-4D97-AF65-F5344CB8AC3E}">
-        <p14:creationId xmlns:p14="http://schemas.microsoft.com/office/powerpoint/2010/main" val="222766482"/>
+        <p14:creationId xmlns:p14="http://schemas.microsoft.com/office/powerpoint/2010/main" val="3440900330"/>
       </p:ext>
     </p:extLst>
   </p:cSld>
@@ -3623,6 +3987,48 @@
           <a:p>
             <a:r>
               <a:rPr lang="en-US" baseline="0" dirty="0" smtClean="0"/>
+              <a:t>Data is now evenly distributed</a:t>
+            </a:r>
+          </a:p>
+          <a:p>
+            <a:r>
+              <a:rPr lang="en-US" baseline="0" dirty="0" smtClean="0"/>
+              <a:t>resources are evenly utilized</a:t>
+            </a:r>
+          </a:p>
+          <a:p>
+            <a:endParaRPr lang="en-US" baseline="0" dirty="0" smtClean="0"/>
+          </a:p>
+          <a:p>
+            <a:r>
+              <a:rPr lang="en-US" baseline="0" dirty="0" smtClean="0"/>
+              <a:t>The guy with the map knows where every object should go</a:t>
+            </a:r>
+          </a:p>
+          <a:p>
+            <a:endParaRPr lang="en-US" baseline="0" dirty="0" smtClean="0"/>
+          </a:p>
+          <a:p>
+            <a:r>
+              <a:rPr lang="en-US" baseline="0" dirty="0" smtClean="0"/>
+              <a:t>Think about how clever that is</a:t>
+            </a:r>
+          </a:p>
+          <a:p>
+            <a:r>
+              <a:rPr lang="en-US" baseline="0" dirty="0" smtClean="0"/>
+              <a:t>   - all you need is the function, which doesn’t change</a:t>
+            </a:r>
+          </a:p>
+          <a:p>
+            <a:endParaRPr lang="en-US" baseline="0" dirty="0" smtClean="0"/>
+          </a:p>
+          <a:p>
+            <a:endParaRPr lang="en-US" baseline="0" dirty="0" smtClean="0"/>
+          </a:p>
+          <a:p>
+            <a:r>
+              <a:rPr lang="en-US" baseline="0" dirty="0" smtClean="0"/>
               <a:t>-- Applying this approach to the rest of our data, we are able to spread objects out evenly across the entire cluster</a:t>
             </a:r>
           </a:p>
@@ -3904,7 +4310,7 @@
           <a:lstStyle/>
           <a:p>
             <a:fld id="{4443DEF9-44C4-C548-A6C2-FDF41AEECFA9}" type="datetimeFigureOut">
-              <a:t>8/24/15</a:t>
+              <a:t>10/2/15</a:t>
             </a:fld>
             <a:endParaRPr lang="en-US" dirty="0"/>
           </a:p>
@@ -4261,7 +4667,7 @@
           <a:lstStyle/>
           <a:p>
             <a:fld id="{4443DEF9-44C4-C548-A6C2-FDF41AEECFA9}" type="datetimeFigureOut">
-              <a:t>8/24/15</a:t>
+              <a:t>10/2/15</a:t>
             </a:fld>
             <a:endParaRPr lang="en-US"/>
           </a:p>
@@ -4618,7 +5024,7 @@
           <a:lstStyle/>
           <a:p>
             <a:fld id="{4443DEF9-44C4-C548-A6C2-FDF41AEECFA9}" type="datetimeFigureOut">
-              <a:t>8/24/15</a:t>
+              <a:t>10/2/15</a:t>
             </a:fld>
             <a:endParaRPr lang="en-US"/>
           </a:p>
@@ -5054,7 +5460,7 @@
           <a:lstStyle/>
           <a:p>
             <a:fld id="{4443DEF9-44C4-C548-A6C2-FDF41AEECFA9}" type="datetimeFigureOut">
-              <a:t>8/24/15</a:t>
+              <a:t>10/2/15</a:t>
             </a:fld>
             <a:endParaRPr lang="en-US"/>
           </a:p>
@@ -5192,7 +5598,7 @@
           <a:lstStyle/>
           <a:p>
             <a:fld id="{4443DEF9-44C4-C548-A6C2-FDF41AEECFA9}" type="datetimeFigureOut">
-              <a:t>8/24/15</a:t>
+              <a:t>10/2/15</a:t>
             </a:fld>
             <a:endParaRPr lang="en-US"/>
           </a:p>
@@ -5292,7 +5698,7 @@
           <a:lstStyle/>
           <a:p>
             <a:fld id="{4443DEF9-44C4-C548-A6C2-FDF41AEECFA9}" type="datetimeFigureOut">
-              <a:t>8/24/15</a:t>
+              <a:t>10/2/15</a:t>
             </a:fld>
             <a:endParaRPr lang="en-US"/>
           </a:p>
@@ -5574,7 +5980,7 @@
             <a:fld id="{4443DEF9-44C4-C548-A6C2-FDF41AEECFA9}" type="datetimeFigureOut">
               <a:rPr lang="en-US" smtClean="0"/>
               <a:pPr/>
-              <a:t>8/24/15</a:t>
+              <a:t>10/2/15</a:t>
             </a:fld>
             <a:endParaRPr lang="en-US" dirty="0"/>
           </a:p>
@@ -6099,876 +6505,46 @@
           <a:chExt cx="0" cy="0"/>
         </a:xfrm>
       </p:grpSpPr>
-      <p:pic>
-        <p:nvPicPr>
-          <p:cNvPr id="14" name="Content Placeholder 6"/>
-          <p:cNvPicPr>
-            <a:picLocks noChangeAspect="1"/>
-          </p:cNvPicPr>
-          <p:nvPr/>
-        </p:nvPicPr>
-        <p:blipFill>
-          <a:blip r:embed="rId3" cstate="screen">
-            <a:extLst>
-              <a:ext uri="{28A0092B-C50C-407E-A947-70E740481C1C}">
-                <a14:useLocalDpi xmlns:a14="http://schemas.microsoft.com/office/drawing/2010/main"/>
-              </a:ext>
-            </a:extLst>
-          </a:blip>
-          <a:srcRect l="-57666" r="-57666"/>
-          <a:stretch>
-            <a:fillRect/>
-          </a:stretch>
-        </p:blipFill>
-        <p:spPr bwMode="auto">
-          <a:xfrm>
-            <a:off x="-496008" y="3666475"/>
-            <a:ext cx="3777688" cy="1754362"/>
-          </a:xfrm>
-          <a:prstGeom prst="rect">
-            <a:avLst/>
-          </a:prstGeom>
-          <a:noFill/>
-          <a:ln>
-            <a:noFill/>
-          </a:ln>
-          <a:effectLst/>
-          <a:extLst>
-            <a:ext uri="{909E8E84-426E-40dd-AFC4-6F175D3DCCD1}">
-              <a14:hiddenFill xmlns:a14="http://schemas.microsoft.com/office/drawing/2010/main">
-                <a:solidFill>
-                  <a:srgbClr val="FFFFFF"/>
-                </a:solidFill>
-              </a14:hiddenFill>
-            </a:ext>
-            <a:ext uri="{91240B29-F687-4f45-9708-019B960494DF}">
-              <a14:hiddenLine xmlns:a14="http://schemas.microsoft.com/office/drawing/2010/main" w="9525">
-                <a:solidFill>
-                  <a:schemeClr val="tx1"/>
-                </a:solidFill>
-                <a:miter lim="800000"/>
-                <a:headEnd/>
-                <a:tailEnd/>
-              </a14:hiddenLine>
-            </a:ext>
-            <a:ext uri="{AF507438-7753-43e0-B8FC-AC1667EBCBE1}">
-              <a14:hiddenEffects xmlns:a14="http://schemas.microsoft.com/office/drawing/2010/main">
-                <a:effectLst>
-                  <a:outerShdw dist="35921" dir="2700000" algn="ctr" rotWithShape="0">
-                    <a:srgbClr val="808080"/>
-                  </a:outerShdw>
-                </a:effectLst>
-              </a14:hiddenEffects>
-            </a:ext>
-          </a:extLst>
-        </p:spPr>
-      </p:pic>
-      <p:pic>
-        <p:nvPicPr>
-          <p:cNvPr id="17" name="Content Placeholder 6"/>
-          <p:cNvPicPr>
-            <a:picLocks noChangeAspect="1"/>
-          </p:cNvPicPr>
-          <p:nvPr/>
-        </p:nvPicPr>
-        <p:blipFill>
-          <a:blip r:embed="rId3" cstate="screen">
-            <a:extLst>
-              <a:ext uri="{28A0092B-C50C-407E-A947-70E740481C1C}">
-                <a14:useLocalDpi xmlns:a14="http://schemas.microsoft.com/office/drawing/2010/main"/>
-              </a:ext>
-            </a:extLst>
-          </a:blip>
-          <a:srcRect l="-57666" r="-57666"/>
-          <a:stretch>
-            <a:fillRect/>
-          </a:stretch>
-        </p:blipFill>
-        <p:spPr bwMode="auto">
-          <a:xfrm>
-            <a:off x="1651139" y="3666475"/>
-            <a:ext cx="3777688" cy="1754362"/>
-          </a:xfrm>
-          <a:prstGeom prst="rect">
-            <a:avLst/>
-          </a:prstGeom>
-          <a:noFill/>
-          <a:ln>
-            <a:noFill/>
-          </a:ln>
-          <a:effectLst/>
-          <a:extLst>
-            <a:ext uri="{909E8E84-426E-40dd-AFC4-6F175D3DCCD1}">
-              <a14:hiddenFill xmlns:a14="http://schemas.microsoft.com/office/drawing/2010/main">
-                <a:solidFill>
-                  <a:srgbClr val="FFFFFF"/>
-                </a:solidFill>
-              </a14:hiddenFill>
-            </a:ext>
-            <a:ext uri="{91240B29-F687-4f45-9708-019B960494DF}">
-              <a14:hiddenLine xmlns:a14="http://schemas.microsoft.com/office/drawing/2010/main" w="9525">
-                <a:solidFill>
-                  <a:schemeClr val="tx1"/>
-                </a:solidFill>
-                <a:miter lim="800000"/>
-                <a:headEnd/>
-                <a:tailEnd/>
-              </a14:hiddenLine>
-            </a:ext>
-            <a:ext uri="{AF507438-7753-43e0-B8FC-AC1667EBCBE1}">
-              <a14:hiddenEffects xmlns:a14="http://schemas.microsoft.com/office/drawing/2010/main">
-                <a:effectLst>
-                  <a:outerShdw dist="35921" dir="2700000" algn="ctr" rotWithShape="0">
-                    <a:srgbClr val="808080"/>
-                  </a:outerShdw>
-                </a:effectLst>
-              </a14:hiddenEffects>
-            </a:ext>
-          </a:extLst>
-        </p:spPr>
-      </p:pic>
-      <p:pic>
-        <p:nvPicPr>
-          <p:cNvPr id="20" name="Content Placeholder 6"/>
-          <p:cNvPicPr>
-            <a:picLocks noChangeAspect="1"/>
-          </p:cNvPicPr>
-          <p:nvPr/>
-        </p:nvPicPr>
-        <p:blipFill>
-          <a:blip r:embed="rId3" cstate="screen">
-            <a:extLst>
-              <a:ext uri="{28A0092B-C50C-407E-A947-70E740481C1C}">
-                <a14:useLocalDpi xmlns:a14="http://schemas.microsoft.com/office/drawing/2010/main"/>
-              </a:ext>
-            </a:extLst>
-          </a:blip>
-          <a:srcRect l="-57666" r="-57666"/>
-          <a:stretch>
-            <a:fillRect/>
-          </a:stretch>
-        </p:blipFill>
-        <p:spPr bwMode="auto">
-          <a:xfrm>
-            <a:off x="3798286" y="3666475"/>
-            <a:ext cx="3777688" cy="1754362"/>
-          </a:xfrm>
-          <a:prstGeom prst="rect">
-            <a:avLst/>
-          </a:prstGeom>
-          <a:noFill/>
-          <a:ln>
-            <a:noFill/>
-          </a:ln>
-          <a:effectLst/>
-          <a:extLst>
-            <a:ext uri="{909E8E84-426E-40dd-AFC4-6F175D3DCCD1}">
-              <a14:hiddenFill xmlns:a14="http://schemas.microsoft.com/office/drawing/2010/main">
-                <a:solidFill>
-                  <a:srgbClr val="FFFFFF"/>
-                </a:solidFill>
-              </a14:hiddenFill>
-            </a:ext>
-            <a:ext uri="{91240B29-F687-4f45-9708-019B960494DF}">
-              <a14:hiddenLine xmlns:a14="http://schemas.microsoft.com/office/drawing/2010/main" w="9525">
-                <a:solidFill>
-                  <a:schemeClr val="tx1"/>
-                </a:solidFill>
-                <a:miter lim="800000"/>
-                <a:headEnd/>
-                <a:tailEnd/>
-              </a14:hiddenLine>
-            </a:ext>
-            <a:ext uri="{AF507438-7753-43e0-B8FC-AC1667EBCBE1}">
-              <a14:hiddenEffects xmlns:a14="http://schemas.microsoft.com/office/drawing/2010/main">
-                <a:effectLst>
-                  <a:outerShdw dist="35921" dir="2700000" algn="ctr" rotWithShape="0">
-                    <a:srgbClr val="808080"/>
-                  </a:outerShdw>
-                </a:effectLst>
-              </a14:hiddenEffects>
-            </a:ext>
-          </a:extLst>
-        </p:spPr>
-      </p:pic>
-      <p:pic>
-        <p:nvPicPr>
-          <p:cNvPr id="21" name="Picture 20"/>
-          <p:cNvPicPr>
-            <a:picLocks noChangeAspect="1"/>
-          </p:cNvPicPr>
-          <p:nvPr/>
-        </p:nvPicPr>
-        <p:blipFill>
-          <a:blip r:embed="rId4" cstate="screen">
-            <a:extLst>
-              <a:ext uri="{BEBA8EAE-BF5A-486C-A8C5-ECC9F3942E4B}">
-                <a14:imgProps xmlns:a14="http://schemas.microsoft.com/office/drawing/2010/main">
-                  <a14:imgLayer r:embed="rId5">
-                    <a14:imgEffect>
-                      <a14:backgroundRemoval t="8929" b="94133" l="0" r="100000"/>
-                    </a14:imgEffect>
-                  </a14:imgLayer>
-                </a14:imgProps>
-              </a:ext>
-              <a:ext uri="{28A0092B-C50C-407E-A947-70E740481C1C}">
-                <a14:useLocalDpi xmlns:a14="http://schemas.microsoft.com/office/drawing/2010/main"/>
-              </a:ext>
-            </a:extLst>
-          </a:blip>
-          <a:stretch>
-            <a:fillRect/>
-          </a:stretch>
-        </p:blipFill>
-        <p:spPr>
-          <a:xfrm>
-            <a:off x="4805561" y="3949011"/>
-            <a:ext cx="1770196" cy="1355307"/>
-          </a:xfrm>
-          <a:prstGeom prst="rect">
-            <a:avLst/>
-          </a:prstGeom>
-        </p:spPr>
-      </p:pic>
-      <p:pic>
-        <p:nvPicPr>
-          <p:cNvPr id="23" name="Content Placeholder 6"/>
-          <p:cNvPicPr>
-            <a:picLocks noChangeAspect="1"/>
-          </p:cNvPicPr>
-          <p:nvPr/>
-        </p:nvPicPr>
-        <p:blipFill>
-          <a:blip r:embed="rId3" cstate="screen">
-            <a:extLst>
-              <a:ext uri="{28A0092B-C50C-407E-A947-70E740481C1C}">
-                <a14:useLocalDpi xmlns:a14="http://schemas.microsoft.com/office/drawing/2010/main"/>
-              </a:ext>
-            </a:extLst>
-          </a:blip>
-          <a:srcRect l="-57666" r="-57666"/>
-          <a:stretch>
-            <a:fillRect/>
-          </a:stretch>
-        </p:blipFill>
-        <p:spPr bwMode="auto">
-          <a:xfrm>
-            <a:off x="5945432" y="3666475"/>
-            <a:ext cx="3777688" cy="1754362"/>
-          </a:xfrm>
-          <a:prstGeom prst="rect">
-            <a:avLst/>
-          </a:prstGeom>
-          <a:noFill/>
-          <a:ln>
-            <a:noFill/>
-          </a:ln>
-          <a:effectLst/>
-          <a:extLst>
-            <a:ext uri="{909E8E84-426E-40dd-AFC4-6F175D3DCCD1}">
-              <a14:hiddenFill xmlns:a14="http://schemas.microsoft.com/office/drawing/2010/main">
-                <a:solidFill>
-                  <a:srgbClr val="FFFFFF"/>
-                </a:solidFill>
-              </a14:hiddenFill>
-            </a:ext>
-            <a:ext uri="{91240B29-F687-4f45-9708-019B960494DF}">
-              <a14:hiddenLine xmlns:a14="http://schemas.microsoft.com/office/drawing/2010/main" w="9525">
-                <a:solidFill>
-                  <a:schemeClr val="tx1"/>
-                </a:solidFill>
-                <a:miter lim="800000"/>
-                <a:headEnd/>
-                <a:tailEnd/>
-              </a14:hiddenLine>
-            </a:ext>
-            <a:ext uri="{AF507438-7753-43e0-B8FC-AC1667EBCBE1}">
-              <a14:hiddenEffects xmlns:a14="http://schemas.microsoft.com/office/drawing/2010/main">
-                <a:effectLst>
-                  <a:outerShdw dist="35921" dir="2700000" algn="ctr" rotWithShape="0">
-                    <a:srgbClr val="808080"/>
-                  </a:outerShdw>
-                </a:effectLst>
-              </a14:hiddenEffects>
-            </a:ext>
-          </a:extLst>
-        </p:spPr>
-      </p:pic>
-      <p:pic>
-        <p:nvPicPr>
-          <p:cNvPr id="15" name="Picture 14"/>
-          <p:cNvPicPr>
-            <a:picLocks noChangeAspect="1"/>
-          </p:cNvPicPr>
-          <p:nvPr/>
-        </p:nvPicPr>
-        <p:blipFill>
-          <a:blip r:embed="rId4" cstate="screen">
-            <a:extLst>
-              <a:ext uri="{BEBA8EAE-BF5A-486C-A8C5-ECC9F3942E4B}">
-                <a14:imgProps xmlns:a14="http://schemas.microsoft.com/office/drawing/2010/main">
-                  <a14:imgLayer r:embed="rId5">
-                    <a14:imgEffect>
-                      <a14:backgroundRemoval t="8929" b="94133" l="0" r="100000"/>
-                    </a14:imgEffect>
-                  </a14:imgLayer>
-                </a14:imgProps>
-              </a:ext>
-              <a:ext uri="{28A0092B-C50C-407E-A947-70E740481C1C}">
-                <a14:useLocalDpi xmlns:a14="http://schemas.microsoft.com/office/drawing/2010/main"/>
-              </a:ext>
-            </a:extLst>
-          </a:blip>
-          <a:stretch>
-            <a:fillRect/>
-          </a:stretch>
-        </p:blipFill>
-        <p:spPr>
-          <a:xfrm>
-            <a:off x="511267" y="3949011"/>
-            <a:ext cx="1770196" cy="1355307"/>
-          </a:xfrm>
-          <a:prstGeom prst="rect">
-            <a:avLst/>
-          </a:prstGeom>
-        </p:spPr>
-      </p:pic>
-      <p:pic>
-        <p:nvPicPr>
-          <p:cNvPr id="24" name="Picture 23"/>
-          <p:cNvPicPr>
-            <a:picLocks noChangeAspect="1"/>
-          </p:cNvPicPr>
-          <p:nvPr/>
-        </p:nvPicPr>
-        <p:blipFill>
-          <a:blip r:embed="rId4" cstate="screen">
-            <a:extLst>
-              <a:ext uri="{BEBA8EAE-BF5A-486C-A8C5-ECC9F3942E4B}">
-                <a14:imgProps xmlns:a14="http://schemas.microsoft.com/office/drawing/2010/main">
-                  <a14:imgLayer r:embed="rId5">
-                    <a14:imgEffect>
-                      <a14:backgroundRemoval t="8929" b="94133" l="0" r="100000"/>
-                    </a14:imgEffect>
-                  </a14:imgLayer>
-                </a14:imgProps>
-              </a:ext>
-              <a:ext uri="{28A0092B-C50C-407E-A947-70E740481C1C}">
-                <a14:useLocalDpi xmlns:a14="http://schemas.microsoft.com/office/drawing/2010/main"/>
-              </a:ext>
-            </a:extLst>
-          </a:blip>
-          <a:stretch>
-            <a:fillRect/>
-          </a:stretch>
-        </p:blipFill>
-        <p:spPr>
-          <a:xfrm>
-            <a:off x="6952707" y="3949011"/>
-            <a:ext cx="1770196" cy="1355307"/>
-          </a:xfrm>
-          <a:prstGeom prst="rect">
-            <a:avLst/>
-          </a:prstGeom>
-        </p:spPr>
-      </p:pic>
-      <p:pic>
-        <p:nvPicPr>
-          <p:cNvPr id="18" name="Picture 17"/>
-          <p:cNvPicPr>
-            <a:picLocks noChangeAspect="1"/>
-          </p:cNvPicPr>
-          <p:nvPr/>
-        </p:nvPicPr>
-        <p:blipFill>
-          <a:blip r:embed="rId4" cstate="screen">
-            <a:extLst>
-              <a:ext uri="{BEBA8EAE-BF5A-486C-A8C5-ECC9F3942E4B}">
-                <a14:imgProps xmlns:a14="http://schemas.microsoft.com/office/drawing/2010/main">
-                  <a14:imgLayer r:embed="rId5">
-                    <a14:imgEffect>
-                      <a14:backgroundRemoval t="8929" b="94133" l="0" r="100000"/>
-                    </a14:imgEffect>
-                  </a14:imgLayer>
-                </a14:imgProps>
-              </a:ext>
-              <a:ext uri="{28A0092B-C50C-407E-A947-70E740481C1C}">
-                <a14:useLocalDpi xmlns:a14="http://schemas.microsoft.com/office/drawing/2010/main"/>
-              </a:ext>
-            </a:extLst>
-          </a:blip>
-          <a:stretch>
-            <a:fillRect/>
-          </a:stretch>
-        </p:blipFill>
-        <p:spPr>
-          <a:xfrm>
-            <a:off x="2658414" y="3949011"/>
-            <a:ext cx="1770196" cy="1355307"/>
-          </a:xfrm>
-          <a:prstGeom prst="rect">
-            <a:avLst/>
-          </a:prstGeom>
-        </p:spPr>
-      </p:pic>
       <p:sp>
         <p:nvSpPr>
-          <p:cNvPr id="37" name="TextBox 36"/>
-          <p:cNvSpPr txBox="1"/>
-          <p:nvPr/>
+          <p:cNvPr id="2" name="Title 1"/>
+          <p:cNvSpPr>
+            <a:spLocks noGrp="1"/>
+          </p:cNvSpPr>
+          <p:nvPr>
+            <p:ph type="title"/>
+          </p:nvPr>
         </p:nvSpPr>
-        <p:spPr>
-          <a:xfrm>
-            <a:off x="1154765" y="5202281"/>
-            <a:ext cx="395235" cy="523220"/>
-          </a:xfrm>
-          <a:prstGeom prst="rect">
-            <a:avLst/>
-          </a:prstGeom>
-          <a:noFill/>
-        </p:spPr>
+        <p:spPr/>
         <p:txBody>
-          <a:bodyPr wrap="none" rtlCol="0">
-            <a:spAutoFit/>
-          </a:bodyPr>
+          <a:bodyPr/>
           <a:lstStyle/>
           <a:p>
             <a:r>
-              <a:rPr lang="en-US" sz="2800" dirty="0" smtClean="0">
-                <a:solidFill>
-                  <a:srgbClr val="A92A0E"/>
-                </a:solidFill>
-                <a:latin typeface="Franklin Gothic Medium"/>
-                <a:cs typeface="Franklin Gothic Medium"/>
-              </a:rPr>
-              <a:t>0</a:t>
+              <a:rPr lang="en-US" dirty="0" smtClean="0"/>
+              <a:t>Consistent Hashing</a:t>
             </a:r>
-            <a:endParaRPr lang="en-US" sz="2800" dirty="0">
-              <a:solidFill>
-                <a:srgbClr val="A92A0E"/>
-              </a:solidFill>
-              <a:latin typeface="Franklin Gothic Medium"/>
-              <a:cs typeface="Franklin Gothic Medium"/>
-            </a:endParaRPr>
+            <a:endParaRPr lang="en-US" dirty="0"/>
           </a:p>
         </p:txBody>
       </p:sp>
-      <p:sp>
-        <p:nvSpPr>
-          <p:cNvPr id="38" name="TextBox 37"/>
-          <p:cNvSpPr txBox="1"/>
-          <p:nvPr/>
-        </p:nvSpPr>
-        <p:spPr>
-          <a:xfrm>
-            <a:off x="3321333" y="5202281"/>
-            <a:ext cx="395235" cy="523220"/>
-          </a:xfrm>
-          <a:prstGeom prst="rect">
-            <a:avLst/>
-          </a:prstGeom>
-          <a:noFill/>
-        </p:spPr>
-        <p:txBody>
-          <a:bodyPr wrap="none" rtlCol="0">
-            <a:spAutoFit/>
-          </a:bodyPr>
-          <a:lstStyle/>
-          <a:p>
-            <a:r>
-              <a:rPr lang="en-US" sz="2800" dirty="0" smtClean="0">
-                <a:solidFill>
-                  <a:srgbClr val="A92A0E"/>
-                </a:solidFill>
-                <a:latin typeface="Franklin Gothic Medium"/>
-                <a:cs typeface="Franklin Gothic Medium"/>
-              </a:rPr>
-              <a:t>1</a:t>
-            </a:r>
-            <a:endParaRPr lang="en-US" sz="2800" dirty="0">
-              <a:solidFill>
-                <a:srgbClr val="A92A0E"/>
-              </a:solidFill>
-              <a:latin typeface="Franklin Gothic Medium"/>
-              <a:cs typeface="Franklin Gothic Medium"/>
-            </a:endParaRPr>
-          </a:p>
-        </p:txBody>
-      </p:sp>
-      <p:sp>
-        <p:nvSpPr>
-          <p:cNvPr id="39" name="TextBox 38"/>
-          <p:cNvSpPr txBox="1"/>
-          <p:nvPr/>
-        </p:nvSpPr>
-        <p:spPr>
-          <a:xfrm>
-            <a:off x="5484165" y="5202281"/>
-            <a:ext cx="395235" cy="523220"/>
-          </a:xfrm>
-          <a:prstGeom prst="rect">
-            <a:avLst/>
-          </a:prstGeom>
-          <a:noFill/>
-        </p:spPr>
-        <p:txBody>
-          <a:bodyPr wrap="none" rtlCol="0">
-            <a:spAutoFit/>
-          </a:bodyPr>
-          <a:lstStyle/>
-          <a:p>
-            <a:r>
-              <a:rPr lang="en-US" sz="2800" dirty="0" smtClean="0">
-                <a:solidFill>
-                  <a:srgbClr val="A92A0E"/>
-                </a:solidFill>
-                <a:latin typeface="Franklin Gothic Medium"/>
-                <a:cs typeface="Franklin Gothic Medium"/>
-              </a:rPr>
-              <a:t>2</a:t>
-            </a:r>
-            <a:endParaRPr lang="en-US" sz="2800" dirty="0">
-              <a:solidFill>
-                <a:srgbClr val="A92A0E"/>
-              </a:solidFill>
-              <a:latin typeface="Franklin Gothic Medium"/>
-              <a:cs typeface="Franklin Gothic Medium"/>
-            </a:endParaRPr>
-          </a:p>
-        </p:txBody>
-      </p:sp>
-      <p:sp>
-        <p:nvSpPr>
-          <p:cNvPr id="40" name="TextBox 39"/>
-          <p:cNvSpPr txBox="1"/>
-          <p:nvPr/>
-        </p:nvSpPr>
-        <p:spPr>
-          <a:xfrm>
-            <a:off x="7640736" y="5202281"/>
-            <a:ext cx="395235" cy="523220"/>
-          </a:xfrm>
-          <a:prstGeom prst="rect">
-            <a:avLst/>
-          </a:prstGeom>
-          <a:noFill/>
-        </p:spPr>
-        <p:txBody>
-          <a:bodyPr wrap="none" rtlCol="0">
-            <a:spAutoFit/>
-          </a:bodyPr>
-          <a:lstStyle/>
-          <a:p>
-            <a:r>
-              <a:rPr lang="en-US" sz="2800" dirty="0" smtClean="0">
-                <a:solidFill>
-                  <a:srgbClr val="A92A0E"/>
-                </a:solidFill>
-                <a:latin typeface="Franklin Gothic Medium"/>
-                <a:cs typeface="Franklin Gothic Medium"/>
-              </a:rPr>
-              <a:t>3</a:t>
-            </a:r>
-            <a:endParaRPr lang="en-US" sz="2800" dirty="0">
-              <a:solidFill>
-                <a:srgbClr val="A92A0E"/>
-              </a:solidFill>
-              <a:latin typeface="Franklin Gothic Medium"/>
-              <a:cs typeface="Franklin Gothic Medium"/>
-            </a:endParaRPr>
-          </a:p>
-        </p:txBody>
-      </p:sp>
-      <p:pic>
-        <p:nvPicPr>
-          <p:cNvPr id="50" name="Picture 49"/>
-          <p:cNvPicPr>
-            <a:picLocks noChangeAspect="1"/>
-          </p:cNvPicPr>
-          <p:nvPr/>
-        </p:nvPicPr>
-        <p:blipFill>
-          <a:blip r:embed="rId6"/>
-          <a:stretch>
-            <a:fillRect/>
-          </a:stretch>
-        </p:blipFill>
-        <p:spPr>
-          <a:xfrm>
-            <a:off x="1441239" y="284107"/>
-            <a:ext cx="1914822" cy="2682213"/>
-          </a:xfrm>
-          <a:prstGeom prst="rect">
-            <a:avLst/>
-          </a:prstGeom>
-        </p:spPr>
-      </p:pic>
-      <p:grpSp>
-        <p:nvGrpSpPr>
-          <p:cNvPr id="2" name="Group 1"/>
-          <p:cNvGrpSpPr/>
-          <p:nvPr/>
-        </p:nvGrpSpPr>
-        <p:grpSpPr>
-          <a:xfrm>
-            <a:off x="3808357" y="346978"/>
-            <a:ext cx="4208451" cy="2350171"/>
-            <a:chOff x="3808357" y="346978"/>
-            <a:chExt cx="4208451" cy="2350171"/>
-          </a:xfrm>
-        </p:grpSpPr>
-        <p:pic>
-          <p:nvPicPr>
-            <p:cNvPr id="46" name="Picture 45" descr="santa.png"/>
-            <p:cNvPicPr>
-              <a:picLocks noChangeAspect="1"/>
-            </p:cNvPicPr>
-            <p:nvPr/>
-          </p:nvPicPr>
-          <p:blipFill>
-            <a:blip r:embed="rId7" cstate="screen">
-              <a:extLst>
-                <a:ext uri="{28A0092B-C50C-407E-A947-70E740481C1C}">
-                  <a14:useLocalDpi xmlns:a14="http://schemas.microsoft.com/office/drawing/2010/main"/>
-                </a:ext>
-              </a:extLst>
-            </a:blip>
-            <a:stretch>
-              <a:fillRect/>
-            </a:stretch>
-          </p:blipFill>
-          <p:spPr>
-            <a:xfrm>
-              <a:off x="5637173" y="346978"/>
-              <a:ext cx="1274236" cy="2204573"/>
-            </a:xfrm>
-            <a:prstGeom prst="rect">
-              <a:avLst/>
-            </a:prstGeom>
-          </p:spPr>
-        </p:pic>
-        <p:sp>
-          <p:nvSpPr>
-            <p:cNvPr id="47" name="TextBox 46"/>
-            <p:cNvSpPr txBox="1"/>
-            <p:nvPr/>
-          </p:nvSpPr>
-          <p:spPr>
-            <a:xfrm>
-              <a:off x="3808357" y="1376772"/>
-              <a:ext cx="1611314" cy="523220"/>
-            </a:xfrm>
-            <a:prstGeom prst="rect">
-              <a:avLst/>
-            </a:prstGeom>
-            <a:noFill/>
-          </p:spPr>
-          <p:txBody>
-            <a:bodyPr wrap="none" rtlCol="0">
-              <a:spAutoFit/>
-            </a:bodyPr>
-            <a:lstStyle/>
-            <a:p>
-              <a:r>
-                <a:rPr lang="en-US" sz="2800" dirty="0" err="1" smtClean="0">
-                  <a:solidFill>
-                    <a:schemeClr val="accent1"/>
-                  </a:solidFill>
-                  <a:latin typeface="Franklin Gothic Medium"/>
-                  <a:cs typeface="Franklin Gothic Medium"/>
-                </a:rPr>
-                <a:t>hash_me</a:t>
-              </a:r>
-              <a:endParaRPr lang="en-US" sz="3600" dirty="0">
-                <a:solidFill>
-                  <a:schemeClr val="accent1"/>
-                </a:solidFill>
-                <a:latin typeface="Franklin Gothic Medium"/>
-                <a:cs typeface="Franklin Gothic Medium"/>
-              </a:endParaRPr>
-            </a:p>
-          </p:txBody>
-        </p:sp>
-        <p:sp>
-          <p:nvSpPr>
-            <p:cNvPr id="48" name="TextBox 47"/>
-            <p:cNvSpPr txBox="1"/>
-            <p:nvPr/>
-          </p:nvSpPr>
-          <p:spPr>
-            <a:xfrm>
-              <a:off x="6810390" y="953130"/>
-              <a:ext cx="410464" cy="1015663"/>
-            </a:xfrm>
-            <a:prstGeom prst="rect">
-              <a:avLst/>
-            </a:prstGeom>
-            <a:noFill/>
-          </p:spPr>
-          <p:txBody>
-            <a:bodyPr wrap="none" rtlCol="0">
-              <a:spAutoFit/>
-            </a:bodyPr>
-            <a:lstStyle/>
-            <a:p>
-              <a:r>
-                <a:rPr lang="en-US" sz="6000" dirty="0">
-                  <a:solidFill>
-                    <a:srgbClr val="A92A0E"/>
-                  </a:solidFill>
-                  <a:latin typeface="Franklin Gothic Medium"/>
-                  <a:cs typeface="Franklin Gothic Medium"/>
-                </a:rPr>
-                <a:t>)</a:t>
-              </a:r>
-            </a:p>
-          </p:txBody>
-        </p:sp>
-        <p:sp>
-          <p:nvSpPr>
-            <p:cNvPr id="49" name="TextBox 48"/>
-            <p:cNvSpPr txBox="1"/>
-            <p:nvPr/>
-          </p:nvSpPr>
-          <p:spPr>
-            <a:xfrm>
-              <a:off x="5492091" y="2297039"/>
-              <a:ext cx="1560619" cy="400110"/>
-            </a:xfrm>
-            <a:prstGeom prst="rect">
-              <a:avLst/>
-            </a:prstGeom>
-            <a:noFill/>
-          </p:spPr>
-          <p:txBody>
-            <a:bodyPr wrap="none" rtlCol="0">
-              <a:spAutoFit/>
-            </a:bodyPr>
-            <a:lstStyle/>
-            <a:p>
-              <a:r>
-                <a:rPr lang="en-US" sz="2000" dirty="0" smtClean="0">
-                  <a:solidFill>
-                    <a:srgbClr val="A92A0E"/>
-                  </a:solidFill>
-                  <a:latin typeface="Franklin Gothic Medium"/>
-                  <a:cs typeface="Franklin Gothic Medium"/>
-                </a:rPr>
-                <a:t>Claus, Santa</a:t>
-              </a:r>
-              <a:endParaRPr lang="en-US" sz="2000" dirty="0">
-                <a:solidFill>
-                  <a:srgbClr val="A92A0E"/>
-                </a:solidFill>
-                <a:latin typeface="Franklin Gothic Medium"/>
-                <a:cs typeface="Franklin Gothic Medium"/>
-              </a:endParaRPr>
-            </a:p>
-          </p:txBody>
-        </p:sp>
-        <p:sp>
-          <p:nvSpPr>
-            <p:cNvPr id="22" name="TextBox 21"/>
-            <p:cNvSpPr txBox="1"/>
-            <p:nvPr/>
-          </p:nvSpPr>
-          <p:spPr>
-            <a:xfrm>
-              <a:off x="5338977" y="944780"/>
-              <a:ext cx="410464" cy="1015663"/>
-            </a:xfrm>
-            <a:prstGeom prst="rect">
-              <a:avLst/>
-            </a:prstGeom>
-            <a:noFill/>
-          </p:spPr>
-          <p:txBody>
-            <a:bodyPr wrap="none" rtlCol="0">
-              <a:spAutoFit/>
-            </a:bodyPr>
-            <a:lstStyle/>
-            <a:p>
-              <a:r>
-                <a:rPr lang="en-US" sz="6000" dirty="0" smtClean="0">
-                  <a:solidFill>
-                    <a:srgbClr val="A92A0E"/>
-                  </a:solidFill>
-                  <a:latin typeface="Franklin Gothic Medium"/>
-                  <a:cs typeface="Franklin Gothic Medium"/>
-                </a:rPr>
-                <a:t>(</a:t>
-              </a:r>
-              <a:endParaRPr lang="en-US" sz="6000" dirty="0">
-                <a:solidFill>
-                  <a:srgbClr val="A92A0E"/>
-                </a:solidFill>
-                <a:latin typeface="Franklin Gothic Medium"/>
-                <a:cs typeface="Franklin Gothic Medium"/>
-              </a:endParaRPr>
-            </a:p>
-          </p:txBody>
-        </p:sp>
-        <p:sp>
-          <p:nvSpPr>
-            <p:cNvPr id="25" name="TextBox 24"/>
-            <p:cNvSpPr txBox="1"/>
-            <p:nvPr/>
-          </p:nvSpPr>
-          <p:spPr>
-            <a:xfrm>
-              <a:off x="7175262" y="1271972"/>
-              <a:ext cx="841546" cy="646331"/>
-            </a:xfrm>
-            <a:prstGeom prst="rect">
-              <a:avLst/>
-            </a:prstGeom>
-            <a:noFill/>
-          </p:spPr>
-          <p:txBody>
-            <a:bodyPr wrap="none" rtlCol="0">
-              <a:spAutoFit/>
-            </a:bodyPr>
-            <a:lstStyle/>
-            <a:p>
-              <a:r>
-                <a:rPr lang="en-US" sz="3600" dirty="0" smtClean="0">
-                  <a:solidFill>
-                    <a:srgbClr val="A92A0E"/>
-                  </a:solidFill>
-                  <a:latin typeface="Franklin Gothic Medium"/>
-                  <a:cs typeface="Franklin Gothic Medium"/>
-                </a:rPr>
-                <a:t>= 0</a:t>
-              </a:r>
-              <a:endParaRPr lang="en-US" sz="3600" dirty="0">
-                <a:solidFill>
-                  <a:srgbClr val="A92A0E"/>
-                </a:solidFill>
-                <a:latin typeface="Franklin Gothic Medium"/>
-                <a:cs typeface="Franklin Gothic Medium"/>
-              </a:endParaRPr>
-            </a:p>
-          </p:txBody>
-        </p:sp>
-      </p:grpSp>
     </p:spTree>
     <p:extLst>
       <p:ext uri="{BB962C8B-B14F-4D97-AF65-F5344CB8AC3E}">
-        <p14:creationId xmlns:p14="http://schemas.microsoft.com/office/powerpoint/2010/main" val="1985780882"/>
+        <p14:creationId xmlns:p14="http://schemas.microsoft.com/office/powerpoint/2010/main" val="1344728431"/>
       </p:ext>
     </p:extLst>
   </p:cSld>
   <p:clrMapOvr>
     <a:masterClrMapping/>
   </p:clrMapOvr>
-  <mc:AlternateContent xmlns:mc="http://schemas.openxmlformats.org/markup-compatibility/2006">
-    <mc:Choice xmlns:p14="http://schemas.microsoft.com/office/powerpoint/2010/main" Requires="p14">
-      <p:transition spd="slow" p14:dur="2000"/>
-    </mc:Choice>
-    <mc:Fallback>
-      <p:transition xmlns:p14="http://schemas.microsoft.com/office/powerpoint/2010/main" spd="slow"/>
-    </mc:Fallback>
-  </mc:AlternateContent>
+  <p:timing>
+    <p:tnLst>
+      <p:par>
+        <p:cTn xmlns:p14="http://schemas.microsoft.com/office/powerpoint/2010/main" id="1" dur="indefinite" restart="never" nodeType="tmRoot"/>
+      </p:par>
+    </p:tnLst>
+  </p:timing>
 </p:sld>
 </file>
 
@@ -8149,14 +7725,21 @@
   <p:clrMapOvr>
     <a:masterClrMapping/>
   </p:clrMapOvr>
-  <mc:AlternateContent xmlns:mc="http://schemas.openxmlformats.org/markup-compatibility/2006">
-    <mc:Choice xmlns:p14="http://schemas.microsoft.com/office/powerpoint/2010/main" Requires="p14">
+  <mc:AlternateContent xmlns:mc="http://schemas.openxmlformats.org/markup-compatibility/2006" xmlns:p14="http://schemas.microsoft.com/office/powerpoint/2010/main">
+    <mc:Choice Requires="p14">
       <p:transition spd="slow" p14:dur="2000"/>
     </mc:Choice>
-    <mc:Fallback>
+    <mc:Fallback xmlns="">
       <p:transition xmlns:p14="http://schemas.microsoft.com/office/powerpoint/2010/main" spd="slow"/>
     </mc:Fallback>
   </mc:AlternateContent>
+  <p:timing>
+    <p:tnLst>
+      <p:par>
+        <p:cTn xmlns:p14="http://schemas.microsoft.com/office/powerpoint/2010/main" id="1" dur="indefinite" restart="never" nodeType="tmRoot"/>
+      </p:par>
+    </p:tnLst>
+  </p:timing>
 </p:sld>
 </file>
 
@@ -8897,18 +8480,62 @@
   <p:clrMapOvr>
     <a:masterClrMapping/>
   </p:clrMapOvr>
-  <mc:AlternateContent xmlns:mc="http://schemas.openxmlformats.org/markup-compatibility/2006">
-    <mc:Choice xmlns:p14="http://schemas.microsoft.com/office/powerpoint/2010/main" Requires="p14">
+  <mc:AlternateContent xmlns:mc="http://schemas.openxmlformats.org/markup-compatibility/2006" xmlns:p14="http://schemas.microsoft.com/office/powerpoint/2010/main">
+    <mc:Choice Requires="p14">
       <p:transition spd="slow" p14:dur="2000"/>
     </mc:Choice>
-    <mc:Fallback>
+    <mc:Fallback xmlns="">
       <p:transition xmlns:p14="http://schemas.microsoft.com/office/powerpoint/2010/main" spd="slow"/>
     </mc:Fallback>
   </mc:AlternateContent>
+  <p:timing>
+    <p:tnLst>
+      <p:par>
+        <p:cTn xmlns:p14="http://schemas.microsoft.com/office/powerpoint/2010/main" id="1" dur="indefinite" restart="never" nodeType="tmRoot"/>
+      </p:par>
+    </p:tnLst>
+  </p:timing>
 </p:sld>
 </file>
 
 <file path=ppt/slides/slide13.xml><?xml version="1.0" encoding="utf-8"?>
+<p:sld xmlns:a="http://schemas.openxmlformats.org/drawingml/2006/main" xmlns:r="http://schemas.openxmlformats.org/officeDocument/2006/relationships" xmlns:p="http://schemas.openxmlformats.org/presentationml/2006/main">
+  <p:cSld>
+    <p:spTree>
+      <p:nvGrpSpPr>
+        <p:cNvPr id="1" name=""/>
+        <p:cNvGrpSpPr/>
+        <p:nvPr/>
+      </p:nvGrpSpPr>
+      <p:grpSpPr>
+        <a:xfrm>
+          <a:off x="0" y="0"/>
+          <a:ext cx="0" cy="0"/>
+          <a:chOff x="0" y="0"/>
+          <a:chExt cx="0" cy="0"/>
+        </a:xfrm>
+      </p:grpSpPr>
+    </p:spTree>
+    <p:extLst>
+      <p:ext uri="{BB962C8B-B14F-4D97-AF65-F5344CB8AC3E}">
+        <p14:creationId xmlns:p14="http://schemas.microsoft.com/office/powerpoint/2010/main" val="3098849690"/>
+      </p:ext>
+    </p:extLst>
+  </p:cSld>
+  <p:clrMapOvr>
+    <a:masterClrMapping/>
+  </p:clrMapOvr>
+  <p:timing>
+    <p:tnLst>
+      <p:par>
+        <p:cTn xmlns:p14="http://schemas.microsoft.com/office/powerpoint/2010/main" id="1" dur="indefinite" restart="never" nodeType="tmRoot"/>
+      </p:par>
+    </p:tnLst>
+  </p:timing>
+</p:sld>
+</file>
+
+<file path=ppt/slides/slide14.xml><?xml version="1.0" encoding="utf-8"?>
 <p:sld xmlns:a="http://schemas.openxmlformats.org/drawingml/2006/main" xmlns:r="http://schemas.openxmlformats.org/officeDocument/2006/relationships" xmlns:p="http://schemas.openxmlformats.org/presentationml/2006/main">
   <p:cSld>
     <p:spTree>
@@ -10090,18 +9717,25 @@
   <p:clrMapOvr>
     <a:masterClrMapping/>
   </p:clrMapOvr>
-  <mc:AlternateContent xmlns:mc="http://schemas.openxmlformats.org/markup-compatibility/2006">
-    <mc:Choice xmlns:p14="http://schemas.microsoft.com/office/powerpoint/2010/main" Requires="p14">
+  <mc:AlternateContent xmlns:mc="http://schemas.openxmlformats.org/markup-compatibility/2006" xmlns:p14="http://schemas.microsoft.com/office/powerpoint/2010/main">
+    <mc:Choice Requires="p14">
       <p:transition spd="slow" p14:dur="2000"/>
     </mc:Choice>
-    <mc:Fallback>
+    <mc:Fallback xmlns="">
       <p:transition xmlns:p14="http://schemas.microsoft.com/office/powerpoint/2010/main" spd="slow"/>
     </mc:Fallback>
   </mc:AlternateContent>
+  <p:timing>
+    <p:tnLst>
+      <p:par>
+        <p:cTn xmlns:p14="http://schemas.microsoft.com/office/powerpoint/2010/main" id="1" dur="indefinite" restart="never" nodeType="tmRoot"/>
+      </p:par>
+    </p:tnLst>
+  </p:timing>
 </p:sld>
 </file>
 
-<file path=ppt/slides/slide14.xml><?xml version="1.0" encoding="utf-8"?>
+<file path=ppt/slides/slide15.xml><?xml version="1.0" encoding="utf-8"?>
 <p:sld xmlns:a="http://schemas.openxmlformats.org/drawingml/2006/main" xmlns:r="http://schemas.openxmlformats.org/officeDocument/2006/relationships" xmlns:p="http://schemas.openxmlformats.org/presentationml/2006/main">
   <p:cSld>
     <p:spTree>
@@ -10151,10 +9785,17 @@
   <p:clrMapOvr>
     <a:masterClrMapping/>
   </p:clrMapOvr>
+  <p:timing>
+    <p:tnLst>
+      <p:par>
+        <p:cTn xmlns:p14="http://schemas.microsoft.com/office/powerpoint/2010/main" id="1" dur="indefinite" restart="never" nodeType="tmRoot"/>
+      </p:par>
+    </p:tnLst>
+  </p:timing>
 </p:sld>
 </file>
 
-<file path=ppt/slides/slide15.xml><?xml version="1.0" encoding="utf-8"?>
+<file path=ppt/slides/slide16.xml><?xml version="1.0" encoding="utf-8"?>
 <p:sld xmlns:a="http://schemas.openxmlformats.org/drawingml/2006/main" xmlns:r="http://schemas.openxmlformats.org/officeDocument/2006/relationships" xmlns:p="http://schemas.openxmlformats.org/presentationml/2006/main">
   <p:cSld>
     <p:spTree>
@@ -11556,11 +11197,11 @@
   <p:clrMapOvr>
     <a:masterClrMapping/>
   </p:clrMapOvr>
-  <mc:AlternateContent xmlns:mc="http://schemas.openxmlformats.org/markup-compatibility/2006">
-    <mc:Choice xmlns:p14="http://schemas.microsoft.com/office/powerpoint/2010/main" Requires="p14">
+  <mc:AlternateContent xmlns:mc="http://schemas.openxmlformats.org/markup-compatibility/2006" xmlns:p14="http://schemas.microsoft.com/office/powerpoint/2010/main">
+    <mc:Choice Requires="p14">
       <p:transition spd="slow" p14:dur="2000"/>
     </mc:Choice>
-    <mc:Fallback>
+    <mc:Fallback xmlns="">
       <p:transition xmlns:p14="http://schemas.microsoft.com/office/powerpoint/2010/main" spd="slow"/>
     </mc:Fallback>
   </mc:AlternateContent>
@@ -11574,7 +11215,7 @@
 </p:sld>
 </file>
 
-<file path=ppt/slides/slide16.xml><?xml version="1.0" encoding="utf-8"?>
+<file path=ppt/slides/slide17.xml><?xml version="1.0" encoding="utf-8"?>
 <p:sld xmlns:a="http://schemas.openxmlformats.org/drawingml/2006/main" xmlns:r="http://schemas.openxmlformats.org/officeDocument/2006/relationships" xmlns:p="http://schemas.openxmlformats.org/presentationml/2006/main">
   <p:cSld>
     <p:spTree>
@@ -13127,18 +12768,25 @@
   <p:clrMapOvr>
     <a:masterClrMapping/>
   </p:clrMapOvr>
-  <mc:AlternateContent xmlns:mc="http://schemas.openxmlformats.org/markup-compatibility/2006">
-    <mc:Choice xmlns:p14="http://schemas.microsoft.com/office/powerpoint/2010/main" Requires="p14">
+  <mc:AlternateContent xmlns:mc="http://schemas.openxmlformats.org/markup-compatibility/2006" xmlns:p14="http://schemas.microsoft.com/office/powerpoint/2010/main">
+    <mc:Choice Requires="p14">
       <p:transition spd="slow" p14:dur="2000"/>
     </mc:Choice>
-    <mc:Fallback>
+    <mc:Fallback xmlns="">
       <p:transition xmlns:p14="http://schemas.microsoft.com/office/powerpoint/2010/main" spd="slow"/>
     </mc:Fallback>
   </mc:AlternateContent>
+  <p:timing>
+    <p:tnLst>
+      <p:par>
+        <p:cTn xmlns:p14="http://schemas.microsoft.com/office/powerpoint/2010/main" id="1" dur="indefinite" restart="never" nodeType="tmRoot"/>
+      </p:par>
+    </p:tnLst>
+  </p:timing>
 </p:sld>
 </file>
 
-<file path=ppt/slides/slide17.xml><?xml version="1.0" encoding="utf-8"?>
+<file path=ppt/slides/slide18.xml><?xml version="1.0" encoding="utf-8"?>
 <p:sld xmlns:a="http://schemas.openxmlformats.org/drawingml/2006/main" xmlns:r="http://schemas.openxmlformats.org/officeDocument/2006/relationships" xmlns:p="http://schemas.openxmlformats.org/presentationml/2006/main">
   <p:cSld>
     <p:spTree>
@@ -13187,96 +12835,6 @@
       </p:pic>
       <p:pic>
         <p:nvPicPr>
-          <p:cNvPr id="24" name="Picture 23"/>
-          <p:cNvPicPr>
-            <a:picLocks noChangeAspect="1"/>
-          </p:cNvPicPr>
-          <p:nvPr/>
-        </p:nvPicPr>
-        <p:blipFill>
-          <a:blip r:embed="rId3" cstate="screen">
-            <a:extLst>
-              <a:ext uri="{28A0092B-C50C-407E-A947-70E740481C1C}">
-                <a14:useLocalDpi xmlns:a14="http://schemas.microsoft.com/office/drawing/2010/main"/>
-              </a:ext>
-            </a:extLst>
-          </a:blip>
-          <a:stretch>
-            <a:fillRect/>
-          </a:stretch>
-        </p:blipFill>
-        <p:spPr>
-          <a:xfrm>
-            <a:off x="1028553" y="3650170"/>
-            <a:ext cx="1464246" cy="2051062"/>
-          </a:xfrm>
-          <a:prstGeom prst="rect">
-            <a:avLst/>
-          </a:prstGeom>
-        </p:spPr>
-      </p:pic>
-      <p:pic>
-        <p:nvPicPr>
-          <p:cNvPr id="27" name="Picture 26"/>
-          <p:cNvPicPr>
-            <a:picLocks noChangeAspect="1"/>
-          </p:cNvPicPr>
-          <p:nvPr/>
-        </p:nvPicPr>
-        <p:blipFill>
-          <a:blip r:embed="rId3" cstate="screen">
-            <a:extLst>
-              <a:ext uri="{28A0092B-C50C-407E-A947-70E740481C1C}">
-                <a14:useLocalDpi xmlns:a14="http://schemas.microsoft.com/office/drawing/2010/main"/>
-              </a:ext>
-            </a:extLst>
-          </a:blip>
-          <a:stretch>
-            <a:fillRect/>
-          </a:stretch>
-        </p:blipFill>
-        <p:spPr>
-          <a:xfrm>
-            <a:off x="6473994" y="501322"/>
-            <a:ext cx="1464246" cy="2051062"/>
-          </a:xfrm>
-          <a:prstGeom prst="rect">
-            <a:avLst/>
-          </a:prstGeom>
-        </p:spPr>
-      </p:pic>
-      <p:pic>
-        <p:nvPicPr>
-          <p:cNvPr id="28" name="Picture 27"/>
-          <p:cNvPicPr>
-            <a:picLocks noChangeAspect="1"/>
-          </p:cNvPicPr>
-          <p:nvPr/>
-        </p:nvPicPr>
-        <p:blipFill>
-          <a:blip r:embed="rId3" cstate="screen">
-            <a:extLst>
-              <a:ext uri="{28A0092B-C50C-407E-A947-70E740481C1C}">
-                <a14:useLocalDpi xmlns:a14="http://schemas.microsoft.com/office/drawing/2010/main"/>
-              </a:ext>
-            </a:extLst>
-          </a:blip>
-          <a:stretch>
-            <a:fillRect/>
-          </a:stretch>
-        </p:blipFill>
-        <p:spPr>
-          <a:xfrm>
-            <a:off x="6473994" y="3650170"/>
-            <a:ext cx="1464246" cy="2051062"/>
-          </a:xfrm>
-          <a:prstGeom prst="rect">
-            <a:avLst/>
-          </a:prstGeom>
-        </p:spPr>
-      </p:pic>
-      <p:pic>
-        <p:nvPicPr>
           <p:cNvPr id="26" name="Content Placeholder 6"/>
           <p:cNvPicPr>
             <a:picLocks noChangeAspect="1"/>
@@ -13321,212 +12879,6 @@
       </p:pic>
       <p:pic>
         <p:nvPicPr>
-          <p:cNvPr id="29" name="Content Placeholder 6"/>
-          <p:cNvPicPr>
-            <a:picLocks noChangeAspect="1"/>
-          </p:cNvPicPr>
-          <p:nvPr/>
-        </p:nvPicPr>
-        <p:blipFill>
-          <a:blip r:embed="rId4" cstate="screen">
-            <a:duotone>
-              <a:prstClr val="black"/>
-              <a:srgbClr val="37FF00">
-                <a:tint val="45000"/>
-                <a:satMod val="400000"/>
-              </a:srgbClr>
-            </a:duotone>
-            <a:extLst>
-              <a:ext uri="{28A0092B-C50C-407E-A947-70E740481C1C}">
-                <a14:useLocalDpi xmlns:a14="http://schemas.microsoft.com/office/drawing/2010/main"/>
-              </a:ext>
-            </a:extLst>
-          </a:blip>
-          <a:srcRect l="-57666" r="-57666"/>
-          <a:stretch>
-            <a:fillRect/>
-          </a:stretch>
-        </p:blipFill>
-        <p:spPr bwMode="auto">
-          <a:xfrm flipH="1">
-            <a:off x="6701366" y="1951375"/>
-            <a:ext cx="1755335" cy="815180"/>
-          </a:xfrm>
-          <a:prstGeom prst="rect">
-            <a:avLst/>
-          </a:prstGeom>
-          <a:noFill/>
-          <a:ln>
-            <a:noFill/>
-          </a:ln>
-          <a:effectLst/>
-          <a:extLst>
-            <a:ext uri="{909E8E84-426E-40dd-AFC4-6F175D3DCCD1}">
-              <a14:hiddenFill xmlns:a14="http://schemas.microsoft.com/office/drawing/2010/main">
-                <a:solidFill>
-                  <a:srgbClr val="FFFFFF"/>
-                </a:solidFill>
-              </a14:hiddenFill>
-            </a:ext>
-            <a:ext uri="{91240B29-F687-4f45-9708-019B960494DF}">
-              <a14:hiddenLine xmlns:a14="http://schemas.microsoft.com/office/drawing/2010/main" w="9525">
-                <a:solidFill>
-                  <a:schemeClr val="tx1"/>
-                </a:solidFill>
-                <a:miter lim="800000"/>
-                <a:headEnd/>
-                <a:tailEnd/>
-              </a14:hiddenLine>
-            </a:ext>
-            <a:ext uri="{AF507438-7753-43e0-B8FC-AC1667EBCBE1}">
-              <a14:hiddenEffects xmlns:a14="http://schemas.microsoft.com/office/drawing/2010/main">
-                <a:effectLst>
-                  <a:outerShdw dist="35921" dir="2700000" algn="ctr" rotWithShape="0">
-                    <a:srgbClr val="808080"/>
-                  </a:outerShdw>
-                </a:effectLst>
-              </a14:hiddenEffects>
-            </a:ext>
-          </a:extLst>
-        </p:spPr>
-      </p:pic>
-      <p:pic>
-        <p:nvPicPr>
-          <p:cNvPr id="30" name="Content Placeholder 6"/>
-          <p:cNvPicPr>
-            <a:picLocks noChangeAspect="1"/>
-          </p:cNvPicPr>
-          <p:nvPr/>
-        </p:nvPicPr>
-        <p:blipFill>
-          <a:blip r:embed="rId4" cstate="screen">
-            <a:duotone>
-              <a:prstClr val="black"/>
-              <a:srgbClr val="4C00FF">
-                <a:tint val="45000"/>
-                <a:satMod val="400000"/>
-              </a:srgbClr>
-            </a:duotone>
-            <a:extLst>
-              <a:ext uri="{28A0092B-C50C-407E-A947-70E740481C1C}">
-                <a14:useLocalDpi xmlns:a14="http://schemas.microsoft.com/office/drawing/2010/main"/>
-              </a:ext>
-            </a:extLst>
-          </a:blip>
-          <a:srcRect l="-57666" r="-57666"/>
-          <a:stretch>
-            <a:fillRect/>
-          </a:stretch>
-        </p:blipFill>
-        <p:spPr bwMode="auto">
-          <a:xfrm flipH="1">
-            <a:off x="6662177" y="5128811"/>
-            <a:ext cx="1755335" cy="815180"/>
-          </a:xfrm>
-          <a:prstGeom prst="rect">
-            <a:avLst/>
-          </a:prstGeom>
-          <a:noFill/>
-          <a:ln>
-            <a:noFill/>
-          </a:ln>
-          <a:effectLst/>
-          <a:extLst>
-            <a:ext uri="{909E8E84-426E-40dd-AFC4-6F175D3DCCD1}">
-              <a14:hiddenFill xmlns:a14="http://schemas.microsoft.com/office/drawing/2010/main">
-                <a:solidFill>
-                  <a:srgbClr val="FFFFFF"/>
-                </a:solidFill>
-              </a14:hiddenFill>
-            </a:ext>
-            <a:ext uri="{91240B29-F687-4f45-9708-019B960494DF}">
-              <a14:hiddenLine xmlns:a14="http://schemas.microsoft.com/office/drawing/2010/main" w="9525">
-                <a:solidFill>
-                  <a:schemeClr val="tx1"/>
-                </a:solidFill>
-                <a:miter lim="800000"/>
-                <a:headEnd/>
-                <a:tailEnd/>
-              </a14:hiddenLine>
-            </a:ext>
-            <a:ext uri="{AF507438-7753-43e0-B8FC-AC1667EBCBE1}">
-              <a14:hiddenEffects xmlns:a14="http://schemas.microsoft.com/office/drawing/2010/main">
-                <a:effectLst>
-                  <a:outerShdw dist="35921" dir="2700000" algn="ctr" rotWithShape="0">
-                    <a:srgbClr val="808080"/>
-                  </a:outerShdw>
-                </a:effectLst>
-              </a14:hiddenEffects>
-            </a:ext>
-          </a:extLst>
-        </p:spPr>
-      </p:pic>
-      <p:pic>
-        <p:nvPicPr>
-          <p:cNvPr id="31" name="Content Placeholder 6"/>
-          <p:cNvPicPr>
-            <a:picLocks noChangeAspect="1"/>
-          </p:cNvPicPr>
-          <p:nvPr/>
-        </p:nvPicPr>
-        <p:blipFill>
-          <a:blip r:embed="rId4" cstate="screen">
-            <a:extLst>
-              <a:ext uri="{28A0092B-C50C-407E-A947-70E740481C1C}">
-                <a14:useLocalDpi xmlns:a14="http://schemas.microsoft.com/office/drawing/2010/main"/>
-              </a:ext>
-            </a:extLst>
-          </a:blip>
-          <a:srcRect l="-57666" r="-57666"/>
-          <a:stretch>
-            <a:fillRect/>
-          </a:stretch>
-        </p:blipFill>
-        <p:spPr bwMode="auto">
-          <a:xfrm flipH="1">
-            <a:off x="467187" y="5129463"/>
-            <a:ext cx="1755335" cy="815180"/>
-          </a:xfrm>
-          <a:prstGeom prst="rect">
-            <a:avLst/>
-          </a:prstGeom>
-          <a:noFill/>
-          <a:ln>
-            <a:noFill/>
-          </a:ln>
-          <a:effectLst/>
-          <a:extLst>
-            <a:ext uri="{909E8E84-426E-40dd-AFC4-6F175D3DCCD1}">
-              <a14:hiddenFill xmlns:a14="http://schemas.microsoft.com/office/drawing/2010/main">
-                <a:solidFill>
-                  <a:srgbClr val="FFFFFF"/>
-                </a:solidFill>
-              </a14:hiddenFill>
-            </a:ext>
-            <a:ext uri="{91240B29-F687-4f45-9708-019B960494DF}">
-              <a14:hiddenLine xmlns:a14="http://schemas.microsoft.com/office/drawing/2010/main" w="9525">
-                <a:solidFill>
-                  <a:schemeClr val="tx1"/>
-                </a:solidFill>
-                <a:miter lim="800000"/>
-                <a:headEnd/>
-                <a:tailEnd/>
-              </a14:hiddenLine>
-            </a:ext>
-            <a:ext uri="{AF507438-7753-43e0-B8FC-AC1667EBCBE1}">
-              <a14:hiddenEffects xmlns:a14="http://schemas.microsoft.com/office/drawing/2010/main">
-                <a:effectLst>
-                  <a:outerShdw dist="35921" dir="2700000" algn="ctr" rotWithShape="0">
-                    <a:srgbClr val="808080"/>
-                  </a:outerShdw>
-                </a:effectLst>
-              </a14:hiddenEffects>
-            </a:ext>
-          </a:extLst>
-        </p:spPr>
-      </p:pic>
-      <p:pic>
-        <p:nvPicPr>
           <p:cNvPr id="32" name="Content Placeholder 6"/>
           <p:cNvPicPr>
             <a:picLocks noChangeAspect="1"/>
@@ -13657,624 +13009,965 @@
           <a:extLst/>
         </p:spPr>
       </p:pic>
-      <p:pic>
-        <p:nvPicPr>
-          <p:cNvPr id="36" name="Content Placeholder 6"/>
-          <p:cNvPicPr>
-            <a:picLocks noChangeAspect="1"/>
-          </p:cNvPicPr>
-          <p:nvPr/>
-        </p:nvPicPr>
-        <p:blipFill>
-          <a:blip r:embed="rId4" cstate="screen">
-            <a:extLst>
-              <a:ext uri="{28A0092B-C50C-407E-A947-70E740481C1C}">
-                <a14:useLocalDpi xmlns:a14="http://schemas.microsoft.com/office/drawing/2010/main"/>
-              </a:ext>
-            </a:extLst>
-          </a:blip>
-          <a:srcRect l="-57666" r="-57666"/>
-          <a:stretch>
-            <a:fillRect/>
-          </a:stretch>
-        </p:blipFill>
-        <p:spPr bwMode="auto">
-          <a:xfrm flipH="1">
-            <a:off x="1326848" y="5160180"/>
-            <a:ext cx="1755335" cy="815180"/>
-          </a:xfrm>
-          <a:prstGeom prst="rect">
-            <a:avLst/>
-          </a:prstGeom>
-          <a:noFill/>
-          <a:ln>
+      <p:grpSp>
+        <p:nvGrpSpPr>
+          <p:cNvPr id="3" name="Group 2"/>
+          <p:cNvGrpSpPr/>
+          <p:nvPr/>
+        </p:nvGrpSpPr>
+        <p:grpSpPr>
+          <a:xfrm>
+            <a:off x="467187" y="3650170"/>
+            <a:ext cx="2949613" cy="2667424"/>
+            <a:chOff x="467187" y="3650170"/>
+            <a:chExt cx="2949613" cy="2667424"/>
+          </a:xfrm>
+        </p:grpSpPr>
+        <p:pic>
+          <p:nvPicPr>
+            <p:cNvPr id="24" name="Picture 23"/>
+            <p:cNvPicPr>
+              <a:picLocks noChangeAspect="1"/>
+            </p:cNvPicPr>
+            <p:nvPr/>
+          </p:nvPicPr>
+          <p:blipFill>
+            <a:blip r:embed="rId3" cstate="screen">
+              <a:extLst>
+                <a:ext uri="{28A0092B-C50C-407E-A947-70E740481C1C}">
+                  <a14:useLocalDpi xmlns:a14="http://schemas.microsoft.com/office/drawing/2010/main"/>
+                </a:ext>
+              </a:extLst>
+            </a:blip>
+            <a:stretch>
+              <a:fillRect/>
+            </a:stretch>
+          </p:blipFill>
+          <p:spPr>
+            <a:xfrm>
+              <a:off x="1028553" y="3650170"/>
+              <a:ext cx="1464246" cy="2051062"/>
+            </a:xfrm>
+            <a:prstGeom prst="rect">
+              <a:avLst/>
+            </a:prstGeom>
+          </p:spPr>
+        </p:pic>
+        <p:pic>
+          <p:nvPicPr>
+            <p:cNvPr id="31" name="Content Placeholder 6"/>
+            <p:cNvPicPr>
+              <a:picLocks noChangeAspect="1"/>
+            </p:cNvPicPr>
+            <p:nvPr/>
+          </p:nvPicPr>
+          <p:blipFill>
+            <a:blip r:embed="rId4" cstate="screen">
+              <a:extLst>
+                <a:ext uri="{28A0092B-C50C-407E-A947-70E740481C1C}">
+                  <a14:useLocalDpi xmlns:a14="http://schemas.microsoft.com/office/drawing/2010/main"/>
+                </a:ext>
+              </a:extLst>
+            </a:blip>
+            <a:srcRect l="-57666" r="-57666"/>
+            <a:stretch>
+              <a:fillRect/>
+            </a:stretch>
+          </p:blipFill>
+          <p:spPr bwMode="auto">
+            <a:xfrm flipH="1">
+              <a:off x="467187" y="5129463"/>
+              <a:ext cx="1755335" cy="815180"/>
+            </a:xfrm>
+            <a:prstGeom prst="rect">
+              <a:avLst/>
+            </a:prstGeom>
             <a:noFill/>
-          </a:ln>
-          <a:effectLst/>
-          <a:extLst>
-            <a:ext uri="{909E8E84-426E-40dd-AFC4-6F175D3DCCD1}">
-              <a14:hiddenFill xmlns:a14="http://schemas.microsoft.com/office/drawing/2010/main">
-                <a:solidFill>
-                  <a:srgbClr val="FFFFFF"/>
-                </a:solidFill>
-              </a14:hiddenFill>
-            </a:ext>
-            <a:ext uri="{91240B29-F687-4f45-9708-019B960494DF}">
-              <a14:hiddenLine xmlns:a14="http://schemas.microsoft.com/office/drawing/2010/main" w="9525">
-                <a:solidFill>
-                  <a:schemeClr val="tx1"/>
-                </a:solidFill>
-                <a:miter lim="800000"/>
-                <a:headEnd/>
-                <a:tailEnd/>
-              </a14:hiddenLine>
-            </a:ext>
-            <a:ext uri="{AF507438-7753-43e0-B8FC-AC1667EBCBE1}">
-              <a14:hiddenEffects xmlns:a14="http://schemas.microsoft.com/office/drawing/2010/main">
-                <a:effectLst>
-                  <a:outerShdw dist="35921" dir="2700000" algn="ctr" rotWithShape="0">
-                    <a:srgbClr val="808080"/>
-                  </a:outerShdw>
-                </a:effectLst>
-              </a14:hiddenEffects>
-            </a:ext>
-          </a:extLst>
-        </p:spPr>
-      </p:pic>
-      <p:pic>
-        <p:nvPicPr>
-          <p:cNvPr id="38" name="Content Placeholder 6"/>
-          <p:cNvPicPr>
-            <a:picLocks noChangeAspect="1"/>
-          </p:cNvPicPr>
-          <p:nvPr/>
-        </p:nvPicPr>
-        <p:blipFill>
-          <a:blip r:embed="rId4" cstate="screen">
-            <a:extLst>
-              <a:ext uri="{28A0092B-C50C-407E-A947-70E740481C1C}">
-                <a14:useLocalDpi xmlns:a14="http://schemas.microsoft.com/office/drawing/2010/main"/>
-              </a:ext>
-            </a:extLst>
-          </a:blip>
-          <a:srcRect l="-57666" r="-57666"/>
-          <a:stretch>
-            <a:fillRect/>
-          </a:stretch>
-        </p:blipFill>
-        <p:spPr bwMode="auto">
-          <a:xfrm flipH="1">
-            <a:off x="779291" y="5487204"/>
-            <a:ext cx="1755335" cy="815180"/>
-          </a:xfrm>
-          <a:prstGeom prst="rect">
-            <a:avLst/>
-          </a:prstGeom>
-          <a:noFill/>
-          <a:ln>
+            <a:ln>
+              <a:noFill/>
+            </a:ln>
+            <a:effectLst/>
+            <a:extLst>
+              <a:ext uri="{909E8E84-426E-40dd-AFC4-6F175D3DCCD1}">
+                <a14:hiddenFill xmlns:a14="http://schemas.microsoft.com/office/drawing/2010/main">
+                  <a:solidFill>
+                    <a:srgbClr val="FFFFFF"/>
+                  </a:solidFill>
+                </a14:hiddenFill>
+              </a:ext>
+              <a:ext uri="{91240B29-F687-4f45-9708-019B960494DF}">
+                <a14:hiddenLine xmlns:a14="http://schemas.microsoft.com/office/drawing/2010/main" w="9525">
+                  <a:solidFill>
+                    <a:schemeClr val="tx1"/>
+                  </a:solidFill>
+                  <a:miter lim="800000"/>
+                  <a:headEnd/>
+                  <a:tailEnd/>
+                </a14:hiddenLine>
+              </a:ext>
+              <a:ext uri="{AF507438-7753-43e0-B8FC-AC1667EBCBE1}">
+                <a14:hiddenEffects xmlns:a14="http://schemas.microsoft.com/office/drawing/2010/main">
+                  <a:effectLst>
+                    <a:outerShdw dist="35921" dir="2700000" algn="ctr" rotWithShape="0">
+                      <a:srgbClr val="808080"/>
+                    </a:outerShdw>
+                  </a:effectLst>
+                </a14:hiddenEffects>
+              </a:ext>
+            </a:extLst>
+          </p:spPr>
+        </p:pic>
+        <p:pic>
+          <p:nvPicPr>
+            <p:cNvPr id="36" name="Content Placeholder 6"/>
+            <p:cNvPicPr>
+              <a:picLocks noChangeAspect="1"/>
+            </p:cNvPicPr>
+            <p:nvPr/>
+          </p:nvPicPr>
+          <p:blipFill>
+            <a:blip r:embed="rId4" cstate="screen">
+              <a:extLst>
+                <a:ext uri="{28A0092B-C50C-407E-A947-70E740481C1C}">
+                  <a14:useLocalDpi xmlns:a14="http://schemas.microsoft.com/office/drawing/2010/main"/>
+                </a:ext>
+              </a:extLst>
+            </a:blip>
+            <a:srcRect l="-57666" r="-57666"/>
+            <a:stretch>
+              <a:fillRect/>
+            </a:stretch>
+          </p:blipFill>
+          <p:spPr bwMode="auto">
+            <a:xfrm flipH="1">
+              <a:off x="1326848" y="5160180"/>
+              <a:ext cx="1755335" cy="815180"/>
+            </a:xfrm>
+            <a:prstGeom prst="rect">
+              <a:avLst/>
+            </a:prstGeom>
             <a:noFill/>
-          </a:ln>
-          <a:effectLst/>
-          <a:extLst>
-            <a:ext uri="{909E8E84-426E-40dd-AFC4-6F175D3DCCD1}">
-              <a14:hiddenFill xmlns:a14="http://schemas.microsoft.com/office/drawing/2010/main">
-                <a:solidFill>
-                  <a:srgbClr val="FFFFFF"/>
-                </a:solidFill>
-              </a14:hiddenFill>
-            </a:ext>
-            <a:ext uri="{91240B29-F687-4f45-9708-019B960494DF}">
-              <a14:hiddenLine xmlns:a14="http://schemas.microsoft.com/office/drawing/2010/main" w="9525">
-                <a:solidFill>
-                  <a:schemeClr val="tx1"/>
-                </a:solidFill>
-                <a:miter lim="800000"/>
-                <a:headEnd/>
-                <a:tailEnd/>
-              </a14:hiddenLine>
-            </a:ext>
-            <a:ext uri="{AF507438-7753-43e0-B8FC-AC1667EBCBE1}">
-              <a14:hiddenEffects xmlns:a14="http://schemas.microsoft.com/office/drawing/2010/main">
-                <a:effectLst>
-                  <a:outerShdw dist="35921" dir="2700000" algn="ctr" rotWithShape="0">
-                    <a:srgbClr val="808080"/>
-                  </a:outerShdw>
-                </a:effectLst>
-              </a14:hiddenEffects>
-            </a:ext>
-          </a:extLst>
-        </p:spPr>
-      </p:pic>
-      <p:pic>
-        <p:nvPicPr>
-          <p:cNvPr id="39" name="Content Placeholder 6"/>
-          <p:cNvPicPr>
-            <a:picLocks noChangeAspect="1"/>
-          </p:cNvPicPr>
-          <p:nvPr/>
-        </p:nvPicPr>
-        <p:blipFill>
-          <a:blip r:embed="rId4" cstate="screen">
-            <a:extLst>
-              <a:ext uri="{28A0092B-C50C-407E-A947-70E740481C1C}">
-                <a14:useLocalDpi xmlns:a14="http://schemas.microsoft.com/office/drawing/2010/main"/>
-              </a:ext>
-            </a:extLst>
-          </a:blip>
-          <a:srcRect l="-57666" r="-57666"/>
-          <a:stretch>
-            <a:fillRect/>
-          </a:stretch>
-        </p:blipFill>
-        <p:spPr bwMode="auto">
-          <a:xfrm flipH="1">
-            <a:off x="1661465" y="5502414"/>
-            <a:ext cx="1755335" cy="815180"/>
-          </a:xfrm>
-          <a:prstGeom prst="rect">
-            <a:avLst/>
-          </a:prstGeom>
-          <a:noFill/>
-          <a:ln>
+            <a:ln>
+              <a:noFill/>
+            </a:ln>
+            <a:effectLst/>
+            <a:extLst>
+              <a:ext uri="{909E8E84-426E-40dd-AFC4-6F175D3DCCD1}">
+                <a14:hiddenFill xmlns:a14="http://schemas.microsoft.com/office/drawing/2010/main">
+                  <a:solidFill>
+                    <a:srgbClr val="FFFFFF"/>
+                  </a:solidFill>
+                </a14:hiddenFill>
+              </a:ext>
+              <a:ext uri="{91240B29-F687-4f45-9708-019B960494DF}">
+                <a14:hiddenLine xmlns:a14="http://schemas.microsoft.com/office/drawing/2010/main" w="9525">
+                  <a:solidFill>
+                    <a:schemeClr val="tx1"/>
+                  </a:solidFill>
+                  <a:miter lim="800000"/>
+                  <a:headEnd/>
+                  <a:tailEnd/>
+                </a14:hiddenLine>
+              </a:ext>
+              <a:ext uri="{AF507438-7753-43e0-B8FC-AC1667EBCBE1}">
+                <a14:hiddenEffects xmlns:a14="http://schemas.microsoft.com/office/drawing/2010/main">
+                  <a:effectLst>
+                    <a:outerShdw dist="35921" dir="2700000" algn="ctr" rotWithShape="0">
+                      <a:srgbClr val="808080"/>
+                    </a:outerShdw>
+                  </a:effectLst>
+                </a14:hiddenEffects>
+              </a:ext>
+            </a:extLst>
+          </p:spPr>
+        </p:pic>
+        <p:pic>
+          <p:nvPicPr>
+            <p:cNvPr id="38" name="Content Placeholder 6"/>
+            <p:cNvPicPr>
+              <a:picLocks noChangeAspect="1"/>
+            </p:cNvPicPr>
+            <p:nvPr/>
+          </p:nvPicPr>
+          <p:blipFill>
+            <a:blip r:embed="rId4" cstate="screen">
+              <a:extLst>
+                <a:ext uri="{28A0092B-C50C-407E-A947-70E740481C1C}">
+                  <a14:useLocalDpi xmlns:a14="http://schemas.microsoft.com/office/drawing/2010/main"/>
+                </a:ext>
+              </a:extLst>
+            </a:blip>
+            <a:srcRect l="-57666" r="-57666"/>
+            <a:stretch>
+              <a:fillRect/>
+            </a:stretch>
+          </p:blipFill>
+          <p:spPr bwMode="auto">
+            <a:xfrm flipH="1">
+              <a:off x="779291" y="5487204"/>
+              <a:ext cx="1755335" cy="815180"/>
+            </a:xfrm>
+            <a:prstGeom prst="rect">
+              <a:avLst/>
+            </a:prstGeom>
             <a:noFill/>
-          </a:ln>
-          <a:effectLst/>
-          <a:extLst>
-            <a:ext uri="{909E8E84-426E-40dd-AFC4-6F175D3DCCD1}">
-              <a14:hiddenFill xmlns:a14="http://schemas.microsoft.com/office/drawing/2010/main">
-                <a:solidFill>
-                  <a:srgbClr val="FFFFFF"/>
-                </a:solidFill>
-              </a14:hiddenFill>
-            </a:ext>
-            <a:ext uri="{91240B29-F687-4f45-9708-019B960494DF}">
-              <a14:hiddenLine xmlns:a14="http://schemas.microsoft.com/office/drawing/2010/main" w="9525">
-                <a:solidFill>
-                  <a:schemeClr val="tx1"/>
-                </a:solidFill>
-                <a:miter lim="800000"/>
-                <a:headEnd/>
-                <a:tailEnd/>
-              </a14:hiddenLine>
-            </a:ext>
-            <a:ext uri="{AF507438-7753-43e0-B8FC-AC1667EBCBE1}">
-              <a14:hiddenEffects xmlns:a14="http://schemas.microsoft.com/office/drawing/2010/main">
-                <a:effectLst>
-                  <a:outerShdw dist="35921" dir="2700000" algn="ctr" rotWithShape="0">
-                    <a:srgbClr val="808080"/>
-                  </a:outerShdw>
-                </a:effectLst>
-              </a14:hiddenEffects>
-            </a:ext>
-          </a:extLst>
-        </p:spPr>
-      </p:pic>
-      <p:pic>
-        <p:nvPicPr>
-          <p:cNvPr id="40" name="Content Placeholder 6"/>
-          <p:cNvPicPr>
-            <a:picLocks noChangeAspect="1"/>
-          </p:cNvPicPr>
-          <p:nvPr/>
-        </p:nvPicPr>
-        <p:blipFill>
-          <a:blip r:embed="rId4" cstate="screen">
-            <a:duotone>
-              <a:prstClr val="black"/>
-              <a:srgbClr val="4C00FF">
-                <a:tint val="45000"/>
-                <a:satMod val="400000"/>
-              </a:srgbClr>
-            </a:duotone>
-            <a:extLst>
-              <a:ext uri="{28A0092B-C50C-407E-A947-70E740481C1C}">
-                <a14:useLocalDpi xmlns:a14="http://schemas.microsoft.com/office/drawing/2010/main"/>
-              </a:ext>
-            </a:extLst>
-          </a:blip>
-          <a:srcRect l="-57666" r="-57666"/>
-          <a:stretch>
-            <a:fillRect/>
-          </a:stretch>
-        </p:blipFill>
-        <p:spPr bwMode="auto">
-          <a:xfrm flipH="1">
-            <a:off x="5734675" y="5098686"/>
-            <a:ext cx="1755335" cy="815180"/>
-          </a:xfrm>
-          <a:prstGeom prst="rect">
-            <a:avLst/>
-          </a:prstGeom>
-          <a:noFill/>
-          <a:ln>
+            <a:ln>
+              <a:noFill/>
+            </a:ln>
+            <a:effectLst/>
+            <a:extLst>
+              <a:ext uri="{909E8E84-426E-40dd-AFC4-6F175D3DCCD1}">
+                <a14:hiddenFill xmlns:a14="http://schemas.microsoft.com/office/drawing/2010/main">
+                  <a:solidFill>
+                    <a:srgbClr val="FFFFFF"/>
+                  </a:solidFill>
+                </a14:hiddenFill>
+              </a:ext>
+              <a:ext uri="{91240B29-F687-4f45-9708-019B960494DF}">
+                <a14:hiddenLine xmlns:a14="http://schemas.microsoft.com/office/drawing/2010/main" w="9525">
+                  <a:solidFill>
+                    <a:schemeClr val="tx1"/>
+                  </a:solidFill>
+                  <a:miter lim="800000"/>
+                  <a:headEnd/>
+                  <a:tailEnd/>
+                </a14:hiddenLine>
+              </a:ext>
+              <a:ext uri="{AF507438-7753-43e0-B8FC-AC1667EBCBE1}">
+                <a14:hiddenEffects xmlns:a14="http://schemas.microsoft.com/office/drawing/2010/main">
+                  <a:effectLst>
+                    <a:outerShdw dist="35921" dir="2700000" algn="ctr" rotWithShape="0">
+                      <a:srgbClr val="808080"/>
+                    </a:outerShdw>
+                  </a:effectLst>
+                </a14:hiddenEffects>
+              </a:ext>
+            </a:extLst>
+          </p:spPr>
+        </p:pic>
+        <p:pic>
+          <p:nvPicPr>
+            <p:cNvPr id="39" name="Content Placeholder 6"/>
+            <p:cNvPicPr>
+              <a:picLocks noChangeAspect="1"/>
+            </p:cNvPicPr>
+            <p:nvPr/>
+          </p:nvPicPr>
+          <p:blipFill>
+            <a:blip r:embed="rId4" cstate="screen">
+              <a:extLst>
+                <a:ext uri="{28A0092B-C50C-407E-A947-70E740481C1C}">
+                  <a14:useLocalDpi xmlns:a14="http://schemas.microsoft.com/office/drawing/2010/main"/>
+                </a:ext>
+              </a:extLst>
+            </a:blip>
+            <a:srcRect l="-57666" r="-57666"/>
+            <a:stretch>
+              <a:fillRect/>
+            </a:stretch>
+          </p:blipFill>
+          <p:spPr bwMode="auto">
+            <a:xfrm flipH="1">
+              <a:off x="1661465" y="5502414"/>
+              <a:ext cx="1755335" cy="815180"/>
+            </a:xfrm>
+            <a:prstGeom prst="rect">
+              <a:avLst/>
+            </a:prstGeom>
             <a:noFill/>
-          </a:ln>
-          <a:effectLst/>
-          <a:extLst>
-            <a:ext uri="{909E8E84-426E-40dd-AFC4-6F175D3DCCD1}">
-              <a14:hiddenFill xmlns:a14="http://schemas.microsoft.com/office/drawing/2010/main">
-                <a:solidFill>
-                  <a:srgbClr val="FFFFFF"/>
-                </a:solidFill>
-              </a14:hiddenFill>
-            </a:ext>
-            <a:ext uri="{91240B29-F687-4f45-9708-019B960494DF}">
-              <a14:hiddenLine xmlns:a14="http://schemas.microsoft.com/office/drawing/2010/main" w="9525">
-                <a:solidFill>
-                  <a:schemeClr val="tx1"/>
-                </a:solidFill>
-                <a:miter lim="800000"/>
-                <a:headEnd/>
-                <a:tailEnd/>
-              </a14:hiddenLine>
-            </a:ext>
-            <a:ext uri="{AF507438-7753-43e0-B8FC-AC1667EBCBE1}">
-              <a14:hiddenEffects xmlns:a14="http://schemas.microsoft.com/office/drawing/2010/main">
-                <a:effectLst>
-                  <a:outerShdw dist="35921" dir="2700000" algn="ctr" rotWithShape="0">
-                    <a:srgbClr val="808080"/>
-                  </a:outerShdw>
-                </a:effectLst>
-              </a14:hiddenEffects>
-            </a:ext>
-          </a:extLst>
-        </p:spPr>
-      </p:pic>
-      <p:pic>
-        <p:nvPicPr>
-          <p:cNvPr id="41" name="Content Placeholder 6"/>
-          <p:cNvPicPr>
-            <a:picLocks noChangeAspect="1"/>
-          </p:cNvPicPr>
-          <p:nvPr/>
-        </p:nvPicPr>
-        <p:blipFill>
-          <a:blip r:embed="rId4" cstate="screen">
-            <a:duotone>
-              <a:prstClr val="black"/>
-              <a:srgbClr val="4C00FF">
-                <a:tint val="45000"/>
-                <a:satMod val="400000"/>
-              </a:srgbClr>
-            </a:duotone>
-            <a:extLst>
-              <a:ext uri="{28A0092B-C50C-407E-A947-70E740481C1C}">
-                <a14:useLocalDpi xmlns:a14="http://schemas.microsoft.com/office/drawing/2010/main"/>
-              </a:ext>
-            </a:extLst>
-          </a:blip>
-          <a:srcRect l="-57666" r="-57666"/>
-          <a:stretch>
-            <a:fillRect/>
-          </a:stretch>
-        </p:blipFill>
-        <p:spPr bwMode="auto">
-          <a:xfrm flipH="1">
-            <a:off x="5879168" y="5516973"/>
-            <a:ext cx="1755335" cy="815180"/>
-          </a:xfrm>
-          <a:prstGeom prst="rect">
-            <a:avLst/>
-          </a:prstGeom>
-          <a:noFill/>
-          <a:ln>
+            <a:ln>
+              <a:noFill/>
+            </a:ln>
+            <a:effectLst/>
+            <a:extLst>
+              <a:ext uri="{909E8E84-426E-40dd-AFC4-6F175D3DCCD1}">
+                <a14:hiddenFill xmlns:a14="http://schemas.microsoft.com/office/drawing/2010/main">
+                  <a:solidFill>
+                    <a:srgbClr val="FFFFFF"/>
+                  </a:solidFill>
+                </a14:hiddenFill>
+              </a:ext>
+              <a:ext uri="{91240B29-F687-4f45-9708-019B960494DF}">
+                <a14:hiddenLine xmlns:a14="http://schemas.microsoft.com/office/drawing/2010/main" w="9525">
+                  <a:solidFill>
+                    <a:schemeClr val="tx1"/>
+                  </a:solidFill>
+                  <a:miter lim="800000"/>
+                  <a:headEnd/>
+                  <a:tailEnd/>
+                </a14:hiddenLine>
+              </a:ext>
+              <a:ext uri="{AF507438-7753-43e0-B8FC-AC1667EBCBE1}">
+                <a14:hiddenEffects xmlns:a14="http://schemas.microsoft.com/office/drawing/2010/main">
+                  <a:effectLst>
+                    <a:outerShdw dist="35921" dir="2700000" algn="ctr" rotWithShape="0">
+                      <a:srgbClr val="808080"/>
+                    </a:outerShdw>
+                  </a:effectLst>
+                </a14:hiddenEffects>
+              </a:ext>
+            </a:extLst>
+          </p:spPr>
+        </p:pic>
+      </p:grpSp>
+      <p:grpSp>
+        <p:nvGrpSpPr>
+          <p:cNvPr id="6" name="Group 5"/>
+          <p:cNvGrpSpPr/>
+          <p:nvPr/>
+        </p:nvGrpSpPr>
+        <p:grpSpPr>
+          <a:xfrm>
+            <a:off x="5734675" y="3650170"/>
+            <a:ext cx="2979730" cy="2742824"/>
+            <a:chOff x="5734675" y="3650170"/>
+            <a:chExt cx="2979730" cy="2742824"/>
+          </a:xfrm>
+        </p:grpSpPr>
+        <p:pic>
+          <p:nvPicPr>
+            <p:cNvPr id="28" name="Picture 27"/>
+            <p:cNvPicPr>
+              <a:picLocks noChangeAspect="1"/>
+            </p:cNvPicPr>
+            <p:nvPr/>
+          </p:nvPicPr>
+          <p:blipFill>
+            <a:blip r:embed="rId3" cstate="screen">
+              <a:extLst>
+                <a:ext uri="{28A0092B-C50C-407E-A947-70E740481C1C}">
+                  <a14:useLocalDpi xmlns:a14="http://schemas.microsoft.com/office/drawing/2010/main"/>
+                </a:ext>
+              </a:extLst>
+            </a:blip>
+            <a:stretch>
+              <a:fillRect/>
+            </a:stretch>
+          </p:blipFill>
+          <p:spPr>
+            <a:xfrm>
+              <a:off x="6473994" y="3650170"/>
+              <a:ext cx="1464246" cy="2051062"/>
+            </a:xfrm>
+            <a:prstGeom prst="rect">
+              <a:avLst/>
+            </a:prstGeom>
+          </p:spPr>
+        </p:pic>
+        <p:pic>
+          <p:nvPicPr>
+            <p:cNvPr id="30" name="Content Placeholder 6"/>
+            <p:cNvPicPr>
+              <a:picLocks noChangeAspect="1"/>
+            </p:cNvPicPr>
+            <p:nvPr/>
+          </p:nvPicPr>
+          <p:blipFill>
+            <a:blip r:embed="rId4" cstate="screen">
+              <a:duotone>
+                <a:prstClr val="black"/>
+                <a:srgbClr val="4C00FF">
+                  <a:tint val="45000"/>
+                  <a:satMod val="400000"/>
+                </a:srgbClr>
+              </a:duotone>
+              <a:extLst>
+                <a:ext uri="{28A0092B-C50C-407E-A947-70E740481C1C}">
+                  <a14:useLocalDpi xmlns:a14="http://schemas.microsoft.com/office/drawing/2010/main"/>
+                </a:ext>
+              </a:extLst>
+            </a:blip>
+            <a:srcRect l="-57666" r="-57666"/>
+            <a:stretch>
+              <a:fillRect/>
+            </a:stretch>
+          </p:blipFill>
+          <p:spPr bwMode="auto">
+            <a:xfrm flipH="1">
+              <a:off x="6662177" y="5128811"/>
+              <a:ext cx="1755335" cy="815180"/>
+            </a:xfrm>
+            <a:prstGeom prst="rect">
+              <a:avLst/>
+            </a:prstGeom>
             <a:noFill/>
-          </a:ln>
-          <a:effectLst/>
-          <a:extLst>
-            <a:ext uri="{909E8E84-426E-40dd-AFC4-6F175D3DCCD1}">
-              <a14:hiddenFill xmlns:a14="http://schemas.microsoft.com/office/drawing/2010/main">
-                <a:solidFill>
-                  <a:srgbClr val="FFFFFF"/>
-                </a:solidFill>
-              </a14:hiddenFill>
-            </a:ext>
-            <a:ext uri="{91240B29-F687-4f45-9708-019B960494DF}">
-              <a14:hiddenLine xmlns:a14="http://schemas.microsoft.com/office/drawing/2010/main" w="9525">
-                <a:solidFill>
-                  <a:schemeClr val="tx1"/>
-                </a:solidFill>
-                <a:miter lim="800000"/>
-                <a:headEnd/>
-                <a:tailEnd/>
-              </a14:hiddenLine>
-            </a:ext>
-            <a:ext uri="{AF507438-7753-43e0-B8FC-AC1667EBCBE1}">
-              <a14:hiddenEffects xmlns:a14="http://schemas.microsoft.com/office/drawing/2010/main">
-                <a:effectLst>
-                  <a:outerShdw dist="35921" dir="2700000" algn="ctr" rotWithShape="0">
-                    <a:srgbClr val="808080"/>
-                  </a:outerShdw>
-                </a:effectLst>
-              </a14:hiddenEffects>
-            </a:ext>
-          </a:extLst>
-        </p:spPr>
-      </p:pic>
-      <p:pic>
-        <p:nvPicPr>
-          <p:cNvPr id="42" name="Content Placeholder 6"/>
-          <p:cNvPicPr>
-            <a:picLocks noChangeAspect="1"/>
-          </p:cNvPicPr>
-          <p:nvPr/>
-        </p:nvPicPr>
-        <p:blipFill>
-          <a:blip r:embed="rId4" cstate="screen">
-            <a:duotone>
-              <a:prstClr val="black"/>
-              <a:srgbClr val="4C00FF">
-                <a:tint val="45000"/>
-                <a:satMod val="400000"/>
-              </a:srgbClr>
-            </a:duotone>
-            <a:extLst>
-              <a:ext uri="{28A0092B-C50C-407E-A947-70E740481C1C}">
-                <a14:useLocalDpi xmlns:a14="http://schemas.microsoft.com/office/drawing/2010/main"/>
-              </a:ext>
-            </a:extLst>
-          </a:blip>
-          <a:srcRect l="-57666" r="-57666"/>
-          <a:stretch>
-            <a:fillRect/>
-          </a:stretch>
-        </p:blipFill>
-        <p:spPr bwMode="auto">
-          <a:xfrm flipH="1">
-            <a:off x="6959070" y="5577814"/>
-            <a:ext cx="1755335" cy="815180"/>
-          </a:xfrm>
-          <a:prstGeom prst="rect">
-            <a:avLst/>
-          </a:prstGeom>
-          <a:noFill/>
-          <a:ln>
+            <a:ln>
+              <a:noFill/>
+            </a:ln>
+            <a:effectLst/>
+            <a:extLst>
+              <a:ext uri="{909E8E84-426E-40dd-AFC4-6F175D3DCCD1}">
+                <a14:hiddenFill xmlns:a14="http://schemas.microsoft.com/office/drawing/2010/main">
+                  <a:solidFill>
+                    <a:srgbClr val="FFFFFF"/>
+                  </a:solidFill>
+                </a14:hiddenFill>
+              </a:ext>
+              <a:ext uri="{91240B29-F687-4f45-9708-019B960494DF}">
+                <a14:hiddenLine xmlns:a14="http://schemas.microsoft.com/office/drawing/2010/main" w="9525">
+                  <a:solidFill>
+                    <a:schemeClr val="tx1"/>
+                  </a:solidFill>
+                  <a:miter lim="800000"/>
+                  <a:headEnd/>
+                  <a:tailEnd/>
+                </a14:hiddenLine>
+              </a:ext>
+              <a:ext uri="{AF507438-7753-43e0-B8FC-AC1667EBCBE1}">
+                <a14:hiddenEffects xmlns:a14="http://schemas.microsoft.com/office/drawing/2010/main">
+                  <a:effectLst>
+                    <a:outerShdw dist="35921" dir="2700000" algn="ctr" rotWithShape="0">
+                      <a:srgbClr val="808080"/>
+                    </a:outerShdw>
+                  </a:effectLst>
+                </a14:hiddenEffects>
+              </a:ext>
+            </a:extLst>
+          </p:spPr>
+        </p:pic>
+        <p:pic>
+          <p:nvPicPr>
+            <p:cNvPr id="40" name="Content Placeholder 6"/>
+            <p:cNvPicPr>
+              <a:picLocks noChangeAspect="1"/>
+            </p:cNvPicPr>
+            <p:nvPr/>
+          </p:nvPicPr>
+          <p:blipFill>
+            <a:blip r:embed="rId4" cstate="screen">
+              <a:duotone>
+                <a:prstClr val="black"/>
+                <a:srgbClr val="4C00FF">
+                  <a:tint val="45000"/>
+                  <a:satMod val="400000"/>
+                </a:srgbClr>
+              </a:duotone>
+              <a:extLst>
+                <a:ext uri="{28A0092B-C50C-407E-A947-70E740481C1C}">
+                  <a14:useLocalDpi xmlns:a14="http://schemas.microsoft.com/office/drawing/2010/main"/>
+                </a:ext>
+              </a:extLst>
+            </a:blip>
+            <a:srcRect l="-57666" r="-57666"/>
+            <a:stretch>
+              <a:fillRect/>
+            </a:stretch>
+          </p:blipFill>
+          <p:spPr bwMode="auto">
+            <a:xfrm flipH="1">
+              <a:off x="5734675" y="5098686"/>
+              <a:ext cx="1755335" cy="815180"/>
+            </a:xfrm>
+            <a:prstGeom prst="rect">
+              <a:avLst/>
+            </a:prstGeom>
             <a:noFill/>
-          </a:ln>
-          <a:effectLst/>
-          <a:extLst>
-            <a:ext uri="{909E8E84-426E-40dd-AFC4-6F175D3DCCD1}">
-              <a14:hiddenFill xmlns:a14="http://schemas.microsoft.com/office/drawing/2010/main">
-                <a:solidFill>
-                  <a:srgbClr val="FFFFFF"/>
-                </a:solidFill>
-              </a14:hiddenFill>
-            </a:ext>
-            <a:ext uri="{91240B29-F687-4f45-9708-019B960494DF}">
-              <a14:hiddenLine xmlns:a14="http://schemas.microsoft.com/office/drawing/2010/main" w="9525">
-                <a:solidFill>
-                  <a:schemeClr val="tx1"/>
-                </a:solidFill>
-                <a:miter lim="800000"/>
-                <a:headEnd/>
-                <a:tailEnd/>
-              </a14:hiddenLine>
-            </a:ext>
-            <a:ext uri="{AF507438-7753-43e0-B8FC-AC1667EBCBE1}">
-              <a14:hiddenEffects xmlns:a14="http://schemas.microsoft.com/office/drawing/2010/main">
-                <a:effectLst>
-                  <a:outerShdw dist="35921" dir="2700000" algn="ctr" rotWithShape="0">
-                    <a:srgbClr val="808080"/>
-                  </a:outerShdw>
-                </a:effectLst>
-              </a14:hiddenEffects>
-            </a:ext>
-          </a:extLst>
-        </p:spPr>
-      </p:pic>
-      <p:pic>
-        <p:nvPicPr>
-          <p:cNvPr id="43" name="Content Placeholder 6"/>
-          <p:cNvPicPr>
-            <a:picLocks noChangeAspect="1"/>
-          </p:cNvPicPr>
-          <p:nvPr/>
-        </p:nvPicPr>
-        <p:blipFill>
-          <a:blip r:embed="rId4" cstate="screen">
-            <a:duotone>
-              <a:prstClr val="black"/>
-              <a:srgbClr val="37FF00">
-                <a:tint val="45000"/>
-                <a:satMod val="400000"/>
-              </a:srgbClr>
-            </a:duotone>
-            <a:extLst>
-              <a:ext uri="{28A0092B-C50C-407E-A947-70E740481C1C}">
-                <a14:useLocalDpi xmlns:a14="http://schemas.microsoft.com/office/drawing/2010/main"/>
-              </a:ext>
-            </a:extLst>
-          </a:blip>
-          <a:srcRect l="-57666" r="-57666"/>
-          <a:stretch>
-            <a:fillRect/>
-          </a:stretch>
-        </p:blipFill>
-        <p:spPr bwMode="auto">
-          <a:xfrm flipH="1">
-            <a:off x="5766259" y="1989697"/>
-            <a:ext cx="1755335" cy="815180"/>
-          </a:xfrm>
-          <a:prstGeom prst="rect">
-            <a:avLst/>
-          </a:prstGeom>
-          <a:noFill/>
-          <a:ln>
+            <a:ln>
+              <a:noFill/>
+            </a:ln>
+            <a:effectLst/>
+            <a:extLst>
+              <a:ext uri="{909E8E84-426E-40dd-AFC4-6F175D3DCCD1}">
+                <a14:hiddenFill xmlns:a14="http://schemas.microsoft.com/office/drawing/2010/main">
+                  <a:solidFill>
+                    <a:srgbClr val="FFFFFF"/>
+                  </a:solidFill>
+                </a14:hiddenFill>
+              </a:ext>
+              <a:ext uri="{91240B29-F687-4f45-9708-019B960494DF}">
+                <a14:hiddenLine xmlns:a14="http://schemas.microsoft.com/office/drawing/2010/main" w="9525">
+                  <a:solidFill>
+                    <a:schemeClr val="tx1"/>
+                  </a:solidFill>
+                  <a:miter lim="800000"/>
+                  <a:headEnd/>
+                  <a:tailEnd/>
+                </a14:hiddenLine>
+              </a:ext>
+              <a:ext uri="{AF507438-7753-43e0-B8FC-AC1667EBCBE1}">
+                <a14:hiddenEffects xmlns:a14="http://schemas.microsoft.com/office/drawing/2010/main">
+                  <a:effectLst>
+                    <a:outerShdw dist="35921" dir="2700000" algn="ctr" rotWithShape="0">
+                      <a:srgbClr val="808080"/>
+                    </a:outerShdw>
+                  </a:effectLst>
+                </a14:hiddenEffects>
+              </a:ext>
+            </a:extLst>
+          </p:spPr>
+        </p:pic>
+        <p:pic>
+          <p:nvPicPr>
+            <p:cNvPr id="41" name="Content Placeholder 6"/>
+            <p:cNvPicPr>
+              <a:picLocks noChangeAspect="1"/>
+            </p:cNvPicPr>
+            <p:nvPr/>
+          </p:nvPicPr>
+          <p:blipFill>
+            <a:blip r:embed="rId4" cstate="screen">
+              <a:duotone>
+                <a:prstClr val="black"/>
+                <a:srgbClr val="4C00FF">
+                  <a:tint val="45000"/>
+                  <a:satMod val="400000"/>
+                </a:srgbClr>
+              </a:duotone>
+              <a:extLst>
+                <a:ext uri="{28A0092B-C50C-407E-A947-70E740481C1C}">
+                  <a14:useLocalDpi xmlns:a14="http://schemas.microsoft.com/office/drawing/2010/main"/>
+                </a:ext>
+              </a:extLst>
+            </a:blip>
+            <a:srcRect l="-57666" r="-57666"/>
+            <a:stretch>
+              <a:fillRect/>
+            </a:stretch>
+          </p:blipFill>
+          <p:spPr bwMode="auto">
+            <a:xfrm flipH="1">
+              <a:off x="5879168" y="5516973"/>
+              <a:ext cx="1755335" cy="815180"/>
+            </a:xfrm>
+            <a:prstGeom prst="rect">
+              <a:avLst/>
+            </a:prstGeom>
             <a:noFill/>
-          </a:ln>
-          <a:effectLst/>
-          <a:extLst>
-            <a:ext uri="{909E8E84-426E-40dd-AFC4-6F175D3DCCD1}">
-              <a14:hiddenFill xmlns:a14="http://schemas.microsoft.com/office/drawing/2010/main">
-                <a:solidFill>
-                  <a:srgbClr val="FFFFFF"/>
-                </a:solidFill>
-              </a14:hiddenFill>
-            </a:ext>
-            <a:ext uri="{91240B29-F687-4f45-9708-019B960494DF}">
-              <a14:hiddenLine xmlns:a14="http://schemas.microsoft.com/office/drawing/2010/main" w="9525">
-                <a:solidFill>
-                  <a:schemeClr val="tx1"/>
-                </a:solidFill>
-                <a:miter lim="800000"/>
-                <a:headEnd/>
-                <a:tailEnd/>
-              </a14:hiddenLine>
-            </a:ext>
-            <a:ext uri="{AF507438-7753-43e0-B8FC-AC1667EBCBE1}">
-              <a14:hiddenEffects xmlns:a14="http://schemas.microsoft.com/office/drawing/2010/main">
-                <a:effectLst>
-                  <a:outerShdw dist="35921" dir="2700000" algn="ctr" rotWithShape="0">
-                    <a:srgbClr val="808080"/>
-                  </a:outerShdw>
-                </a:effectLst>
-              </a14:hiddenEffects>
-            </a:ext>
-          </a:extLst>
-        </p:spPr>
-      </p:pic>
-      <p:pic>
-        <p:nvPicPr>
-          <p:cNvPr id="44" name="Content Placeholder 6"/>
-          <p:cNvPicPr>
-            <a:picLocks noChangeAspect="1"/>
-          </p:cNvPicPr>
-          <p:nvPr/>
-        </p:nvPicPr>
-        <p:blipFill>
-          <a:blip r:embed="rId4" cstate="screen">
-            <a:duotone>
-              <a:prstClr val="black"/>
-              <a:srgbClr val="37FF00">
-                <a:tint val="45000"/>
-                <a:satMod val="400000"/>
-              </a:srgbClr>
-            </a:duotone>
-            <a:extLst>
-              <a:ext uri="{28A0092B-C50C-407E-A947-70E740481C1C}">
-                <a14:useLocalDpi xmlns:a14="http://schemas.microsoft.com/office/drawing/2010/main"/>
-              </a:ext>
-            </a:extLst>
-          </a:blip>
-          <a:srcRect l="-57666" r="-57666"/>
-          <a:stretch>
-            <a:fillRect/>
-          </a:stretch>
-        </p:blipFill>
-        <p:spPr bwMode="auto">
-          <a:xfrm flipH="1">
-            <a:off x="6009616" y="2446010"/>
-            <a:ext cx="1755335" cy="815180"/>
-          </a:xfrm>
-          <a:prstGeom prst="rect">
-            <a:avLst/>
-          </a:prstGeom>
-          <a:noFill/>
-          <a:ln>
+            <a:ln>
+              <a:noFill/>
+            </a:ln>
+            <a:effectLst/>
+            <a:extLst>
+              <a:ext uri="{909E8E84-426E-40dd-AFC4-6F175D3DCCD1}">
+                <a14:hiddenFill xmlns:a14="http://schemas.microsoft.com/office/drawing/2010/main">
+                  <a:solidFill>
+                    <a:srgbClr val="FFFFFF"/>
+                  </a:solidFill>
+                </a14:hiddenFill>
+              </a:ext>
+              <a:ext uri="{91240B29-F687-4f45-9708-019B960494DF}">
+                <a14:hiddenLine xmlns:a14="http://schemas.microsoft.com/office/drawing/2010/main" w="9525">
+                  <a:solidFill>
+                    <a:schemeClr val="tx1"/>
+                  </a:solidFill>
+                  <a:miter lim="800000"/>
+                  <a:headEnd/>
+                  <a:tailEnd/>
+                </a14:hiddenLine>
+              </a:ext>
+              <a:ext uri="{AF507438-7753-43e0-B8FC-AC1667EBCBE1}">
+                <a14:hiddenEffects xmlns:a14="http://schemas.microsoft.com/office/drawing/2010/main">
+                  <a:effectLst>
+                    <a:outerShdw dist="35921" dir="2700000" algn="ctr" rotWithShape="0">
+                      <a:srgbClr val="808080"/>
+                    </a:outerShdw>
+                  </a:effectLst>
+                </a14:hiddenEffects>
+              </a:ext>
+            </a:extLst>
+          </p:spPr>
+        </p:pic>
+        <p:pic>
+          <p:nvPicPr>
+            <p:cNvPr id="42" name="Content Placeholder 6"/>
+            <p:cNvPicPr>
+              <a:picLocks noChangeAspect="1"/>
+            </p:cNvPicPr>
+            <p:nvPr/>
+          </p:nvPicPr>
+          <p:blipFill>
+            <a:blip r:embed="rId4" cstate="screen">
+              <a:duotone>
+                <a:prstClr val="black"/>
+                <a:srgbClr val="4C00FF">
+                  <a:tint val="45000"/>
+                  <a:satMod val="400000"/>
+                </a:srgbClr>
+              </a:duotone>
+              <a:extLst>
+                <a:ext uri="{28A0092B-C50C-407E-A947-70E740481C1C}">
+                  <a14:useLocalDpi xmlns:a14="http://schemas.microsoft.com/office/drawing/2010/main"/>
+                </a:ext>
+              </a:extLst>
+            </a:blip>
+            <a:srcRect l="-57666" r="-57666"/>
+            <a:stretch>
+              <a:fillRect/>
+            </a:stretch>
+          </p:blipFill>
+          <p:spPr bwMode="auto">
+            <a:xfrm flipH="1">
+              <a:off x="6959070" y="5577814"/>
+              <a:ext cx="1755335" cy="815180"/>
+            </a:xfrm>
+            <a:prstGeom prst="rect">
+              <a:avLst/>
+            </a:prstGeom>
             <a:noFill/>
-          </a:ln>
-          <a:effectLst/>
-          <a:extLst>
-            <a:ext uri="{909E8E84-426E-40dd-AFC4-6F175D3DCCD1}">
-              <a14:hiddenFill xmlns:a14="http://schemas.microsoft.com/office/drawing/2010/main">
-                <a:solidFill>
-                  <a:srgbClr val="FFFFFF"/>
-                </a:solidFill>
-              </a14:hiddenFill>
-            </a:ext>
-            <a:ext uri="{91240B29-F687-4f45-9708-019B960494DF}">
-              <a14:hiddenLine xmlns:a14="http://schemas.microsoft.com/office/drawing/2010/main" w="9525">
-                <a:solidFill>
-                  <a:schemeClr val="tx1"/>
-                </a:solidFill>
-                <a:miter lim="800000"/>
-                <a:headEnd/>
-                <a:tailEnd/>
-              </a14:hiddenLine>
-            </a:ext>
-            <a:ext uri="{AF507438-7753-43e0-B8FC-AC1667EBCBE1}">
-              <a14:hiddenEffects xmlns:a14="http://schemas.microsoft.com/office/drawing/2010/main">
-                <a:effectLst>
-                  <a:outerShdw dist="35921" dir="2700000" algn="ctr" rotWithShape="0">
-                    <a:srgbClr val="808080"/>
-                  </a:outerShdw>
-                </a:effectLst>
-              </a14:hiddenEffects>
-            </a:ext>
-          </a:extLst>
-        </p:spPr>
-      </p:pic>
-      <p:pic>
-        <p:nvPicPr>
-          <p:cNvPr id="45" name="Content Placeholder 6"/>
-          <p:cNvPicPr>
-            <a:picLocks noChangeAspect="1"/>
-          </p:cNvPicPr>
-          <p:nvPr/>
-        </p:nvPicPr>
-        <p:blipFill>
-          <a:blip r:embed="rId4" cstate="screen">
-            <a:duotone>
-              <a:prstClr val="black"/>
-              <a:srgbClr val="37FF00">
-                <a:tint val="45000"/>
-                <a:satMod val="400000"/>
-              </a:srgbClr>
-            </a:duotone>
-            <a:extLst>
-              <a:ext uri="{28A0092B-C50C-407E-A947-70E740481C1C}">
-                <a14:useLocalDpi xmlns:a14="http://schemas.microsoft.com/office/drawing/2010/main"/>
-              </a:ext>
-            </a:extLst>
-          </a:blip>
-          <a:srcRect l="-57666" r="-57666"/>
-          <a:stretch>
-            <a:fillRect/>
-          </a:stretch>
-        </p:blipFill>
-        <p:spPr bwMode="auto">
-          <a:xfrm flipH="1">
-            <a:off x="6879130" y="2461221"/>
-            <a:ext cx="1755335" cy="815180"/>
-          </a:xfrm>
-          <a:prstGeom prst="rect">
-            <a:avLst/>
-          </a:prstGeom>
-          <a:noFill/>
-          <a:ln>
+            <a:ln>
+              <a:noFill/>
+            </a:ln>
+            <a:effectLst/>
+            <a:extLst>
+              <a:ext uri="{909E8E84-426E-40dd-AFC4-6F175D3DCCD1}">
+                <a14:hiddenFill xmlns:a14="http://schemas.microsoft.com/office/drawing/2010/main">
+                  <a:solidFill>
+                    <a:srgbClr val="FFFFFF"/>
+                  </a:solidFill>
+                </a14:hiddenFill>
+              </a:ext>
+              <a:ext uri="{91240B29-F687-4f45-9708-019B960494DF}">
+                <a14:hiddenLine xmlns:a14="http://schemas.microsoft.com/office/drawing/2010/main" w="9525">
+                  <a:solidFill>
+                    <a:schemeClr val="tx1"/>
+                  </a:solidFill>
+                  <a:miter lim="800000"/>
+                  <a:headEnd/>
+                  <a:tailEnd/>
+                </a14:hiddenLine>
+              </a:ext>
+              <a:ext uri="{AF507438-7753-43e0-B8FC-AC1667EBCBE1}">
+                <a14:hiddenEffects xmlns:a14="http://schemas.microsoft.com/office/drawing/2010/main">
+                  <a:effectLst>
+                    <a:outerShdw dist="35921" dir="2700000" algn="ctr" rotWithShape="0">
+                      <a:srgbClr val="808080"/>
+                    </a:outerShdw>
+                  </a:effectLst>
+                </a14:hiddenEffects>
+              </a:ext>
+            </a:extLst>
+          </p:spPr>
+        </p:pic>
+      </p:grpSp>
+      <p:grpSp>
+        <p:nvGrpSpPr>
+          <p:cNvPr id="2" name="Group 1"/>
+          <p:cNvGrpSpPr/>
+          <p:nvPr/>
+        </p:nvGrpSpPr>
+        <p:grpSpPr>
+          <a:xfrm>
+            <a:off x="5766259" y="501322"/>
+            <a:ext cx="2868206" cy="2775079"/>
+            <a:chOff x="5766259" y="501322"/>
+            <a:chExt cx="2868206" cy="2775079"/>
+          </a:xfrm>
+        </p:grpSpPr>
+        <p:pic>
+          <p:nvPicPr>
+            <p:cNvPr id="27" name="Picture 26"/>
+            <p:cNvPicPr>
+              <a:picLocks noChangeAspect="1"/>
+            </p:cNvPicPr>
+            <p:nvPr/>
+          </p:nvPicPr>
+          <p:blipFill>
+            <a:blip r:embed="rId3" cstate="screen">
+              <a:extLst>
+                <a:ext uri="{28A0092B-C50C-407E-A947-70E740481C1C}">
+                  <a14:useLocalDpi xmlns:a14="http://schemas.microsoft.com/office/drawing/2010/main"/>
+                </a:ext>
+              </a:extLst>
+            </a:blip>
+            <a:stretch>
+              <a:fillRect/>
+            </a:stretch>
+          </p:blipFill>
+          <p:spPr>
+            <a:xfrm>
+              <a:off x="6473994" y="501322"/>
+              <a:ext cx="1464246" cy="2051062"/>
+            </a:xfrm>
+            <a:prstGeom prst="rect">
+              <a:avLst/>
+            </a:prstGeom>
+          </p:spPr>
+        </p:pic>
+        <p:pic>
+          <p:nvPicPr>
+            <p:cNvPr id="29" name="Content Placeholder 6"/>
+            <p:cNvPicPr>
+              <a:picLocks noChangeAspect="1"/>
+            </p:cNvPicPr>
+            <p:nvPr/>
+          </p:nvPicPr>
+          <p:blipFill>
+            <a:blip r:embed="rId4" cstate="screen">
+              <a:duotone>
+                <a:prstClr val="black"/>
+                <a:srgbClr val="37FF00">
+                  <a:tint val="45000"/>
+                  <a:satMod val="400000"/>
+                </a:srgbClr>
+              </a:duotone>
+              <a:extLst>
+                <a:ext uri="{28A0092B-C50C-407E-A947-70E740481C1C}">
+                  <a14:useLocalDpi xmlns:a14="http://schemas.microsoft.com/office/drawing/2010/main"/>
+                </a:ext>
+              </a:extLst>
+            </a:blip>
+            <a:srcRect l="-57666" r="-57666"/>
+            <a:stretch>
+              <a:fillRect/>
+            </a:stretch>
+          </p:blipFill>
+          <p:spPr bwMode="auto">
+            <a:xfrm flipH="1">
+              <a:off x="6701366" y="1951375"/>
+              <a:ext cx="1755335" cy="815180"/>
+            </a:xfrm>
+            <a:prstGeom prst="rect">
+              <a:avLst/>
+            </a:prstGeom>
             <a:noFill/>
-          </a:ln>
-          <a:effectLst/>
-          <a:extLst>
-            <a:ext uri="{909E8E84-426E-40dd-AFC4-6F175D3DCCD1}">
-              <a14:hiddenFill xmlns:a14="http://schemas.microsoft.com/office/drawing/2010/main">
-                <a:solidFill>
-                  <a:srgbClr val="FFFFFF"/>
-                </a:solidFill>
-              </a14:hiddenFill>
-            </a:ext>
-            <a:ext uri="{91240B29-F687-4f45-9708-019B960494DF}">
-              <a14:hiddenLine xmlns:a14="http://schemas.microsoft.com/office/drawing/2010/main" w="9525">
-                <a:solidFill>
-                  <a:schemeClr val="tx1"/>
-                </a:solidFill>
-                <a:miter lim="800000"/>
-                <a:headEnd/>
-                <a:tailEnd/>
-              </a14:hiddenLine>
-            </a:ext>
-            <a:ext uri="{AF507438-7753-43e0-B8FC-AC1667EBCBE1}">
-              <a14:hiddenEffects xmlns:a14="http://schemas.microsoft.com/office/drawing/2010/main">
-                <a:effectLst>
-                  <a:outerShdw dist="35921" dir="2700000" algn="ctr" rotWithShape="0">
-                    <a:srgbClr val="808080"/>
-                  </a:outerShdw>
-                </a:effectLst>
-              </a14:hiddenEffects>
-            </a:ext>
-          </a:extLst>
-        </p:spPr>
-      </p:pic>
+            <a:ln>
+              <a:noFill/>
+            </a:ln>
+            <a:effectLst/>
+            <a:extLst>
+              <a:ext uri="{909E8E84-426E-40dd-AFC4-6F175D3DCCD1}">
+                <a14:hiddenFill xmlns:a14="http://schemas.microsoft.com/office/drawing/2010/main">
+                  <a:solidFill>
+                    <a:srgbClr val="FFFFFF"/>
+                  </a:solidFill>
+                </a14:hiddenFill>
+              </a:ext>
+              <a:ext uri="{91240B29-F687-4f45-9708-019B960494DF}">
+                <a14:hiddenLine xmlns:a14="http://schemas.microsoft.com/office/drawing/2010/main" w="9525">
+                  <a:solidFill>
+                    <a:schemeClr val="tx1"/>
+                  </a:solidFill>
+                  <a:miter lim="800000"/>
+                  <a:headEnd/>
+                  <a:tailEnd/>
+                </a14:hiddenLine>
+              </a:ext>
+              <a:ext uri="{AF507438-7753-43e0-B8FC-AC1667EBCBE1}">
+                <a14:hiddenEffects xmlns:a14="http://schemas.microsoft.com/office/drawing/2010/main">
+                  <a:effectLst>
+                    <a:outerShdw dist="35921" dir="2700000" algn="ctr" rotWithShape="0">
+                      <a:srgbClr val="808080"/>
+                    </a:outerShdw>
+                  </a:effectLst>
+                </a14:hiddenEffects>
+              </a:ext>
+            </a:extLst>
+          </p:spPr>
+        </p:pic>
+        <p:pic>
+          <p:nvPicPr>
+            <p:cNvPr id="43" name="Content Placeholder 6"/>
+            <p:cNvPicPr>
+              <a:picLocks noChangeAspect="1"/>
+            </p:cNvPicPr>
+            <p:nvPr/>
+          </p:nvPicPr>
+          <p:blipFill>
+            <a:blip r:embed="rId4" cstate="screen">
+              <a:duotone>
+                <a:prstClr val="black"/>
+                <a:srgbClr val="37FF00">
+                  <a:tint val="45000"/>
+                  <a:satMod val="400000"/>
+                </a:srgbClr>
+              </a:duotone>
+              <a:extLst>
+                <a:ext uri="{28A0092B-C50C-407E-A947-70E740481C1C}">
+                  <a14:useLocalDpi xmlns:a14="http://schemas.microsoft.com/office/drawing/2010/main"/>
+                </a:ext>
+              </a:extLst>
+            </a:blip>
+            <a:srcRect l="-57666" r="-57666"/>
+            <a:stretch>
+              <a:fillRect/>
+            </a:stretch>
+          </p:blipFill>
+          <p:spPr bwMode="auto">
+            <a:xfrm flipH="1">
+              <a:off x="5766259" y="1989697"/>
+              <a:ext cx="1755335" cy="815180"/>
+            </a:xfrm>
+            <a:prstGeom prst="rect">
+              <a:avLst/>
+            </a:prstGeom>
+            <a:noFill/>
+            <a:ln>
+              <a:noFill/>
+            </a:ln>
+            <a:effectLst/>
+            <a:extLst>
+              <a:ext uri="{909E8E84-426E-40dd-AFC4-6F175D3DCCD1}">
+                <a14:hiddenFill xmlns:a14="http://schemas.microsoft.com/office/drawing/2010/main">
+                  <a:solidFill>
+                    <a:srgbClr val="FFFFFF"/>
+                  </a:solidFill>
+                </a14:hiddenFill>
+              </a:ext>
+              <a:ext uri="{91240B29-F687-4f45-9708-019B960494DF}">
+                <a14:hiddenLine xmlns:a14="http://schemas.microsoft.com/office/drawing/2010/main" w="9525">
+                  <a:solidFill>
+                    <a:schemeClr val="tx1"/>
+                  </a:solidFill>
+                  <a:miter lim="800000"/>
+                  <a:headEnd/>
+                  <a:tailEnd/>
+                </a14:hiddenLine>
+              </a:ext>
+              <a:ext uri="{AF507438-7753-43e0-B8FC-AC1667EBCBE1}">
+                <a14:hiddenEffects xmlns:a14="http://schemas.microsoft.com/office/drawing/2010/main">
+                  <a:effectLst>
+                    <a:outerShdw dist="35921" dir="2700000" algn="ctr" rotWithShape="0">
+                      <a:srgbClr val="808080"/>
+                    </a:outerShdw>
+                  </a:effectLst>
+                </a14:hiddenEffects>
+              </a:ext>
+            </a:extLst>
+          </p:spPr>
+        </p:pic>
+        <p:pic>
+          <p:nvPicPr>
+            <p:cNvPr id="44" name="Content Placeholder 6"/>
+            <p:cNvPicPr>
+              <a:picLocks noChangeAspect="1"/>
+            </p:cNvPicPr>
+            <p:nvPr/>
+          </p:nvPicPr>
+          <p:blipFill>
+            <a:blip r:embed="rId4" cstate="screen">
+              <a:duotone>
+                <a:prstClr val="black"/>
+                <a:srgbClr val="37FF00">
+                  <a:tint val="45000"/>
+                  <a:satMod val="400000"/>
+                </a:srgbClr>
+              </a:duotone>
+              <a:extLst>
+                <a:ext uri="{28A0092B-C50C-407E-A947-70E740481C1C}">
+                  <a14:useLocalDpi xmlns:a14="http://schemas.microsoft.com/office/drawing/2010/main"/>
+                </a:ext>
+              </a:extLst>
+            </a:blip>
+            <a:srcRect l="-57666" r="-57666"/>
+            <a:stretch>
+              <a:fillRect/>
+            </a:stretch>
+          </p:blipFill>
+          <p:spPr bwMode="auto">
+            <a:xfrm flipH="1">
+              <a:off x="6009616" y="2446010"/>
+              <a:ext cx="1755335" cy="815180"/>
+            </a:xfrm>
+            <a:prstGeom prst="rect">
+              <a:avLst/>
+            </a:prstGeom>
+            <a:noFill/>
+            <a:ln>
+              <a:noFill/>
+            </a:ln>
+            <a:effectLst/>
+            <a:extLst>
+              <a:ext uri="{909E8E84-426E-40dd-AFC4-6F175D3DCCD1}">
+                <a14:hiddenFill xmlns:a14="http://schemas.microsoft.com/office/drawing/2010/main">
+                  <a:solidFill>
+                    <a:srgbClr val="FFFFFF"/>
+                  </a:solidFill>
+                </a14:hiddenFill>
+              </a:ext>
+              <a:ext uri="{91240B29-F687-4f45-9708-019B960494DF}">
+                <a14:hiddenLine xmlns:a14="http://schemas.microsoft.com/office/drawing/2010/main" w="9525">
+                  <a:solidFill>
+                    <a:schemeClr val="tx1"/>
+                  </a:solidFill>
+                  <a:miter lim="800000"/>
+                  <a:headEnd/>
+                  <a:tailEnd/>
+                </a14:hiddenLine>
+              </a:ext>
+              <a:ext uri="{AF507438-7753-43e0-B8FC-AC1667EBCBE1}">
+                <a14:hiddenEffects xmlns:a14="http://schemas.microsoft.com/office/drawing/2010/main">
+                  <a:effectLst>
+                    <a:outerShdw dist="35921" dir="2700000" algn="ctr" rotWithShape="0">
+                      <a:srgbClr val="808080"/>
+                    </a:outerShdw>
+                  </a:effectLst>
+                </a14:hiddenEffects>
+              </a:ext>
+            </a:extLst>
+          </p:spPr>
+        </p:pic>
+        <p:pic>
+          <p:nvPicPr>
+            <p:cNvPr id="45" name="Content Placeholder 6"/>
+            <p:cNvPicPr>
+              <a:picLocks noChangeAspect="1"/>
+            </p:cNvPicPr>
+            <p:nvPr/>
+          </p:nvPicPr>
+          <p:blipFill>
+            <a:blip r:embed="rId4" cstate="screen">
+              <a:duotone>
+                <a:prstClr val="black"/>
+                <a:srgbClr val="37FF00">
+                  <a:tint val="45000"/>
+                  <a:satMod val="400000"/>
+                </a:srgbClr>
+              </a:duotone>
+              <a:extLst>
+                <a:ext uri="{28A0092B-C50C-407E-A947-70E740481C1C}">
+                  <a14:useLocalDpi xmlns:a14="http://schemas.microsoft.com/office/drawing/2010/main"/>
+                </a:ext>
+              </a:extLst>
+            </a:blip>
+            <a:srcRect l="-57666" r="-57666"/>
+            <a:stretch>
+              <a:fillRect/>
+            </a:stretch>
+          </p:blipFill>
+          <p:spPr bwMode="auto">
+            <a:xfrm flipH="1">
+              <a:off x="6879130" y="2461221"/>
+              <a:ext cx="1755335" cy="815180"/>
+            </a:xfrm>
+            <a:prstGeom prst="rect">
+              <a:avLst/>
+            </a:prstGeom>
+            <a:noFill/>
+            <a:ln>
+              <a:noFill/>
+            </a:ln>
+            <a:effectLst/>
+            <a:extLst>
+              <a:ext uri="{909E8E84-426E-40dd-AFC4-6F175D3DCCD1}">
+                <a14:hiddenFill xmlns:a14="http://schemas.microsoft.com/office/drawing/2010/main">
+                  <a:solidFill>
+                    <a:srgbClr val="FFFFFF"/>
+                  </a:solidFill>
+                </a14:hiddenFill>
+              </a:ext>
+              <a:ext uri="{91240B29-F687-4f45-9708-019B960494DF}">
+                <a14:hiddenLine xmlns:a14="http://schemas.microsoft.com/office/drawing/2010/main" w="9525">
+                  <a:solidFill>
+                    <a:schemeClr val="tx1"/>
+                  </a:solidFill>
+                  <a:miter lim="800000"/>
+                  <a:headEnd/>
+                  <a:tailEnd/>
+                </a14:hiddenLine>
+              </a:ext>
+              <a:ext uri="{AF507438-7753-43e0-B8FC-AC1667EBCBE1}">
+                <a14:hiddenEffects xmlns:a14="http://schemas.microsoft.com/office/drawing/2010/main">
+                  <a:effectLst>
+                    <a:outerShdw dist="35921" dir="2700000" algn="ctr" rotWithShape="0">
+                      <a:srgbClr val="808080"/>
+                    </a:outerShdw>
+                  </a:effectLst>
+                </a14:hiddenEffects>
+              </a:ext>
+            </a:extLst>
+          </p:spPr>
+        </p:pic>
+      </p:grpSp>
     </p:spTree>
     <p:extLst>
       <p:ext uri="{BB962C8B-B14F-4D97-AF65-F5344CB8AC3E}">
@@ -14285,18 +13978,25 @@
   <p:clrMapOvr>
     <a:masterClrMapping/>
   </p:clrMapOvr>
-  <mc:AlternateContent xmlns:mc="http://schemas.openxmlformats.org/markup-compatibility/2006">
-    <mc:Choice xmlns:p14="http://schemas.microsoft.com/office/powerpoint/2010/main" Requires="p14">
+  <mc:AlternateContent xmlns:mc="http://schemas.openxmlformats.org/markup-compatibility/2006" xmlns:p14="http://schemas.microsoft.com/office/powerpoint/2010/main">
+    <mc:Choice Requires="p14">
       <p:transition spd="slow" p14:dur="2000"/>
     </mc:Choice>
-    <mc:Fallback>
+    <mc:Fallback xmlns="">
       <p:transition xmlns:p14="http://schemas.microsoft.com/office/powerpoint/2010/main" spd="slow"/>
     </mc:Fallback>
   </mc:AlternateContent>
+  <p:timing>
+    <p:tnLst>
+      <p:par>
+        <p:cTn xmlns:p14="http://schemas.microsoft.com/office/powerpoint/2010/main" id="1" dur="indefinite" restart="never" nodeType="tmRoot"/>
+      </p:par>
+    </p:tnLst>
+  </p:timing>
 </p:sld>
 </file>
 
-<file path=ppt/slides/slide18.xml><?xml version="1.0" encoding="utf-8"?>
+<file path=ppt/slides/slide19.xml><?xml version="1.0" encoding="utf-8"?>
 <p:sld xmlns:a="http://schemas.openxmlformats.org/drawingml/2006/main" xmlns:r="http://schemas.openxmlformats.org/officeDocument/2006/relationships" xmlns:p="http://schemas.openxmlformats.org/presentationml/2006/main">
   <p:cSld>
     <p:spTree>
@@ -16126,18 +15826,62 @@
   <p:clrMapOvr>
     <a:masterClrMapping/>
   </p:clrMapOvr>
-  <mc:AlternateContent xmlns:mc="http://schemas.openxmlformats.org/markup-compatibility/2006">
-    <mc:Choice xmlns:p14="http://schemas.microsoft.com/office/powerpoint/2010/main" Requires="p14">
+  <mc:AlternateContent xmlns:mc="http://schemas.openxmlformats.org/markup-compatibility/2006" xmlns:p14="http://schemas.microsoft.com/office/powerpoint/2010/main">
+    <mc:Choice Requires="p14">
       <p:transition spd="slow" p14:dur="2000"/>
     </mc:Choice>
-    <mc:Fallback>
+    <mc:Fallback xmlns="">
       <p:transition xmlns:p14="http://schemas.microsoft.com/office/powerpoint/2010/main" spd="slow"/>
     </mc:Fallback>
   </mc:AlternateContent>
+  <p:timing>
+    <p:tnLst>
+      <p:par>
+        <p:cTn xmlns:p14="http://schemas.microsoft.com/office/powerpoint/2010/main" id="1" dur="indefinite" restart="never" nodeType="tmRoot"/>
+      </p:par>
+    </p:tnLst>
+  </p:timing>
 </p:sld>
 </file>
 
-<file path=ppt/slides/slide19.xml><?xml version="1.0" encoding="utf-8"?>
+<file path=ppt/slides/slide2.xml><?xml version="1.0" encoding="utf-8"?>
+<p:sld xmlns:a="http://schemas.openxmlformats.org/drawingml/2006/main" xmlns:r="http://schemas.openxmlformats.org/officeDocument/2006/relationships" xmlns:p="http://schemas.openxmlformats.org/presentationml/2006/main">
+  <p:cSld>
+    <p:spTree>
+      <p:nvGrpSpPr>
+        <p:cNvPr id="1" name=""/>
+        <p:cNvGrpSpPr/>
+        <p:nvPr/>
+      </p:nvGrpSpPr>
+      <p:grpSpPr>
+        <a:xfrm>
+          <a:off x="0" y="0"/>
+          <a:ext cx="0" cy="0"/>
+          <a:chOff x="0" y="0"/>
+          <a:chExt cx="0" cy="0"/>
+        </a:xfrm>
+      </p:grpSpPr>
+    </p:spTree>
+    <p:extLst>
+      <p:ext uri="{BB962C8B-B14F-4D97-AF65-F5344CB8AC3E}">
+        <p14:creationId xmlns:p14="http://schemas.microsoft.com/office/powerpoint/2010/main" val="2147669166"/>
+      </p:ext>
+    </p:extLst>
+  </p:cSld>
+  <p:clrMapOvr>
+    <a:masterClrMapping/>
+  </p:clrMapOvr>
+  <p:timing>
+    <p:tnLst>
+      <p:par>
+        <p:cTn xmlns:p14="http://schemas.microsoft.com/office/powerpoint/2010/main" id="1" dur="indefinite" restart="never" nodeType="tmRoot"/>
+      </p:par>
+    </p:tnLst>
+  </p:timing>
+</p:sld>
+</file>
+
+<file path=ppt/slides/slide20.xml><?xml version="1.0" encoding="utf-8"?>
 <p:sld xmlns:a="http://schemas.openxmlformats.org/drawingml/2006/main" xmlns:r="http://schemas.openxmlformats.org/officeDocument/2006/relationships" xmlns:p="http://schemas.openxmlformats.org/presentationml/2006/main">
   <p:cSld>
     <p:spTree>
@@ -17879,48 +17623,25 @@
   <p:clrMapOvr>
     <a:masterClrMapping/>
   </p:clrMapOvr>
-  <mc:AlternateContent xmlns:mc="http://schemas.openxmlformats.org/markup-compatibility/2006">
-    <mc:Choice xmlns:p14="http://schemas.microsoft.com/office/powerpoint/2010/main" Requires="p14">
+  <mc:AlternateContent xmlns:mc="http://schemas.openxmlformats.org/markup-compatibility/2006" xmlns:p14="http://schemas.microsoft.com/office/powerpoint/2010/main">
+    <mc:Choice Requires="p14">
       <p:transition spd="slow" p14:dur="2000"/>
     </mc:Choice>
-    <mc:Fallback>
+    <mc:Fallback xmlns="">
       <p:transition xmlns:p14="http://schemas.microsoft.com/office/powerpoint/2010/main" spd="slow"/>
     </mc:Fallback>
   </mc:AlternateContent>
+  <p:timing>
+    <p:tnLst>
+      <p:par>
+        <p:cTn xmlns:p14="http://schemas.microsoft.com/office/powerpoint/2010/main" id="1" dur="indefinite" restart="never" nodeType="tmRoot"/>
+      </p:par>
+    </p:tnLst>
+  </p:timing>
 </p:sld>
 </file>
 
-<file path=ppt/slides/slide2.xml><?xml version="1.0" encoding="utf-8"?>
-<p:sld xmlns:a="http://schemas.openxmlformats.org/drawingml/2006/main" xmlns:r="http://schemas.openxmlformats.org/officeDocument/2006/relationships" xmlns:p="http://schemas.openxmlformats.org/presentationml/2006/main">
-  <p:cSld>
-    <p:spTree>
-      <p:nvGrpSpPr>
-        <p:cNvPr id="1" name=""/>
-        <p:cNvGrpSpPr/>
-        <p:nvPr/>
-      </p:nvGrpSpPr>
-      <p:grpSpPr>
-        <a:xfrm>
-          <a:off x="0" y="0"/>
-          <a:ext cx="0" cy="0"/>
-          <a:chOff x="0" y="0"/>
-          <a:chExt cx="0" cy="0"/>
-        </a:xfrm>
-      </p:grpSpPr>
-    </p:spTree>
-    <p:extLst>
-      <p:ext uri="{BB962C8B-B14F-4D97-AF65-F5344CB8AC3E}">
-        <p14:creationId xmlns:p14="http://schemas.microsoft.com/office/powerpoint/2010/main" val="2147669166"/>
-      </p:ext>
-    </p:extLst>
-  </p:cSld>
-  <p:clrMapOvr>
-    <a:masterClrMapping/>
-  </p:clrMapOvr>
-</p:sld>
-</file>
-
-<file path=ppt/slides/slide20.xml><?xml version="1.0" encoding="utf-8"?>
+<file path=ppt/slides/slide21.xml><?xml version="1.0" encoding="utf-8"?>
 <p:sld xmlns:a="http://schemas.openxmlformats.org/drawingml/2006/main" xmlns:r="http://schemas.openxmlformats.org/officeDocument/2006/relationships" xmlns:p="http://schemas.openxmlformats.org/presentationml/2006/main">
   <p:cSld>
     <p:spTree>
@@ -20075,18 +19796,25 @@
   <p:clrMapOvr>
     <a:masterClrMapping/>
   </p:clrMapOvr>
-  <mc:AlternateContent xmlns:mc="http://schemas.openxmlformats.org/markup-compatibility/2006">
-    <mc:Choice xmlns:p14="http://schemas.microsoft.com/office/powerpoint/2010/main" Requires="p14">
+  <mc:AlternateContent xmlns:mc="http://schemas.openxmlformats.org/markup-compatibility/2006" xmlns:p14="http://schemas.microsoft.com/office/powerpoint/2010/main">
+    <mc:Choice Requires="p14">
       <p:transition spd="slow" p14:dur="2000"/>
     </mc:Choice>
-    <mc:Fallback>
+    <mc:Fallback xmlns="">
       <p:transition xmlns:p14="http://schemas.microsoft.com/office/powerpoint/2010/main" spd="slow"/>
     </mc:Fallback>
   </mc:AlternateContent>
+  <p:timing>
+    <p:tnLst>
+      <p:par>
+        <p:cTn xmlns:p14="http://schemas.microsoft.com/office/powerpoint/2010/main" id="1" dur="indefinite" restart="never" nodeType="tmRoot"/>
+      </p:par>
+    </p:tnLst>
+  </p:timing>
 </p:sld>
 </file>
 
-<file path=ppt/slides/slide21.xml><?xml version="1.0" encoding="utf-8"?>
+<file path=ppt/slides/slide22.xml><?xml version="1.0" encoding="utf-8"?>
 <p:sld xmlns:a="http://schemas.openxmlformats.org/drawingml/2006/main" xmlns:r="http://schemas.openxmlformats.org/officeDocument/2006/relationships" xmlns:p="http://schemas.openxmlformats.org/presentationml/2006/main">
   <p:cSld>
     <p:spTree>
@@ -20103,44 +19831,6 @@
           <a:chExt cx="0" cy="0"/>
         </a:xfrm>
       </p:grpSpPr>
-      <p:sp>
-        <p:nvSpPr>
-          <p:cNvPr id="2" name="Title 1"/>
-          <p:cNvSpPr>
-            <a:spLocks noGrp="1"/>
-          </p:cNvSpPr>
-          <p:nvPr>
-            <p:ph type="title"/>
-          </p:nvPr>
-        </p:nvSpPr>
-        <p:spPr/>
-        <p:txBody>
-          <a:bodyPr/>
-          <a:lstStyle/>
-          <a:p>
-            <a:endParaRPr lang="en-US"/>
-          </a:p>
-        </p:txBody>
-      </p:sp>
-      <p:sp>
-        <p:nvSpPr>
-          <p:cNvPr id="3" name="Content Placeholder 2"/>
-          <p:cNvSpPr>
-            <a:spLocks noGrp="1"/>
-          </p:cNvSpPr>
-          <p:nvPr>
-            <p:ph idx="1"/>
-          </p:nvPr>
-        </p:nvSpPr>
-        <p:spPr/>
-        <p:txBody>
-          <a:bodyPr/>
-          <a:lstStyle/>
-          <a:p>
-            <a:endParaRPr lang="en-US"/>
-          </a:p>
-        </p:txBody>
-      </p:sp>
     </p:spTree>
     <p:extLst>
       <p:ext uri="{BB962C8B-B14F-4D97-AF65-F5344CB8AC3E}">
@@ -20151,18 +19841,25 @@
   <p:clrMapOvr>
     <a:masterClrMapping/>
   </p:clrMapOvr>
-  <mc:AlternateContent xmlns:mc="http://schemas.openxmlformats.org/markup-compatibility/2006">
-    <mc:Choice xmlns:p14="http://schemas.microsoft.com/office/powerpoint/2010/main" Requires="p14">
+  <mc:AlternateContent xmlns:mc="http://schemas.openxmlformats.org/markup-compatibility/2006" xmlns:p14="http://schemas.microsoft.com/office/powerpoint/2010/main">
+    <mc:Choice Requires="p14">
       <p:transition spd="slow" p14:dur="2000"/>
     </mc:Choice>
-    <mc:Fallback>
+    <mc:Fallback xmlns="">
       <p:transition xmlns:p14="http://schemas.microsoft.com/office/powerpoint/2010/main" spd="slow"/>
     </mc:Fallback>
   </mc:AlternateContent>
+  <p:timing>
+    <p:tnLst>
+      <p:par>
+        <p:cTn xmlns:p14="http://schemas.microsoft.com/office/powerpoint/2010/main" id="1" dur="indefinite" restart="never" nodeType="tmRoot"/>
+      </p:par>
+    </p:tnLst>
+  </p:timing>
 </p:sld>
 </file>
 
-<file path=ppt/slides/slide22.xml><?xml version="1.0" encoding="utf-8"?>
+<file path=ppt/slides/slide23.xml><?xml version="1.0" encoding="utf-8"?>
 <p:sld xmlns:a="http://schemas.openxmlformats.org/drawingml/2006/main" xmlns:r="http://schemas.openxmlformats.org/officeDocument/2006/relationships" xmlns:p="http://schemas.openxmlformats.org/presentationml/2006/main">
   <p:cSld>
     <p:spTree>
@@ -20212,10 +19909,17 @@
   <p:clrMapOvr>
     <a:masterClrMapping/>
   </p:clrMapOvr>
+  <p:timing>
+    <p:tnLst>
+      <p:par>
+        <p:cTn xmlns:p14="http://schemas.microsoft.com/office/powerpoint/2010/main" id="1" dur="indefinite" restart="never" nodeType="tmRoot"/>
+      </p:par>
+    </p:tnLst>
+  </p:timing>
 </p:sld>
 </file>
 
-<file path=ppt/slides/slide23.xml><?xml version="1.0" encoding="utf-8"?>
+<file path=ppt/slides/slide24.xml><?xml version="1.0" encoding="utf-8"?>
 <p:sld xmlns:a="http://schemas.openxmlformats.org/drawingml/2006/main" xmlns:r="http://schemas.openxmlformats.org/officeDocument/2006/relationships" xmlns:p="http://schemas.openxmlformats.org/presentationml/2006/main">
   <p:cSld>
     <p:spTree>
@@ -21842,18 +21546,25 @@
   <p:clrMapOvr>
     <a:masterClrMapping/>
   </p:clrMapOvr>
-  <mc:AlternateContent xmlns:mc="http://schemas.openxmlformats.org/markup-compatibility/2006">
-    <mc:Choice xmlns:p14="http://schemas.microsoft.com/office/powerpoint/2010/main" Requires="p14">
+  <mc:AlternateContent xmlns:mc="http://schemas.openxmlformats.org/markup-compatibility/2006" xmlns:p14="http://schemas.microsoft.com/office/powerpoint/2010/main">
+    <mc:Choice Requires="p14">
       <p:transition spd="slow" p14:dur="2000"/>
     </mc:Choice>
-    <mc:Fallback>
+    <mc:Fallback xmlns="">
       <p:transition xmlns:p14="http://schemas.microsoft.com/office/powerpoint/2010/main" spd="slow"/>
     </mc:Fallback>
   </mc:AlternateContent>
+  <p:timing>
+    <p:tnLst>
+      <p:par>
+        <p:cTn xmlns:p14="http://schemas.microsoft.com/office/powerpoint/2010/main" id="1" dur="indefinite" restart="never" nodeType="tmRoot"/>
+      </p:par>
+    </p:tnLst>
+  </p:timing>
 </p:sld>
 </file>
 
-<file path=ppt/slides/slide24.xml><?xml version="1.0" encoding="utf-8"?>
+<file path=ppt/slides/slide25.xml><?xml version="1.0" encoding="utf-8"?>
 <p:sld xmlns:a="http://schemas.openxmlformats.org/drawingml/2006/main" xmlns:r="http://schemas.openxmlformats.org/officeDocument/2006/relationships" xmlns:p="http://schemas.openxmlformats.org/presentationml/2006/main">
   <p:cSld>
     <p:spTree>
@@ -23602,18 +23313,25 @@
   <p:clrMapOvr>
     <a:masterClrMapping/>
   </p:clrMapOvr>
-  <mc:AlternateContent xmlns:mc="http://schemas.openxmlformats.org/markup-compatibility/2006">
-    <mc:Choice xmlns:p14="http://schemas.microsoft.com/office/powerpoint/2010/main" Requires="p14">
+  <mc:AlternateContent xmlns:mc="http://schemas.openxmlformats.org/markup-compatibility/2006" xmlns:p14="http://schemas.microsoft.com/office/powerpoint/2010/main">
+    <mc:Choice Requires="p14">
       <p:transition spd="slow" p14:dur="2000"/>
     </mc:Choice>
-    <mc:Fallback>
+    <mc:Fallback xmlns="">
       <p:transition xmlns:p14="http://schemas.microsoft.com/office/powerpoint/2010/main" spd="slow"/>
     </mc:Fallback>
   </mc:AlternateContent>
+  <p:timing>
+    <p:tnLst>
+      <p:par>
+        <p:cTn xmlns:p14="http://schemas.microsoft.com/office/powerpoint/2010/main" id="1" dur="indefinite" restart="never" nodeType="tmRoot"/>
+      </p:par>
+    </p:tnLst>
+  </p:timing>
 </p:sld>
 </file>
 
-<file path=ppt/slides/slide25.xml><?xml version="1.0" encoding="utf-8"?>
+<file path=ppt/slides/slide26.xml><?xml version="1.0" encoding="utf-8"?>
 <p:sld xmlns:a="http://schemas.openxmlformats.org/drawingml/2006/main" xmlns:r="http://schemas.openxmlformats.org/officeDocument/2006/relationships" xmlns:p="http://schemas.openxmlformats.org/presentationml/2006/main">
   <p:cSld>
     <p:spTree>
@@ -25430,18 +25148,25 @@
   <p:clrMapOvr>
     <a:masterClrMapping/>
   </p:clrMapOvr>
-  <mc:AlternateContent xmlns:mc="http://schemas.openxmlformats.org/markup-compatibility/2006">
-    <mc:Choice xmlns:p14="http://schemas.microsoft.com/office/powerpoint/2010/main" Requires="p14">
+  <mc:AlternateContent xmlns:mc="http://schemas.openxmlformats.org/markup-compatibility/2006" xmlns:p14="http://schemas.microsoft.com/office/powerpoint/2010/main">
+    <mc:Choice Requires="p14">
       <p:transition spd="slow" p14:dur="2000"/>
     </mc:Choice>
-    <mc:Fallback>
+    <mc:Fallback xmlns="">
       <p:transition xmlns:p14="http://schemas.microsoft.com/office/powerpoint/2010/main" spd="slow"/>
     </mc:Fallback>
   </mc:AlternateContent>
+  <p:timing>
+    <p:tnLst>
+      <p:par>
+        <p:cTn xmlns:p14="http://schemas.microsoft.com/office/powerpoint/2010/main" id="1" dur="indefinite" restart="never" nodeType="tmRoot"/>
+      </p:par>
+    </p:tnLst>
+  </p:timing>
 </p:sld>
 </file>
 
-<file path=ppt/slides/slide26.xml><?xml version="1.0" encoding="utf-8"?>
+<file path=ppt/slides/slide27.xml><?xml version="1.0" encoding="utf-8"?>
 <p:sld xmlns:a="http://schemas.openxmlformats.org/drawingml/2006/main" xmlns:r="http://schemas.openxmlformats.org/officeDocument/2006/relationships" xmlns:p="http://schemas.openxmlformats.org/presentationml/2006/main">
   <p:cSld>
     <p:spTree>
@@ -27105,18 +26830,25 @@
   <p:clrMapOvr>
     <a:masterClrMapping/>
   </p:clrMapOvr>
-  <mc:AlternateContent xmlns:mc="http://schemas.openxmlformats.org/markup-compatibility/2006">
-    <mc:Choice xmlns:p14="http://schemas.microsoft.com/office/powerpoint/2010/main" Requires="p14">
+  <mc:AlternateContent xmlns:mc="http://schemas.openxmlformats.org/markup-compatibility/2006" xmlns:p14="http://schemas.microsoft.com/office/powerpoint/2010/main">
+    <mc:Choice Requires="p14">
       <p:transition spd="slow" p14:dur="2000"/>
     </mc:Choice>
-    <mc:Fallback>
+    <mc:Fallback xmlns="">
       <p:transition xmlns:p14="http://schemas.microsoft.com/office/powerpoint/2010/main" spd="slow"/>
     </mc:Fallback>
   </mc:AlternateContent>
+  <p:timing>
+    <p:tnLst>
+      <p:par>
+        <p:cTn xmlns:p14="http://schemas.microsoft.com/office/powerpoint/2010/main" id="1" dur="indefinite" restart="never" nodeType="tmRoot"/>
+      </p:par>
+    </p:tnLst>
+  </p:timing>
 </p:sld>
 </file>
 
-<file path=ppt/slides/slide27.xml><?xml version="1.0" encoding="utf-8"?>
+<file path=ppt/slides/slide28.xml><?xml version="1.0" encoding="utf-8"?>
 <p:sld xmlns:a="http://schemas.openxmlformats.org/drawingml/2006/main" xmlns:r="http://schemas.openxmlformats.org/officeDocument/2006/relationships" xmlns:p="http://schemas.openxmlformats.org/presentationml/2006/main">
   <p:cSld>
     <p:spTree>
@@ -27186,10 +26918,17 @@
   <p:clrMapOvr>
     <a:masterClrMapping/>
   </p:clrMapOvr>
+  <p:timing>
+    <p:tnLst>
+      <p:par>
+        <p:cTn xmlns:p14="http://schemas.microsoft.com/office/powerpoint/2010/main" id="1" dur="indefinite" restart="never" nodeType="tmRoot"/>
+      </p:par>
+    </p:tnLst>
+  </p:timing>
 </p:sld>
 </file>
 
-<file path=ppt/slides/slide28.xml><?xml version="1.0" encoding="utf-8"?>
+<file path=ppt/slides/slide29.xml><?xml version="1.0" encoding="utf-8"?>
 <p:sld xmlns:a="http://schemas.openxmlformats.org/drawingml/2006/main" xmlns:r="http://schemas.openxmlformats.org/officeDocument/2006/relationships" xmlns:p="http://schemas.openxmlformats.org/presentationml/2006/main">
   <p:cSld>
     <p:spTree>
@@ -27239,10 +26978,131 @@
   <p:clrMapOvr>
     <a:masterClrMapping/>
   </p:clrMapOvr>
+  <p:timing>
+    <p:tnLst>
+      <p:par>
+        <p:cTn xmlns:p14="http://schemas.microsoft.com/office/powerpoint/2010/main" id="1" dur="indefinite" restart="never" nodeType="tmRoot"/>
+      </p:par>
+    </p:tnLst>
+  </p:timing>
 </p:sld>
 </file>
 
-<file path=ppt/slides/slide29.xml><?xml version="1.0" encoding="utf-8"?>
+<file path=ppt/slides/slide3.xml><?xml version="1.0" encoding="utf-8"?>
+<p:sld xmlns:a="http://schemas.openxmlformats.org/drawingml/2006/main" xmlns:r="http://schemas.openxmlformats.org/officeDocument/2006/relationships" xmlns:p="http://schemas.openxmlformats.org/presentationml/2006/main">
+  <p:cSld>
+    <p:spTree>
+      <p:nvGrpSpPr>
+        <p:cNvPr id="1" name=""/>
+        <p:cNvGrpSpPr/>
+        <p:nvPr/>
+      </p:nvGrpSpPr>
+      <p:grpSpPr>
+        <a:xfrm>
+          <a:off x="0" y="0"/>
+          <a:ext cx="0" cy="0"/>
+          <a:chOff x="0" y="0"/>
+          <a:chExt cx="0" cy="0"/>
+        </a:xfrm>
+      </p:grpSpPr>
+      <p:pic>
+        <p:nvPicPr>
+          <p:cNvPr id="7" name="Content Placeholder 6"/>
+          <p:cNvPicPr>
+            <a:picLocks noGrp="1" noChangeAspect="1"/>
+          </p:cNvPicPr>
+          <p:nvPr>
+            <p:ph idx="1"/>
+          </p:nvPr>
+        </p:nvPicPr>
+        <p:blipFill>
+          <a:blip r:embed="rId3" cstate="screen">
+            <a:extLst>
+              <a:ext uri="{28A0092B-C50C-407E-A947-70E740481C1C}">
+                <a14:useLocalDpi xmlns:a14="http://schemas.microsoft.com/office/drawing/2010/main"/>
+              </a:ext>
+            </a:extLst>
+          </a:blip>
+          <a:srcRect l="-57666" r="-57666"/>
+          <a:stretch>
+            <a:fillRect/>
+          </a:stretch>
+        </p:blipFill>
+        <p:spPr>
+          <a:xfrm>
+            <a:off x="1623220" y="1999574"/>
+            <a:ext cx="5867400" cy="2724826"/>
+          </a:xfrm>
+        </p:spPr>
+      </p:pic>
+      <p:pic>
+        <p:nvPicPr>
+          <p:cNvPr id="8" name="Picture 7"/>
+          <p:cNvPicPr>
+            <a:picLocks noChangeAspect="1"/>
+          </p:cNvPicPr>
+          <p:nvPr/>
+        </p:nvPicPr>
+        <p:blipFill>
+          <a:blip r:embed="rId4" cstate="screen">
+            <a:extLst>
+              <a:ext uri="{BEBA8EAE-BF5A-486C-A8C5-ECC9F3942E4B}">
+                <a14:imgProps xmlns:a14="http://schemas.microsoft.com/office/drawing/2010/main">
+                  <a14:imgLayer r:embed="rId5">
+                    <a14:imgEffect>
+                      <a14:backgroundRemoval t="8929" b="94133" l="0" r="100000"/>
+                    </a14:imgEffect>
+                  </a14:imgLayer>
+                </a14:imgProps>
+              </a:ext>
+              <a:ext uri="{28A0092B-C50C-407E-A947-70E740481C1C}">
+                <a14:useLocalDpi xmlns:a14="http://schemas.microsoft.com/office/drawing/2010/main"/>
+              </a:ext>
+            </a:extLst>
+          </a:blip>
+          <a:stretch>
+            <a:fillRect/>
+          </a:stretch>
+        </p:blipFill>
+        <p:spPr>
+          <a:xfrm>
+            <a:off x="3187692" y="2438401"/>
+            <a:ext cx="2749420" cy="2105025"/>
+          </a:xfrm>
+          <a:prstGeom prst="rect">
+            <a:avLst/>
+          </a:prstGeom>
+        </p:spPr>
+      </p:pic>
+    </p:spTree>
+    <p:extLst>
+      <p:ext uri="{BB962C8B-B14F-4D97-AF65-F5344CB8AC3E}">
+        <p14:creationId xmlns:p14="http://schemas.microsoft.com/office/powerpoint/2010/main" val="3505228333"/>
+      </p:ext>
+    </p:extLst>
+  </p:cSld>
+  <p:clrMapOvr>
+    <a:masterClrMapping/>
+  </p:clrMapOvr>
+  <mc:AlternateContent xmlns:mc="http://schemas.openxmlformats.org/markup-compatibility/2006" xmlns:p14="http://schemas.microsoft.com/office/powerpoint/2010/main">
+    <mc:Choice Requires="p14">
+      <p:transition spd="slow" p14:dur="2000"/>
+    </mc:Choice>
+    <mc:Fallback xmlns="">
+      <p:transition xmlns:p14="http://schemas.microsoft.com/office/powerpoint/2010/main" spd="slow"/>
+    </mc:Fallback>
+  </mc:AlternateContent>
+  <p:timing>
+    <p:tnLst>
+      <p:par>
+        <p:cTn xmlns:p14="http://schemas.microsoft.com/office/powerpoint/2010/main" id="1" dur="indefinite" restart="never" nodeType="tmRoot"/>
+      </p:par>
+    </p:tnLst>
+  </p:timing>
+</p:sld>
+</file>
+
+<file path=ppt/slides/slide30.xml><?xml version="1.0" encoding="utf-8"?>
 <p:sld xmlns:a="http://schemas.openxmlformats.org/drawingml/2006/main" xmlns:r="http://schemas.openxmlformats.org/officeDocument/2006/relationships" xmlns:p="http://schemas.openxmlformats.org/presentationml/2006/main">
   <p:cSld>
     <p:spTree>
@@ -29102,125 +28962,25 @@
   <p:clrMapOvr>
     <a:masterClrMapping/>
   </p:clrMapOvr>
-  <mc:AlternateContent xmlns:mc="http://schemas.openxmlformats.org/markup-compatibility/2006">
-    <mc:Choice xmlns:p14="http://schemas.microsoft.com/office/powerpoint/2010/main" Requires="p14">
+  <mc:AlternateContent xmlns:mc="http://schemas.openxmlformats.org/markup-compatibility/2006" xmlns:p14="http://schemas.microsoft.com/office/powerpoint/2010/main">
+    <mc:Choice Requires="p14">
       <p:transition spd="slow" p14:dur="2000"/>
     </mc:Choice>
-    <mc:Fallback>
+    <mc:Fallback xmlns="">
       <p:transition xmlns:p14="http://schemas.microsoft.com/office/powerpoint/2010/main" spd="slow"/>
     </mc:Fallback>
   </mc:AlternateContent>
+  <p:timing>
+    <p:tnLst>
+      <p:par>
+        <p:cTn xmlns:p14="http://schemas.microsoft.com/office/powerpoint/2010/main" id="1" dur="indefinite" restart="never" nodeType="tmRoot"/>
+      </p:par>
+    </p:tnLst>
+  </p:timing>
 </p:sld>
 </file>
 
-<file path=ppt/slides/slide3.xml><?xml version="1.0" encoding="utf-8"?>
-<p:sld xmlns:a="http://schemas.openxmlformats.org/drawingml/2006/main" xmlns:r="http://schemas.openxmlformats.org/officeDocument/2006/relationships" xmlns:p="http://schemas.openxmlformats.org/presentationml/2006/main">
-  <p:cSld>
-    <p:spTree>
-      <p:nvGrpSpPr>
-        <p:cNvPr id="1" name=""/>
-        <p:cNvGrpSpPr/>
-        <p:nvPr/>
-      </p:nvGrpSpPr>
-      <p:grpSpPr>
-        <a:xfrm>
-          <a:off x="0" y="0"/>
-          <a:ext cx="0" cy="0"/>
-          <a:chOff x="0" y="0"/>
-          <a:chExt cx="0" cy="0"/>
-        </a:xfrm>
-      </p:grpSpPr>
-      <p:pic>
-        <p:nvPicPr>
-          <p:cNvPr id="7" name="Content Placeholder 6"/>
-          <p:cNvPicPr>
-            <a:picLocks noGrp="1" noChangeAspect="1"/>
-          </p:cNvPicPr>
-          <p:nvPr>
-            <p:ph idx="1"/>
-          </p:nvPr>
-        </p:nvPicPr>
-        <p:blipFill>
-          <a:blip r:embed="rId3" cstate="screen">
-            <a:extLst>
-              <a:ext uri="{28A0092B-C50C-407E-A947-70E740481C1C}">
-                <a14:useLocalDpi xmlns:a14="http://schemas.microsoft.com/office/drawing/2010/main"/>
-              </a:ext>
-            </a:extLst>
-          </a:blip>
-          <a:srcRect l="-57666" r="-57666"/>
-          <a:stretch>
-            <a:fillRect/>
-          </a:stretch>
-        </p:blipFill>
-        <p:spPr>
-          <a:xfrm>
-            <a:off x="1623220" y="1999574"/>
-            <a:ext cx="5867400" cy="2724826"/>
-          </a:xfrm>
-        </p:spPr>
-      </p:pic>
-      <p:pic>
-        <p:nvPicPr>
-          <p:cNvPr id="8" name="Picture 7"/>
-          <p:cNvPicPr>
-            <a:picLocks noChangeAspect="1"/>
-          </p:cNvPicPr>
-          <p:nvPr/>
-        </p:nvPicPr>
-        <p:blipFill>
-          <a:blip r:embed="rId4" cstate="screen">
-            <a:extLst>
-              <a:ext uri="{BEBA8EAE-BF5A-486C-A8C5-ECC9F3942E4B}">
-                <a14:imgProps xmlns:a14="http://schemas.microsoft.com/office/drawing/2010/main">
-                  <a14:imgLayer r:embed="rId5">
-                    <a14:imgEffect>
-                      <a14:backgroundRemoval t="8929" b="94133" l="0" r="100000"/>
-                    </a14:imgEffect>
-                  </a14:imgLayer>
-                </a14:imgProps>
-              </a:ext>
-              <a:ext uri="{28A0092B-C50C-407E-A947-70E740481C1C}">
-                <a14:useLocalDpi xmlns:a14="http://schemas.microsoft.com/office/drawing/2010/main"/>
-              </a:ext>
-            </a:extLst>
-          </a:blip>
-          <a:stretch>
-            <a:fillRect/>
-          </a:stretch>
-        </p:blipFill>
-        <p:spPr>
-          <a:xfrm>
-            <a:off x="3187692" y="2438401"/>
-            <a:ext cx="2749420" cy="2105025"/>
-          </a:xfrm>
-          <a:prstGeom prst="rect">
-            <a:avLst/>
-          </a:prstGeom>
-        </p:spPr>
-      </p:pic>
-    </p:spTree>
-    <p:extLst>
-      <p:ext uri="{BB962C8B-B14F-4D97-AF65-F5344CB8AC3E}">
-        <p14:creationId xmlns:p14="http://schemas.microsoft.com/office/powerpoint/2010/main" val="3505228333"/>
-      </p:ext>
-    </p:extLst>
-  </p:cSld>
-  <p:clrMapOvr>
-    <a:masterClrMapping/>
-  </p:clrMapOvr>
-  <mc:AlternateContent xmlns:mc="http://schemas.openxmlformats.org/markup-compatibility/2006">
-    <mc:Choice xmlns:p14="http://schemas.microsoft.com/office/powerpoint/2010/main" Requires="p14">
-      <p:transition spd="slow" p14:dur="2000"/>
-    </mc:Choice>
-    <mc:Fallback>
-      <p:transition xmlns:p14="http://schemas.microsoft.com/office/powerpoint/2010/main" spd="slow"/>
-    </mc:Fallback>
-  </mc:AlternateContent>
-</p:sld>
-</file>
-
-<file path=ppt/slides/slide30.xml><?xml version="1.0" encoding="utf-8"?>
+<file path=ppt/slides/slide31.xml><?xml version="1.0" encoding="utf-8"?>
 <p:sld xmlns:a="http://schemas.openxmlformats.org/drawingml/2006/main" xmlns:r="http://schemas.openxmlformats.org/officeDocument/2006/relationships" xmlns:p="http://schemas.openxmlformats.org/presentationml/2006/main">
   <p:cSld>
     <p:spTree>
@@ -31192,18 +30952,25 @@
   <p:clrMapOvr>
     <a:masterClrMapping/>
   </p:clrMapOvr>
-  <mc:AlternateContent xmlns:mc="http://schemas.openxmlformats.org/markup-compatibility/2006">
-    <mc:Choice xmlns:p14="http://schemas.microsoft.com/office/powerpoint/2010/main" Requires="p14">
+  <mc:AlternateContent xmlns:mc="http://schemas.openxmlformats.org/markup-compatibility/2006" xmlns:p14="http://schemas.microsoft.com/office/powerpoint/2010/main">
+    <mc:Choice Requires="p14">
       <p:transition spd="slow" p14:dur="2000"/>
     </mc:Choice>
-    <mc:Fallback>
+    <mc:Fallback xmlns="">
       <p:transition xmlns:p14="http://schemas.microsoft.com/office/powerpoint/2010/main" spd="slow"/>
     </mc:Fallback>
   </mc:AlternateContent>
+  <p:timing>
+    <p:tnLst>
+      <p:par>
+        <p:cTn xmlns:p14="http://schemas.microsoft.com/office/powerpoint/2010/main" id="1" dur="indefinite" restart="never" nodeType="tmRoot"/>
+      </p:par>
+    </p:tnLst>
+  </p:timing>
 </p:sld>
 </file>
 
-<file path=ppt/slides/slide31.xml><?xml version="1.0" encoding="utf-8"?>
+<file path=ppt/slides/slide32.xml><?xml version="1.0" encoding="utf-8"?>
 <p:sld xmlns:a="http://schemas.openxmlformats.org/drawingml/2006/main" xmlns:r="http://schemas.openxmlformats.org/officeDocument/2006/relationships" xmlns:p="http://schemas.openxmlformats.org/presentationml/2006/main">
   <p:cSld>
     <p:spTree>
@@ -33323,18 +33090,25 @@
   <p:clrMapOvr>
     <a:masterClrMapping/>
   </p:clrMapOvr>
-  <mc:AlternateContent xmlns:mc="http://schemas.openxmlformats.org/markup-compatibility/2006">
-    <mc:Choice xmlns:p14="http://schemas.microsoft.com/office/powerpoint/2010/main" Requires="p14">
+  <mc:AlternateContent xmlns:mc="http://schemas.openxmlformats.org/markup-compatibility/2006" xmlns:p14="http://schemas.microsoft.com/office/powerpoint/2010/main">
+    <mc:Choice Requires="p14">
       <p:transition spd="slow" p14:dur="2000"/>
     </mc:Choice>
-    <mc:Fallback>
+    <mc:Fallback xmlns="">
       <p:transition xmlns:p14="http://schemas.microsoft.com/office/powerpoint/2010/main" spd="slow"/>
     </mc:Fallback>
   </mc:AlternateContent>
+  <p:timing>
+    <p:tnLst>
+      <p:par>
+        <p:cTn xmlns:p14="http://schemas.microsoft.com/office/powerpoint/2010/main" id="1" dur="indefinite" restart="never" nodeType="tmRoot"/>
+      </p:par>
+    </p:tnLst>
+  </p:timing>
 </p:sld>
 </file>
 
-<file path=ppt/slides/slide32.xml><?xml version="1.0" encoding="utf-8"?>
+<file path=ppt/slides/slide33.xml><?xml version="1.0" encoding="utf-8"?>
 <p:sld xmlns:a="http://schemas.openxmlformats.org/drawingml/2006/main" xmlns:r="http://schemas.openxmlformats.org/officeDocument/2006/relationships" xmlns:p="http://schemas.openxmlformats.org/presentationml/2006/main">
   <p:cSld>
     <p:spTree>
@@ -35406,18 +35180,25 @@
   <p:clrMapOvr>
     <a:masterClrMapping/>
   </p:clrMapOvr>
-  <mc:AlternateContent xmlns:mc="http://schemas.openxmlformats.org/markup-compatibility/2006">
-    <mc:Choice xmlns:p14="http://schemas.microsoft.com/office/powerpoint/2010/main" Requires="p14">
+  <mc:AlternateContent xmlns:mc="http://schemas.openxmlformats.org/markup-compatibility/2006" xmlns:p14="http://schemas.microsoft.com/office/powerpoint/2010/main">
+    <mc:Choice Requires="p14">
       <p:transition spd="slow" p14:dur="2000"/>
     </mc:Choice>
-    <mc:Fallback>
+    <mc:Fallback xmlns="">
       <p:transition xmlns:p14="http://schemas.microsoft.com/office/powerpoint/2010/main" spd="slow"/>
     </mc:Fallback>
   </mc:AlternateContent>
+  <p:timing>
+    <p:tnLst>
+      <p:par>
+        <p:cTn xmlns:p14="http://schemas.microsoft.com/office/powerpoint/2010/main" id="1" dur="indefinite" restart="never" nodeType="tmRoot"/>
+      </p:par>
+    </p:tnLst>
+  </p:timing>
 </p:sld>
 </file>
 
-<file path=ppt/slides/slide33.xml><?xml version="1.0" encoding="utf-8"?>
+<file path=ppt/slides/slide34.xml><?xml version="1.0" encoding="utf-8"?>
 <p:sld xmlns:a="http://schemas.openxmlformats.org/drawingml/2006/main" xmlns:r="http://schemas.openxmlformats.org/officeDocument/2006/relationships" xmlns:p="http://schemas.openxmlformats.org/presentationml/2006/main">
   <p:cSld>
     <p:spTree>
@@ -37339,18 +37120,25 @@
   <p:clrMapOvr>
     <a:masterClrMapping/>
   </p:clrMapOvr>
-  <mc:AlternateContent xmlns:mc="http://schemas.openxmlformats.org/markup-compatibility/2006">
-    <mc:Choice xmlns:p14="http://schemas.microsoft.com/office/powerpoint/2010/main" Requires="p14">
+  <mc:AlternateContent xmlns:mc="http://schemas.openxmlformats.org/markup-compatibility/2006" xmlns:p14="http://schemas.microsoft.com/office/powerpoint/2010/main">
+    <mc:Choice Requires="p14">
       <p:transition spd="slow" p14:dur="2000"/>
     </mc:Choice>
-    <mc:Fallback>
+    <mc:Fallback xmlns="">
       <p:transition xmlns:p14="http://schemas.microsoft.com/office/powerpoint/2010/main" spd="slow"/>
     </mc:Fallback>
   </mc:AlternateContent>
+  <p:timing>
+    <p:tnLst>
+      <p:par>
+        <p:cTn xmlns:p14="http://schemas.microsoft.com/office/powerpoint/2010/main" id="1" dur="indefinite" restart="never" nodeType="tmRoot"/>
+      </p:par>
+    </p:tnLst>
+  </p:timing>
 </p:sld>
 </file>
 
-<file path=ppt/slides/slide34.xml><?xml version="1.0" encoding="utf-8"?>
+<file path=ppt/slides/slide35.xml><?xml version="1.0" encoding="utf-8"?>
 <p:sld xmlns:a="http://schemas.openxmlformats.org/drawingml/2006/main" xmlns:r="http://schemas.openxmlformats.org/officeDocument/2006/relationships" xmlns:p="http://schemas.openxmlformats.org/presentationml/2006/main">
   <p:cSld>
     <p:spTree>
@@ -39286,18 +39074,25 @@
   <p:clrMapOvr>
     <a:masterClrMapping/>
   </p:clrMapOvr>
-  <mc:AlternateContent xmlns:mc="http://schemas.openxmlformats.org/markup-compatibility/2006">
-    <mc:Choice xmlns:p14="http://schemas.microsoft.com/office/powerpoint/2010/main" Requires="p14">
+  <mc:AlternateContent xmlns:mc="http://schemas.openxmlformats.org/markup-compatibility/2006" xmlns:p14="http://schemas.microsoft.com/office/powerpoint/2010/main">
+    <mc:Choice Requires="p14">
       <p:transition spd="slow" p14:dur="2000"/>
     </mc:Choice>
-    <mc:Fallback>
+    <mc:Fallback xmlns="">
       <p:transition xmlns:p14="http://schemas.microsoft.com/office/powerpoint/2010/main" spd="slow"/>
     </mc:Fallback>
   </mc:AlternateContent>
+  <p:timing>
+    <p:tnLst>
+      <p:par>
+        <p:cTn xmlns:p14="http://schemas.microsoft.com/office/powerpoint/2010/main" id="1" dur="indefinite" restart="never" nodeType="tmRoot"/>
+      </p:par>
+    </p:tnLst>
+  </p:timing>
 </p:sld>
 </file>
 
-<file path=ppt/slides/slide35.xml><?xml version="1.0" encoding="utf-8"?>
+<file path=ppt/slides/slide36.xml><?xml version="1.0" encoding="utf-8"?>
 <p:sld xmlns:a="http://schemas.openxmlformats.org/drawingml/2006/main" xmlns:r="http://schemas.openxmlformats.org/officeDocument/2006/relationships" xmlns:p="http://schemas.openxmlformats.org/presentationml/2006/main">
   <p:cSld>
     <p:spTree>
@@ -39367,10 +39162,17 @@
   <p:clrMapOvr>
     <a:masterClrMapping/>
   </p:clrMapOvr>
+  <p:timing>
+    <p:tnLst>
+      <p:par>
+        <p:cTn xmlns:p14="http://schemas.microsoft.com/office/powerpoint/2010/main" id="1" dur="indefinite" restart="never" nodeType="tmRoot"/>
+      </p:par>
+    </p:tnLst>
+  </p:timing>
 </p:sld>
 </file>
 
-<file path=ppt/slides/slide36.xml><?xml version="1.0" encoding="utf-8"?>
+<file path=ppt/slides/slide37.xml><?xml version="1.0" encoding="utf-8"?>
 <p:sld xmlns:a="http://schemas.openxmlformats.org/drawingml/2006/main" xmlns:r="http://schemas.openxmlformats.org/officeDocument/2006/relationships" xmlns:p="http://schemas.openxmlformats.org/presentationml/2006/main">
   <p:cSld>
     <p:spTree>
@@ -39397,10 +39199,17 @@
   <p:clrMapOvr>
     <a:masterClrMapping/>
   </p:clrMapOvr>
+  <p:timing>
+    <p:tnLst>
+      <p:par>
+        <p:cTn xmlns:p14="http://schemas.microsoft.com/office/powerpoint/2010/main" id="1" dur="indefinite" restart="never" nodeType="tmRoot"/>
+      </p:par>
+    </p:tnLst>
+  </p:timing>
 </p:sld>
 </file>
 
-<file path=ppt/slides/slide37.xml><?xml version="1.0" encoding="utf-8"?>
+<file path=ppt/slides/slide38.xml><?xml version="1.0" encoding="utf-8"?>
 <p:sld xmlns:a="http://schemas.openxmlformats.org/drawingml/2006/main" xmlns:r="http://schemas.openxmlformats.org/officeDocument/2006/relationships" xmlns:p="http://schemas.openxmlformats.org/presentationml/2006/main">
   <p:cSld>
     <p:spTree>
@@ -39488,102 +39297,13 @@
   <p:clrMapOvr>
     <a:masterClrMapping/>
   </p:clrMapOvr>
-</p:sld>
-</file>
-
-<file path=ppt/slides/slide38.xml><?xml version="1.0" encoding="utf-8"?>
-<p:sld xmlns:a="http://schemas.openxmlformats.org/drawingml/2006/main" xmlns:r="http://schemas.openxmlformats.org/officeDocument/2006/relationships" xmlns:p="http://schemas.openxmlformats.org/presentationml/2006/main">
-  <p:cSld>
-    <p:spTree>
-      <p:nvGrpSpPr>
-        <p:cNvPr id="1" name=""/>
-        <p:cNvGrpSpPr/>
-        <p:nvPr/>
-      </p:nvGrpSpPr>
-      <p:grpSpPr>
-        <a:xfrm>
-          <a:off x="0" y="0"/>
-          <a:ext cx="0" cy="0"/>
-          <a:chOff x="0" y="0"/>
-          <a:chExt cx="0" cy="0"/>
-        </a:xfrm>
-      </p:grpSpPr>
-      <p:sp>
-        <p:nvSpPr>
-          <p:cNvPr id="2" name="Title 1"/>
-          <p:cNvSpPr>
-            <a:spLocks noGrp="1"/>
-          </p:cNvSpPr>
-          <p:nvPr>
-            <p:ph type="title"/>
-          </p:nvPr>
-        </p:nvSpPr>
-        <p:spPr>
-          <a:xfrm>
-            <a:off x="539096" y="1850630"/>
-            <a:ext cx="8229600" cy="583170"/>
-          </a:xfrm>
-        </p:spPr>
-        <p:txBody>
-          <a:bodyPr/>
-          <a:lstStyle/>
-          <a:p>
-            <a:r>
-              <a:rPr lang="en-US" dirty="0" smtClean="0"/>
-              <a:t>The Ring</a:t>
-            </a:r>
-            <a:endParaRPr lang="en-US" dirty="0"/>
-          </a:p>
-        </p:txBody>
-      </p:sp>
-      <p:sp>
-        <p:nvSpPr>
-          <p:cNvPr id="3" name="TextBox 2"/>
-          <p:cNvSpPr txBox="1"/>
-          <p:nvPr/>
-        </p:nvSpPr>
-        <p:spPr>
-          <a:xfrm>
-            <a:off x="1498600" y="3670756"/>
-            <a:ext cx="6329777" cy="430887"/>
-          </a:xfrm>
-          <a:prstGeom prst="rect">
-            <a:avLst/>
-          </a:prstGeom>
-          <a:noFill/>
-        </p:spPr>
-        <p:txBody>
-          <a:bodyPr wrap="none" rtlCol="0">
-            <a:spAutoFit/>
-          </a:bodyPr>
-          <a:lstStyle/>
-          <a:p>
-            <a:r>
-              <a:rPr lang="en-US" sz="2200" b="1" dirty="0" smtClean="0">
-                <a:solidFill>
-                  <a:schemeClr val="accent3"/>
-                </a:solidFill>
-              </a:rPr>
-              <a:t>(data partitions, evenly divided among nodes)</a:t>
-            </a:r>
-            <a:endParaRPr lang="en-US" sz="2200" b="1" dirty="0">
-              <a:solidFill>
-                <a:schemeClr val="accent3"/>
-              </a:solidFill>
-            </a:endParaRPr>
-          </a:p>
-        </p:txBody>
-      </p:sp>
-    </p:spTree>
-    <p:extLst>
-      <p:ext uri="{BB962C8B-B14F-4D97-AF65-F5344CB8AC3E}">
-        <p14:creationId xmlns:p14="http://schemas.microsoft.com/office/powerpoint/2010/main" val="1910506691"/>
-      </p:ext>
-    </p:extLst>
-  </p:cSld>
-  <p:clrMapOvr>
-    <a:masterClrMapping/>
-  </p:clrMapOvr>
+  <p:timing>
+    <p:tnLst>
+      <p:par>
+        <p:cTn xmlns:p14="http://schemas.microsoft.com/office/powerpoint/2010/main" id="1" dur="indefinite" restart="never" nodeType="tmRoot"/>
+      </p:par>
+    </p:tnLst>
+  </p:timing>
 </p:sld>
 </file>
 
@@ -39616,6 +39336,283 @@
         </p:nvSpPr>
         <p:spPr>
           <a:xfrm>
+            <a:off x="539096" y="1850630"/>
+            <a:ext cx="8229600" cy="583170"/>
+          </a:xfrm>
+        </p:spPr>
+        <p:txBody>
+          <a:bodyPr/>
+          <a:lstStyle/>
+          <a:p>
+            <a:r>
+              <a:rPr lang="en-US" dirty="0" smtClean="0"/>
+              <a:t>The Ring</a:t>
+            </a:r>
+            <a:endParaRPr lang="en-US" dirty="0"/>
+          </a:p>
+        </p:txBody>
+      </p:sp>
+      <p:sp>
+        <p:nvSpPr>
+          <p:cNvPr id="3" name="TextBox 2"/>
+          <p:cNvSpPr txBox="1"/>
+          <p:nvPr/>
+        </p:nvSpPr>
+        <p:spPr>
+          <a:xfrm>
+            <a:off x="1498600" y="3670756"/>
+            <a:ext cx="6329777" cy="430887"/>
+          </a:xfrm>
+          <a:prstGeom prst="rect">
+            <a:avLst/>
+          </a:prstGeom>
+          <a:noFill/>
+        </p:spPr>
+        <p:txBody>
+          <a:bodyPr wrap="none" rtlCol="0">
+            <a:spAutoFit/>
+          </a:bodyPr>
+          <a:lstStyle/>
+          <a:p>
+            <a:r>
+              <a:rPr lang="en-US" sz="2200" b="1" dirty="0" smtClean="0">
+                <a:solidFill>
+                  <a:schemeClr val="accent3"/>
+                </a:solidFill>
+              </a:rPr>
+              <a:t>(data partitions, evenly divided among nodes)</a:t>
+            </a:r>
+            <a:endParaRPr lang="en-US" sz="2200" b="1" dirty="0">
+              <a:solidFill>
+                <a:schemeClr val="accent3"/>
+              </a:solidFill>
+            </a:endParaRPr>
+          </a:p>
+        </p:txBody>
+      </p:sp>
+    </p:spTree>
+    <p:extLst>
+      <p:ext uri="{BB962C8B-B14F-4D97-AF65-F5344CB8AC3E}">
+        <p14:creationId xmlns:p14="http://schemas.microsoft.com/office/powerpoint/2010/main" val="1910506691"/>
+      </p:ext>
+    </p:extLst>
+  </p:cSld>
+  <p:clrMapOvr>
+    <a:masterClrMapping/>
+  </p:clrMapOvr>
+  <p:timing>
+    <p:tnLst>
+      <p:par>
+        <p:cTn xmlns:p14="http://schemas.microsoft.com/office/powerpoint/2010/main" id="1" dur="indefinite" restart="never" nodeType="tmRoot"/>
+      </p:par>
+    </p:tnLst>
+  </p:timing>
+</p:sld>
+</file>
+
+<file path=ppt/slides/slide4.xml><?xml version="1.0" encoding="utf-8"?>
+<p:sld xmlns:a="http://schemas.openxmlformats.org/drawingml/2006/main" xmlns:r="http://schemas.openxmlformats.org/officeDocument/2006/relationships" xmlns:p="http://schemas.openxmlformats.org/presentationml/2006/main">
+  <p:cSld>
+    <p:spTree>
+      <p:nvGrpSpPr>
+        <p:cNvPr id="1" name=""/>
+        <p:cNvGrpSpPr/>
+        <p:nvPr/>
+      </p:nvGrpSpPr>
+      <p:grpSpPr>
+        <a:xfrm>
+          <a:off x="0" y="0"/>
+          <a:ext cx="0" cy="0"/>
+          <a:chOff x="0" y="0"/>
+          <a:chExt cx="0" cy="0"/>
+        </a:xfrm>
+      </p:grpSpPr>
+      <p:pic>
+        <p:nvPicPr>
+          <p:cNvPr id="7" name="Content Placeholder 6"/>
+          <p:cNvPicPr>
+            <a:picLocks noGrp="1" noChangeAspect="1"/>
+          </p:cNvPicPr>
+          <p:nvPr>
+            <p:ph idx="1"/>
+          </p:nvPr>
+        </p:nvPicPr>
+        <p:blipFill>
+          <a:blip r:embed="rId3" cstate="screen">
+            <a:extLst>
+              <a:ext uri="{28A0092B-C50C-407E-A947-70E740481C1C}">
+                <a14:useLocalDpi xmlns:a14="http://schemas.microsoft.com/office/drawing/2010/main"/>
+              </a:ext>
+            </a:extLst>
+          </a:blip>
+          <a:srcRect l="-57666" r="-57666"/>
+          <a:stretch>
+            <a:fillRect/>
+          </a:stretch>
+        </p:blipFill>
+        <p:spPr>
+          <a:xfrm>
+            <a:off x="1623220" y="1999574"/>
+            <a:ext cx="5867400" cy="2724826"/>
+          </a:xfrm>
+        </p:spPr>
+      </p:pic>
+      <p:pic>
+        <p:nvPicPr>
+          <p:cNvPr id="3" name="Picture 2" descr="kimono.png"/>
+          <p:cNvPicPr>
+            <a:picLocks noChangeAspect="1"/>
+          </p:cNvPicPr>
+          <p:nvPr/>
+        </p:nvPicPr>
+        <p:blipFill>
+          <a:blip r:embed="rId4" cstate="screen">
+            <a:extLst>
+              <a:ext uri="{28A0092B-C50C-407E-A947-70E740481C1C}">
+                <a14:useLocalDpi xmlns:a14="http://schemas.microsoft.com/office/drawing/2010/main"/>
+              </a:ext>
+            </a:extLst>
+          </a:blip>
+          <a:stretch>
+            <a:fillRect/>
+          </a:stretch>
+        </p:blipFill>
+        <p:spPr>
+          <a:xfrm>
+            <a:off x="3487580" y="1595120"/>
+            <a:ext cx="1193800" cy="2387600"/>
+          </a:xfrm>
+          <a:prstGeom prst="rect">
+            <a:avLst/>
+          </a:prstGeom>
+        </p:spPr>
+      </p:pic>
+      <p:pic>
+        <p:nvPicPr>
+          <p:cNvPr id="4" name="Picture 3" descr="santa.png"/>
+          <p:cNvPicPr>
+            <a:picLocks noChangeAspect="1"/>
+          </p:cNvPicPr>
+          <p:nvPr/>
+        </p:nvPicPr>
+        <p:blipFill>
+          <a:blip r:embed="rId5" cstate="screen">
+            <a:extLst>
+              <a:ext uri="{28A0092B-C50C-407E-A947-70E740481C1C}">
+                <a14:useLocalDpi xmlns:a14="http://schemas.microsoft.com/office/drawing/2010/main"/>
+              </a:ext>
+            </a:extLst>
+          </a:blip>
+          <a:stretch>
+            <a:fillRect/>
+          </a:stretch>
+        </p:blipFill>
+        <p:spPr>
+          <a:xfrm>
+            <a:off x="4100759" y="1452880"/>
+            <a:ext cx="1509219" cy="2611120"/>
+          </a:xfrm>
+          <a:prstGeom prst="rect">
+            <a:avLst/>
+          </a:prstGeom>
+        </p:spPr>
+      </p:pic>
+      <p:pic>
+        <p:nvPicPr>
+          <p:cNvPr id="8" name="Picture 7"/>
+          <p:cNvPicPr>
+            <a:picLocks noChangeAspect="1"/>
+          </p:cNvPicPr>
+          <p:nvPr/>
+        </p:nvPicPr>
+        <p:blipFill>
+          <a:blip r:embed="rId6" cstate="screen">
+            <a:extLst>
+              <a:ext uri="{BEBA8EAE-BF5A-486C-A8C5-ECC9F3942E4B}">
+                <a14:imgProps xmlns:a14="http://schemas.microsoft.com/office/drawing/2010/main">
+                  <a14:imgLayer r:embed="rId7">
+                    <a14:imgEffect>
+                      <a14:backgroundRemoval t="8929" b="94133" l="0" r="100000"/>
+                    </a14:imgEffect>
+                  </a14:imgLayer>
+                </a14:imgProps>
+              </a:ext>
+              <a:ext uri="{28A0092B-C50C-407E-A947-70E740481C1C}">
+                <a14:useLocalDpi xmlns:a14="http://schemas.microsoft.com/office/drawing/2010/main"/>
+              </a:ext>
+            </a:extLst>
+          </a:blip>
+          <a:stretch>
+            <a:fillRect/>
+          </a:stretch>
+        </p:blipFill>
+        <p:spPr>
+          <a:xfrm>
+            <a:off x="3187692" y="2438401"/>
+            <a:ext cx="2749420" cy="2105025"/>
+          </a:xfrm>
+          <a:prstGeom prst="rect">
+            <a:avLst/>
+          </a:prstGeom>
+        </p:spPr>
+      </p:pic>
+    </p:spTree>
+    <p:extLst>
+      <p:ext uri="{BB962C8B-B14F-4D97-AF65-F5344CB8AC3E}">
+        <p14:creationId xmlns:p14="http://schemas.microsoft.com/office/powerpoint/2010/main" val="2661552700"/>
+      </p:ext>
+    </p:extLst>
+  </p:cSld>
+  <p:clrMapOvr>
+    <a:masterClrMapping/>
+  </p:clrMapOvr>
+  <mc:AlternateContent xmlns:mc="http://schemas.openxmlformats.org/markup-compatibility/2006" xmlns:p14="http://schemas.microsoft.com/office/powerpoint/2010/main">
+    <mc:Choice Requires="p14">
+      <p:transition spd="slow" p14:dur="2000"/>
+    </mc:Choice>
+    <mc:Fallback xmlns="">
+      <p:transition xmlns:p14="http://schemas.microsoft.com/office/powerpoint/2010/main" spd="slow"/>
+    </mc:Fallback>
+  </mc:AlternateContent>
+  <p:timing>
+    <p:tnLst>
+      <p:par>
+        <p:cTn xmlns:p14="http://schemas.microsoft.com/office/powerpoint/2010/main" id="1" dur="indefinite" restart="never" nodeType="tmRoot"/>
+      </p:par>
+    </p:tnLst>
+  </p:timing>
+</p:sld>
+</file>
+
+<file path=ppt/slides/slide40.xml><?xml version="1.0" encoding="utf-8"?>
+<p:sld xmlns:a="http://schemas.openxmlformats.org/drawingml/2006/main" xmlns:r="http://schemas.openxmlformats.org/officeDocument/2006/relationships" xmlns:p="http://schemas.openxmlformats.org/presentationml/2006/main">
+  <p:cSld>
+    <p:spTree>
+      <p:nvGrpSpPr>
+        <p:cNvPr id="1" name=""/>
+        <p:cNvGrpSpPr/>
+        <p:nvPr/>
+      </p:nvGrpSpPr>
+      <p:grpSpPr>
+        <a:xfrm>
+          <a:off x="0" y="0"/>
+          <a:ext cx="0" cy="0"/>
+          <a:chOff x="0" y="0"/>
+          <a:chExt cx="0" cy="0"/>
+        </a:xfrm>
+      </p:grpSpPr>
+      <p:sp>
+        <p:nvSpPr>
+          <p:cNvPr id="2" name="Title 1"/>
+          <p:cNvSpPr>
+            <a:spLocks noGrp="1"/>
+          </p:cNvSpPr>
+          <p:nvPr>
+            <p:ph type="title"/>
+          </p:nvPr>
+        </p:nvSpPr>
+        <p:spPr>
+          <a:xfrm>
             <a:off x="1587500" y="1651000"/>
             <a:ext cx="9004300" cy="2146300"/>
           </a:xfrm>
@@ -39695,177 +39692,17 @@
   <p:clrMapOvr>
     <a:masterClrMapping/>
   </p:clrMapOvr>
+  <p:timing>
+    <p:tnLst>
+      <p:par>
+        <p:cTn xmlns:p14="http://schemas.microsoft.com/office/powerpoint/2010/main" id="1" dur="indefinite" restart="never" nodeType="tmRoot"/>
+      </p:par>
+    </p:tnLst>
+  </p:timing>
 </p:sld>
 </file>
 
-<file path=ppt/slides/slide4.xml><?xml version="1.0" encoding="utf-8"?>
-<p:sld xmlns:a="http://schemas.openxmlformats.org/drawingml/2006/main" xmlns:r="http://schemas.openxmlformats.org/officeDocument/2006/relationships" xmlns:p="http://schemas.openxmlformats.org/presentationml/2006/main">
-  <p:cSld>
-    <p:spTree>
-      <p:nvGrpSpPr>
-        <p:cNvPr id="1" name=""/>
-        <p:cNvGrpSpPr/>
-        <p:nvPr/>
-      </p:nvGrpSpPr>
-      <p:grpSpPr>
-        <a:xfrm>
-          <a:off x="0" y="0"/>
-          <a:ext cx="0" cy="0"/>
-          <a:chOff x="0" y="0"/>
-          <a:chExt cx="0" cy="0"/>
-        </a:xfrm>
-      </p:grpSpPr>
-      <p:pic>
-        <p:nvPicPr>
-          <p:cNvPr id="7" name="Content Placeholder 6"/>
-          <p:cNvPicPr>
-            <a:picLocks noGrp="1" noChangeAspect="1"/>
-          </p:cNvPicPr>
-          <p:nvPr>
-            <p:ph idx="1"/>
-          </p:nvPr>
-        </p:nvPicPr>
-        <p:blipFill>
-          <a:blip r:embed="rId3" cstate="screen">
-            <a:extLst>
-              <a:ext uri="{28A0092B-C50C-407E-A947-70E740481C1C}">
-                <a14:useLocalDpi xmlns:a14="http://schemas.microsoft.com/office/drawing/2010/main"/>
-              </a:ext>
-            </a:extLst>
-          </a:blip>
-          <a:srcRect l="-57666" r="-57666"/>
-          <a:stretch>
-            <a:fillRect/>
-          </a:stretch>
-        </p:blipFill>
-        <p:spPr>
-          <a:xfrm>
-            <a:off x="1623220" y="1999574"/>
-            <a:ext cx="5867400" cy="2724826"/>
-          </a:xfrm>
-        </p:spPr>
-      </p:pic>
-      <p:pic>
-        <p:nvPicPr>
-          <p:cNvPr id="3" name="Picture 2" descr="kimono.png"/>
-          <p:cNvPicPr>
-            <a:picLocks noChangeAspect="1"/>
-          </p:cNvPicPr>
-          <p:nvPr/>
-        </p:nvPicPr>
-        <p:blipFill>
-          <a:blip r:embed="rId4" cstate="screen">
-            <a:extLst>
-              <a:ext uri="{28A0092B-C50C-407E-A947-70E740481C1C}">
-                <a14:useLocalDpi xmlns:a14="http://schemas.microsoft.com/office/drawing/2010/main"/>
-              </a:ext>
-            </a:extLst>
-          </a:blip>
-          <a:stretch>
-            <a:fillRect/>
-          </a:stretch>
-        </p:blipFill>
-        <p:spPr>
-          <a:xfrm>
-            <a:off x="3487580" y="1595120"/>
-            <a:ext cx="1193800" cy="2387600"/>
-          </a:xfrm>
-          <a:prstGeom prst="rect">
-            <a:avLst/>
-          </a:prstGeom>
-        </p:spPr>
-      </p:pic>
-      <p:pic>
-        <p:nvPicPr>
-          <p:cNvPr id="4" name="Picture 3" descr="santa.png"/>
-          <p:cNvPicPr>
-            <a:picLocks noChangeAspect="1"/>
-          </p:cNvPicPr>
-          <p:nvPr/>
-        </p:nvPicPr>
-        <p:blipFill>
-          <a:blip r:embed="rId5" cstate="screen">
-            <a:extLst>
-              <a:ext uri="{28A0092B-C50C-407E-A947-70E740481C1C}">
-                <a14:useLocalDpi xmlns:a14="http://schemas.microsoft.com/office/drawing/2010/main"/>
-              </a:ext>
-            </a:extLst>
-          </a:blip>
-          <a:stretch>
-            <a:fillRect/>
-          </a:stretch>
-        </p:blipFill>
-        <p:spPr>
-          <a:xfrm>
-            <a:off x="4100759" y="1452880"/>
-            <a:ext cx="1509219" cy="2611120"/>
-          </a:xfrm>
-          <a:prstGeom prst="rect">
-            <a:avLst/>
-          </a:prstGeom>
-        </p:spPr>
-      </p:pic>
-      <p:pic>
-        <p:nvPicPr>
-          <p:cNvPr id="8" name="Picture 7"/>
-          <p:cNvPicPr>
-            <a:picLocks noChangeAspect="1"/>
-          </p:cNvPicPr>
-          <p:nvPr/>
-        </p:nvPicPr>
-        <p:blipFill>
-          <a:blip r:embed="rId6" cstate="screen">
-            <a:extLst>
-              <a:ext uri="{BEBA8EAE-BF5A-486C-A8C5-ECC9F3942E4B}">
-                <a14:imgProps xmlns:a14="http://schemas.microsoft.com/office/drawing/2010/main">
-                  <a14:imgLayer r:embed="rId7">
-                    <a14:imgEffect>
-                      <a14:backgroundRemoval t="8929" b="94133" l="0" r="100000"/>
-                    </a14:imgEffect>
-                  </a14:imgLayer>
-                </a14:imgProps>
-              </a:ext>
-              <a:ext uri="{28A0092B-C50C-407E-A947-70E740481C1C}">
-                <a14:useLocalDpi xmlns:a14="http://schemas.microsoft.com/office/drawing/2010/main"/>
-              </a:ext>
-            </a:extLst>
-          </a:blip>
-          <a:stretch>
-            <a:fillRect/>
-          </a:stretch>
-        </p:blipFill>
-        <p:spPr>
-          <a:xfrm>
-            <a:off x="3187692" y="2438401"/>
-            <a:ext cx="2749420" cy="2105025"/>
-          </a:xfrm>
-          <a:prstGeom prst="rect">
-            <a:avLst/>
-          </a:prstGeom>
-        </p:spPr>
-      </p:pic>
-    </p:spTree>
-    <p:extLst>
-      <p:ext uri="{BB962C8B-B14F-4D97-AF65-F5344CB8AC3E}">
-        <p14:creationId xmlns:p14="http://schemas.microsoft.com/office/powerpoint/2010/main" val="2661552700"/>
-      </p:ext>
-    </p:extLst>
-  </p:cSld>
-  <p:clrMapOvr>
-    <a:masterClrMapping/>
-  </p:clrMapOvr>
-  <mc:AlternateContent xmlns:mc="http://schemas.openxmlformats.org/markup-compatibility/2006">
-    <mc:Choice xmlns:p14="http://schemas.microsoft.com/office/powerpoint/2010/main" Requires="p14">
-      <p:transition spd="slow" p14:dur="2000"/>
-    </mc:Choice>
-    <mc:Fallback>
-      <p:transition xmlns:p14="http://schemas.microsoft.com/office/powerpoint/2010/main" spd="slow"/>
-    </mc:Fallback>
-  </mc:AlternateContent>
-</p:sld>
-</file>
-
-<file path=ppt/slides/slide40.xml><?xml version="1.0" encoding="utf-8"?>
+<file path=ppt/slides/slide41.xml><?xml version="1.0" encoding="utf-8"?>
 <p:sld xmlns:a="http://schemas.openxmlformats.org/drawingml/2006/main" xmlns:r="http://schemas.openxmlformats.org/officeDocument/2006/relationships" xmlns:p="http://schemas.openxmlformats.org/presentationml/2006/main">
   <p:cSld>
     <p:spTree>
@@ -40253,14 +40090,21 @@
   <p:clrMapOvr>
     <a:masterClrMapping/>
   </p:clrMapOvr>
-  <mc:AlternateContent xmlns:mc="http://schemas.openxmlformats.org/markup-compatibility/2006">
-    <mc:Choice xmlns:p14="http://schemas.microsoft.com/office/powerpoint/2010/main" Requires="p14">
+  <mc:AlternateContent xmlns:mc="http://schemas.openxmlformats.org/markup-compatibility/2006" xmlns:p14="http://schemas.microsoft.com/office/powerpoint/2010/main">
+    <mc:Choice Requires="p14">
       <p:transition spd="slow" p14:dur="2000"/>
     </mc:Choice>
-    <mc:Fallback>
+    <mc:Fallback xmlns="">
       <p:transition xmlns:p14="http://schemas.microsoft.com/office/powerpoint/2010/main" spd="slow"/>
     </mc:Fallback>
   </mc:AlternateContent>
+  <p:timing>
+    <p:tnLst>
+      <p:par>
+        <p:cTn xmlns:p14="http://schemas.microsoft.com/office/powerpoint/2010/main" id="1" dur="indefinite" restart="never" nodeType="tmRoot"/>
+      </p:par>
+    </p:tnLst>
+  </p:timing>
 </p:sld>
 </file>
 
@@ -40819,14 +40663,21 @@
   <p:clrMapOvr>
     <a:masterClrMapping/>
   </p:clrMapOvr>
-  <mc:AlternateContent xmlns:mc="http://schemas.openxmlformats.org/markup-compatibility/2006">
-    <mc:Choice xmlns:p14="http://schemas.microsoft.com/office/powerpoint/2010/main" Requires="p14">
+  <mc:AlternateContent xmlns:mc="http://schemas.openxmlformats.org/markup-compatibility/2006" xmlns:p14="http://schemas.microsoft.com/office/powerpoint/2010/main">
+    <mc:Choice Requires="p14">
       <p:transition spd="slow" p14:dur="2000"/>
     </mc:Choice>
-    <mc:Fallback>
+    <mc:Fallback xmlns="">
       <p:transition xmlns:p14="http://schemas.microsoft.com/office/powerpoint/2010/main" spd="slow"/>
     </mc:Fallback>
   </mc:AlternateContent>
+  <p:timing>
+    <p:tnLst>
+      <p:par>
+        <p:cTn xmlns:p14="http://schemas.microsoft.com/office/powerpoint/2010/main" id="1" dur="indefinite" restart="never" nodeType="tmRoot"/>
+      </p:par>
+    </p:tnLst>
+  </p:timing>
 </p:sld>
 </file>
 
@@ -41819,14 +41670,21 @@
   <p:clrMapOvr>
     <a:masterClrMapping/>
   </p:clrMapOvr>
-  <mc:AlternateContent xmlns:mc="http://schemas.openxmlformats.org/markup-compatibility/2006">
-    <mc:Choice xmlns:p14="http://schemas.microsoft.com/office/powerpoint/2010/main" Requires="p14">
+  <mc:AlternateContent xmlns:mc="http://schemas.openxmlformats.org/markup-compatibility/2006" xmlns:p14="http://schemas.microsoft.com/office/powerpoint/2010/main">
+    <mc:Choice Requires="p14">
       <p:transition spd="slow" p14:dur="2000"/>
     </mc:Choice>
-    <mc:Fallback>
+    <mc:Fallback xmlns="">
       <p:transition xmlns:p14="http://schemas.microsoft.com/office/powerpoint/2010/main" spd="slow"/>
     </mc:Fallback>
   </mc:AlternateContent>
+  <p:timing>
+    <p:tnLst>
+      <p:par>
+        <p:cTn xmlns:p14="http://schemas.microsoft.com/office/powerpoint/2010/main" id="1" dur="indefinite" restart="never" nodeType="tmRoot"/>
+      </p:par>
+    </p:tnLst>
+  </p:timing>
 </p:sld>
 </file>
 
@@ -41857,14 +41715,21 @@
   <p:clrMapOvr>
     <a:masterClrMapping/>
   </p:clrMapOvr>
-  <mc:AlternateContent xmlns:mc="http://schemas.openxmlformats.org/markup-compatibility/2006">
-    <mc:Choice xmlns:p14="http://schemas.microsoft.com/office/powerpoint/2010/main" Requires="p14">
+  <mc:AlternateContent xmlns:mc="http://schemas.openxmlformats.org/markup-compatibility/2006" xmlns:p14="http://schemas.microsoft.com/office/powerpoint/2010/main">
+    <mc:Choice Requires="p14">
       <p:transition spd="slow" p14:dur="2000"/>
     </mc:Choice>
-    <mc:Fallback>
+    <mc:Fallback xmlns="">
       <p:transition xmlns:p14="http://schemas.microsoft.com/office/powerpoint/2010/main" spd="slow"/>
     </mc:Fallback>
   </mc:AlternateContent>
+  <p:timing>
+    <p:tnLst>
+      <p:par>
+        <p:cTn xmlns:p14="http://schemas.microsoft.com/office/powerpoint/2010/main" id="1" dur="indefinite" restart="never" nodeType="tmRoot"/>
+      </p:par>
+    </p:tnLst>
+  </p:timing>
 </p:sld>
 </file>
 
@@ -41885,39 +41750,883 @@
           <a:chExt cx="0" cy="0"/>
         </a:xfrm>
       </p:grpSpPr>
+      <p:pic>
+        <p:nvPicPr>
+          <p:cNvPr id="14" name="Content Placeholder 6"/>
+          <p:cNvPicPr>
+            <a:picLocks noChangeAspect="1"/>
+          </p:cNvPicPr>
+          <p:nvPr/>
+        </p:nvPicPr>
+        <p:blipFill>
+          <a:blip r:embed="rId3" cstate="screen">
+            <a:extLst>
+              <a:ext uri="{28A0092B-C50C-407E-A947-70E740481C1C}">
+                <a14:useLocalDpi xmlns:a14="http://schemas.microsoft.com/office/drawing/2010/main"/>
+              </a:ext>
+            </a:extLst>
+          </a:blip>
+          <a:srcRect l="-57666" r="-57666"/>
+          <a:stretch>
+            <a:fillRect/>
+          </a:stretch>
+        </p:blipFill>
+        <p:spPr bwMode="auto">
+          <a:xfrm>
+            <a:off x="-496008" y="3666475"/>
+            <a:ext cx="3777688" cy="1754362"/>
+          </a:xfrm>
+          <a:prstGeom prst="rect">
+            <a:avLst/>
+          </a:prstGeom>
+          <a:noFill/>
+          <a:ln>
+            <a:noFill/>
+          </a:ln>
+          <a:effectLst/>
+          <a:extLst>
+            <a:ext uri="{909E8E84-426E-40dd-AFC4-6F175D3DCCD1}">
+              <a14:hiddenFill xmlns:a14="http://schemas.microsoft.com/office/drawing/2010/main">
+                <a:solidFill>
+                  <a:srgbClr val="FFFFFF"/>
+                </a:solidFill>
+              </a14:hiddenFill>
+            </a:ext>
+            <a:ext uri="{91240B29-F687-4f45-9708-019B960494DF}">
+              <a14:hiddenLine xmlns:a14="http://schemas.microsoft.com/office/drawing/2010/main" w="9525">
+                <a:solidFill>
+                  <a:schemeClr val="tx1"/>
+                </a:solidFill>
+                <a:miter lim="800000"/>
+                <a:headEnd/>
+                <a:tailEnd/>
+              </a14:hiddenLine>
+            </a:ext>
+            <a:ext uri="{AF507438-7753-43e0-B8FC-AC1667EBCBE1}">
+              <a14:hiddenEffects xmlns:a14="http://schemas.microsoft.com/office/drawing/2010/main">
+                <a:effectLst>
+                  <a:outerShdw dist="35921" dir="2700000" algn="ctr" rotWithShape="0">
+                    <a:srgbClr val="808080"/>
+                  </a:outerShdw>
+                </a:effectLst>
+              </a14:hiddenEffects>
+            </a:ext>
+          </a:extLst>
+        </p:spPr>
+      </p:pic>
+      <p:pic>
+        <p:nvPicPr>
+          <p:cNvPr id="17" name="Content Placeholder 6"/>
+          <p:cNvPicPr>
+            <a:picLocks noChangeAspect="1"/>
+          </p:cNvPicPr>
+          <p:nvPr/>
+        </p:nvPicPr>
+        <p:blipFill>
+          <a:blip r:embed="rId3" cstate="screen">
+            <a:extLst>
+              <a:ext uri="{28A0092B-C50C-407E-A947-70E740481C1C}">
+                <a14:useLocalDpi xmlns:a14="http://schemas.microsoft.com/office/drawing/2010/main"/>
+              </a:ext>
+            </a:extLst>
+          </a:blip>
+          <a:srcRect l="-57666" r="-57666"/>
+          <a:stretch>
+            <a:fillRect/>
+          </a:stretch>
+        </p:blipFill>
+        <p:spPr bwMode="auto">
+          <a:xfrm>
+            <a:off x="1651139" y="3666475"/>
+            <a:ext cx="3777688" cy="1754362"/>
+          </a:xfrm>
+          <a:prstGeom prst="rect">
+            <a:avLst/>
+          </a:prstGeom>
+          <a:noFill/>
+          <a:ln>
+            <a:noFill/>
+          </a:ln>
+          <a:effectLst/>
+          <a:extLst>
+            <a:ext uri="{909E8E84-426E-40dd-AFC4-6F175D3DCCD1}">
+              <a14:hiddenFill xmlns:a14="http://schemas.microsoft.com/office/drawing/2010/main">
+                <a:solidFill>
+                  <a:srgbClr val="FFFFFF"/>
+                </a:solidFill>
+              </a14:hiddenFill>
+            </a:ext>
+            <a:ext uri="{91240B29-F687-4f45-9708-019B960494DF}">
+              <a14:hiddenLine xmlns:a14="http://schemas.microsoft.com/office/drawing/2010/main" w="9525">
+                <a:solidFill>
+                  <a:schemeClr val="tx1"/>
+                </a:solidFill>
+                <a:miter lim="800000"/>
+                <a:headEnd/>
+                <a:tailEnd/>
+              </a14:hiddenLine>
+            </a:ext>
+            <a:ext uri="{AF507438-7753-43e0-B8FC-AC1667EBCBE1}">
+              <a14:hiddenEffects xmlns:a14="http://schemas.microsoft.com/office/drawing/2010/main">
+                <a:effectLst>
+                  <a:outerShdw dist="35921" dir="2700000" algn="ctr" rotWithShape="0">
+                    <a:srgbClr val="808080"/>
+                  </a:outerShdw>
+                </a:effectLst>
+              </a14:hiddenEffects>
+            </a:ext>
+          </a:extLst>
+        </p:spPr>
+      </p:pic>
+      <p:pic>
+        <p:nvPicPr>
+          <p:cNvPr id="20" name="Content Placeholder 6"/>
+          <p:cNvPicPr>
+            <a:picLocks noChangeAspect="1"/>
+          </p:cNvPicPr>
+          <p:nvPr/>
+        </p:nvPicPr>
+        <p:blipFill>
+          <a:blip r:embed="rId3" cstate="screen">
+            <a:extLst>
+              <a:ext uri="{28A0092B-C50C-407E-A947-70E740481C1C}">
+                <a14:useLocalDpi xmlns:a14="http://schemas.microsoft.com/office/drawing/2010/main"/>
+              </a:ext>
+            </a:extLst>
+          </a:blip>
+          <a:srcRect l="-57666" r="-57666"/>
+          <a:stretch>
+            <a:fillRect/>
+          </a:stretch>
+        </p:blipFill>
+        <p:spPr bwMode="auto">
+          <a:xfrm>
+            <a:off x="3798286" y="3666475"/>
+            <a:ext cx="3777688" cy="1754362"/>
+          </a:xfrm>
+          <a:prstGeom prst="rect">
+            <a:avLst/>
+          </a:prstGeom>
+          <a:noFill/>
+          <a:ln>
+            <a:noFill/>
+          </a:ln>
+          <a:effectLst/>
+          <a:extLst>
+            <a:ext uri="{909E8E84-426E-40dd-AFC4-6F175D3DCCD1}">
+              <a14:hiddenFill xmlns:a14="http://schemas.microsoft.com/office/drawing/2010/main">
+                <a:solidFill>
+                  <a:srgbClr val="FFFFFF"/>
+                </a:solidFill>
+              </a14:hiddenFill>
+            </a:ext>
+            <a:ext uri="{91240B29-F687-4f45-9708-019B960494DF}">
+              <a14:hiddenLine xmlns:a14="http://schemas.microsoft.com/office/drawing/2010/main" w="9525">
+                <a:solidFill>
+                  <a:schemeClr val="tx1"/>
+                </a:solidFill>
+                <a:miter lim="800000"/>
+                <a:headEnd/>
+                <a:tailEnd/>
+              </a14:hiddenLine>
+            </a:ext>
+            <a:ext uri="{AF507438-7753-43e0-B8FC-AC1667EBCBE1}">
+              <a14:hiddenEffects xmlns:a14="http://schemas.microsoft.com/office/drawing/2010/main">
+                <a:effectLst>
+                  <a:outerShdw dist="35921" dir="2700000" algn="ctr" rotWithShape="0">
+                    <a:srgbClr val="808080"/>
+                  </a:outerShdw>
+                </a:effectLst>
+              </a14:hiddenEffects>
+            </a:ext>
+          </a:extLst>
+        </p:spPr>
+      </p:pic>
+      <p:pic>
+        <p:nvPicPr>
+          <p:cNvPr id="21" name="Picture 20"/>
+          <p:cNvPicPr>
+            <a:picLocks noChangeAspect="1"/>
+          </p:cNvPicPr>
+          <p:nvPr/>
+        </p:nvPicPr>
+        <p:blipFill>
+          <a:blip r:embed="rId4" cstate="screen">
+            <a:extLst>
+              <a:ext uri="{BEBA8EAE-BF5A-486C-A8C5-ECC9F3942E4B}">
+                <a14:imgProps xmlns:a14="http://schemas.microsoft.com/office/drawing/2010/main">
+                  <a14:imgLayer r:embed="rId5">
+                    <a14:imgEffect>
+                      <a14:backgroundRemoval t="8929" b="94133" l="0" r="100000"/>
+                    </a14:imgEffect>
+                  </a14:imgLayer>
+                </a14:imgProps>
+              </a:ext>
+              <a:ext uri="{28A0092B-C50C-407E-A947-70E740481C1C}">
+                <a14:useLocalDpi xmlns:a14="http://schemas.microsoft.com/office/drawing/2010/main"/>
+              </a:ext>
+            </a:extLst>
+          </a:blip>
+          <a:stretch>
+            <a:fillRect/>
+          </a:stretch>
+        </p:blipFill>
+        <p:spPr>
+          <a:xfrm>
+            <a:off x="4805561" y="3949011"/>
+            <a:ext cx="1770196" cy="1355307"/>
+          </a:xfrm>
+          <a:prstGeom prst="rect">
+            <a:avLst/>
+          </a:prstGeom>
+        </p:spPr>
+      </p:pic>
+      <p:pic>
+        <p:nvPicPr>
+          <p:cNvPr id="23" name="Content Placeholder 6"/>
+          <p:cNvPicPr>
+            <a:picLocks noChangeAspect="1"/>
+          </p:cNvPicPr>
+          <p:nvPr/>
+        </p:nvPicPr>
+        <p:blipFill>
+          <a:blip r:embed="rId3" cstate="screen">
+            <a:extLst>
+              <a:ext uri="{28A0092B-C50C-407E-A947-70E740481C1C}">
+                <a14:useLocalDpi xmlns:a14="http://schemas.microsoft.com/office/drawing/2010/main"/>
+              </a:ext>
+            </a:extLst>
+          </a:blip>
+          <a:srcRect l="-57666" r="-57666"/>
+          <a:stretch>
+            <a:fillRect/>
+          </a:stretch>
+        </p:blipFill>
+        <p:spPr bwMode="auto">
+          <a:xfrm>
+            <a:off x="5945432" y="3666475"/>
+            <a:ext cx="3777688" cy="1754362"/>
+          </a:xfrm>
+          <a:prstGeom prst="rect">
+            <a:avLst/>
+          </a:prstGeom>
+          <a:noFill/>
+          <a:ln>
+            <a:noFill/>
+          </a:ln>
+          <a:effectLst/>
+          <a:extLst>
+            <a:ext uri="{909E8E84-426E-40dd-AFC4-6F175D3DCCD1}">
+              <a14:hiddenFill xmlns:a14="http://schemas.microsoft.com/office/drawing/2010/main">
+                <a:solidFill>
+                  <a:srgbClr val="FFFFFF"/>
+                </a:solidFill>
+              </a14:hiddenFill>
+            </a:ext>
+            <a:ext uri="{91240B29-F687-4f45-9708-019B960494DF}">
+              <a14:hiddenLine xmlns:a14="http://schemas.microsoft.com/office/drawing/2010/main" w="9525">
+                <a:solidFill>
+                  <a:schemeClr val="tx1"/>
+                </a:solidFill>
+                <a:miter lim="800000"/>
+                <a:headEnd/>
+                <a:tailEnd/>
+              </a14:hiddenLine>
+            </a:ext>
+            <a:ext uri="{AF507438-7753-43e0-B8FC-AC1667EBCBE1}">
+              <a14:hiddenEffects xmlns:a14="http://schemas.microsoft.com/office/drawing/2010/main">
+                <a:effectLst>
+                  <a:outerShdw dist="35921" dir="2700000" algn="ctr" rotWithShape="0">
+                    <a:srgbClr val="808080"/>
+                  </a:outerShdw>
+                </a:effectLst>
+              </a14:hiddenEffects>
+            </a:ext>
+          </a:extLst>
+        </p:spPr>
+      </p:pic>
+      <p:pic>
+        <p:nvPicPr>
+          <p:cNvPr id="15" name="Picture 14"/>
+          <p:cNvPicPr>
+            <a:picLocks noChangeAspect="1"/>
+          </p:cNvPicPr>
+          <p:nvPr/>
+        </p:nvPicPr>
+        <p:blipFill>
+          <a:blip r:embed="rId4" cstate="screen">
+            <a:extLst>
+              <a:ext uri="{BEBA8EAE-BF5A-486C-A8C5-ECC9F3942E4B}">
+                <a14:imgProps xmlns:a14="http://schemas.microsoft.com/office/drawing/2010/main">
+                  <a14:imgLayer r:embed="rId5">
+                    <a14:imgEffect>
+                      <a14:backgroundRemoval t="8929" b="94133" l="0" r="100000"/>
+                    </a14:imgEffect>
+                  </a14:imgLayer>
+                </a14:imgProps>
+              </a:ext>
+              <a:ext uri="{28A0092B-C50C-407E-A947-70E740481C1C}">
+                <a14:useLocalDpi xmlns:a14="http://schemas.microsoft.com/office/drawing/2010/main"/>
+              </a:ext>
+            </a:extLst>
+          </a:blip>
+          <a:stretch>
+            <a:fillRect/>
+          </a:stretch>
+        </p:blipFill>
+        <p:spPr>
+          <a:xfrm>
+            <a:off x="511267" y="3949011"/>
+            <a:ext cx="1770196" cy="1355307"/>
+          </a:xfrm>
+          <a:prstGeom prst="rect">
+            <a:avLst/>
+          </a:prstGeom>
+        </p:spPr>
+      </p:pic>
+      <p:pic>
+        <p:nvPicPr>
+          <p:cNvPr id="24" name="Picture 23"/>
+          <p:cNvPicPr>
+            <a:picLocks noChangeAspect="1"/>
+          </p:cNvPicPr>
+          <p:nvPr/>
+        </p:nvPicPr>
+        <p:blipFill>
+          <a:blip r:embed="rId4" cstate="screen">
+            <a:extLst>
+              <a:ext uri="{BEBA8EAE-BF5A-486C-A8C5-ECC9F3942E4B}">
+                <a14:imgProps xmlns:a14="http://schemas.microsoft.com/office/drawing/2010/main">
+                  <a14:imgLayer r:embed="rId5">
+                    <a14:imgEffect>
+                      <a14:backgroundRemoval t="8929" b="94133" l="0" r="100000"/>
+                    </a14:imgEffect>
+                  </a14:imgLayer>
+                </a14:imgProps>
+              </a:ext>
+              <a:ext uri="{28A0092B-C50C-407E-A947-70E740481C1C}">
+                <a14:useLocalDpi xmlns:a14="http://schemas.microsoft.com/office/drawing/2010/main"/>
+              </a:ext>
+            </a:extLst>
+          </a:blip>
+          <a:stretch>
+            <a:fillRect/>
+          </a:stretch>
+        </p:blipFill>
+        <p:spPr>
+          <a:xfrm>
+            <a:off x="6952707" y="3949011"/>
+            <a:ext cx="1770196" cy="1355307"/>
+          </a:xfrm>
+          <a:prstGeom prst="rect">
+            <a:avLst/>
+          </a:prstGeom>
+        </p:spPr>
+      </p:pic>
+      <p:pic>
+        <p:nvPicPr>
+          <p:cNvPr id="18" name="Picture 17"/>
+          <p:cNvPicPr>
+            <a:picLocks noChangeAspect="1"/>
+          </p:cNvPicPr>
+          <p:nvPr/>
+        </p:nvPicPr>
+        <p:blipFill>
+          <a:blip r:embed="rId4" cstate="screen">
+            <a:extLst>
+              <a:ext uri="{BEBA8EAE-BF5A-486C-A8C5-ECC9F3942E4B}">
+                <a14:imgProps xmlns:a14="http://schemas.microsoft.com/office/drawing/2010/main">
+                  <a14:imgLayer r:embed="rId5">
+                    <a14:imgEffect>
+                      <a14:backgroundRemoval t="8929" b="94133" l="0" r="100000"/>
+                    </a14:imgEffect>
+                  </a14:imgLayer>
+                </a14:imgProps>
+              </a:ext>
+              <a:ext uri="{28A0092B-C50C-407E-A947-70E740481C1C}">
+                <a14:useLocalDpi xmlns:a14="http://schemas.microsoft.com/office/drawing/2010/main"/>
+              </a:ext>
+            </a:extLst>
+          </a:blip>
+          <a:stretch>
+            <a:fillRect/>
+          </a:stretch>
+        </p:blipFill>
+        <p:spPr>
+          <a:xfrm>
+            <a:off x="2658414" y="3949011"/>
+            <a:ext cx="1770196" cy="1355307"/>
+          </a:xfrm>
+          <a:prstGeom prst="rect">
+            <a:avLst/>
+          </a:prstGeom>
+        </p:spPr>
+      </p:pic>
       <p:sp>
         <p:nvSpPr>
-          <p:cNvPr id="2" name="Title 1"/>
-          <p:cNvSpPr>
-            <a:spLocks noGrp="1"/>
-          </p:cNvSpPr>
-          <p:nvPr>
-            <p:ph type="title"/>
-          </p:nvPr>
+          <p:cNvPr id="37" name="TextBox 36"/>
+          <p:cNvSpPr txBox="1"/>
+          <p:nvPr/>
         </p:nvSpPr>
-        <p:spPr/>
+        <p:spPr>
+          <a:xfrm>
+            <a:off x="1154765" y="5202281"/>
+            <a:ext cx="395235" cy="523220"/>
+          </a:xfrm>
+          <a:prstGeom prst="rect">
+            <a:avLst/>
+          </a:prstGeom>
+          <a:noFill/>
+        </p:spPr>
         <p:txBody>
-          <a:bodyPr/>
+          <a:bodyPr wrap="none" rtlCol="0">
+            <a:spAutoFit/>
+          </a:bodyPr>
           <a:lstStyle/>
           <a:p>
             <a:r>
-              <a:rPr lang="en-US" dirty="0" smtClean="0"/>
-              <a:t>Consistent Hashing</a:t>
+              <a:rPr lang="en-US" sz="2800" dirty="0" smtClean="0">
+                <a:solidFill>
+                  <a:srgbClr val="A92A0E"/>
+                </a:solidFill>
+                <a:latin typeface="Franklin Gothic Medium"/>
+                <a:cs typeface="Franklin Gothic Medium"/>
+              </a:rPr>
+              <a:t>0</a:t>
             </a:r>
-            <a:endParaRPr lang="en-US" dirty="0"/>
+            <a:endParaRPr lang="en-US" sz="2800" dirty="0">
+              <a:solidFill>
+                <a:srgbClr val="A92A0E"/>
+              </a:solidFill>
+              <a:latin typeface="Franklin Gothic Medium"/>
+              <a:cs typeface="Franklin Gothic Medium"/>
+            </a:endParaRPr>
           </a:p>
         </p:txBody>
       </p:sp>
+      <p:sp>
+        <p:nvSpPr>
+          <p:cNvPr id="38" name="TextBox 37"/>
+          <p:cNvSpPr txBox="1"/>
+          <p:nvPr/>
+        </p:nvSpPr>
+        <p:spPr>
+          <a:xfrm>
+            <a:off x="3321333" y="5202281"/>
+            <a:ext cx="395235" cy="523220"/>
+          </a:xfrm>
+          <a:prstGeom prst="rect">
+            <a:avLst/>
+          </a:prstGeom>
+          <a:noFill/>
+        </p:spPr>
+        <p:txBody>
+          <a:bodyPr wrap="none" rtlCol="0">
+            <a:spAutoFit/>
+          </a:bodyPr>
+          <a:lstStyle/>
+          <a:p>
+            <a:r>
+              <a:rPr lang="en-US" sz="2800" dirty="0" smtClean="0">
+                <a:solidFill>
+                  <a:srgbClr val="A92A0E"/>
+                </a:solidFill>
+                <a:latin typeface="Franklin Gothic Medium"/>
+                <a:cs typeface="Franklin Gothic Medium"/>
+              </a:rPr>
+              <a:t>1</a:t>
+            </a:r>
+            <a:endParaRPr lang="en-US" sz="2800" dirty="0">
+              <a:solidFill>
+                <a:srgbClr val="A92A0E"/>
+              </a:solidFill>
+              <a:latin typeface="Franklin Gothic Medium"/>
+              <a:cs typeface="Franklin Gothic Medium"/>
+            </a:endParaRPr>
+          </a:p>
+        </p:txBody>
+      </p:sp>
+      <p:sp>
+        <p:nvSpPr>
+          <p:cNvPr id="39" name="TextBox 38"/>
+          <p:cNvSpPr txBox="1"/>
+          <p:nvPr/>
+        </p:nvSpPr>
+        <p:spPr>
+          <a:xfrm>
+            <a:off x="5484165" y="5202281"/>
+            <a:ext cx="395235" cy="523220"/>
+          </a:xfrm>
+          <a:prstGeom prst="rect">
+            <a:avLst/>
+          </a:prstGeom>
+          <a:noFill/>
+        </p:spPr>
+        <p:txBody>
+          <a:bodyPr wrap="none" rtlCol="0">
+            <a:spAutoFit/>
+          </a:bodyPr>
+          <a:lstStyle/>
+          <a:p>
+            <a:r>
+              <a:rPr lang="en-US" sz="2800" dirty="0" smtClean="0">
+                <a:solidFill>
+                  <a:srgbClr val="A92A0E"/>
+                </a:solidFill>
+                <a:latin typeface="Franklin Gothic Medium"/>
+                <a:cs typeface="Franklin Gothic Medium"/>
+              </a:rPr>
+              <a:t>2</a:t>
+            </a:r>
+            <a:endParaRPr lang="en-US" sz="2800" dirty="0">
+              <a:solidFill>
+                <a:srgbClr val="A92A0E"/>
+              </a:solidFill>
+              <a:latin typeface="Franklin Gothic Medium"/>
+              <a:cs typeface="Franklin Gothic Medium"/>
+            </a:endParaRPr>
+          </a:p>
+        </p:txBody>
+      </p:sp>
+      <p:sp>
+        <p:nvSpPr>
+          <p:cNvPr id="40" name="TextBox 39"/>
+          <p:cNvSpPr txBox="1"/>
+          <p:nvPr/>
+        </p:nvSpPr>
+        <p:spPr>
+          <a:xfrm>
+            <a:off x="7640736" y="5202281"/>
+            <a:ext cx="395235" cy="523220"/>
+          </a:xfrm>
+          <a:prstGeom prst="rect">
+            <a:avLst/>
+          </a:prstGeom>
+          <a:noFill/>
+        </p:spPr>
+        <p:txBody>
+          <a:bodyPr wrap="none" rtlCol="0">
+            <a:spAutoFit/>
+          </a:bodyPr>
+          <a:lstStyle/>
+          <a:p>
+            <a:r>
+              <a:rPr lang="en-US" sz="2800" dirty="0" smtClean="0">
+                <a:solidFill>
+                  <a:srgbClr val="A92A0E"/>
+                </a:solidFill>
+                <a:latin typeface="Franklin Gothic Medium"/>
+                <a:cs typeface="Franklin Gothic Medium"/>
+              </a:rPr>
+              <a:t>3</a:t>
+            </a:r>
+            <a:endParaRPr lang="en-US" sz="2800" dirty="0">
+              <a:solidFill>
+                <a:srgbClr val="A92A0E"/>
+              </a:solidFill>
+              <a:latin typeface="Franklin Gothic Medium"/>
+              <a:cs typeface="Franklin Gothic Medium"/>
+            </a:endParaRPr>
+          </a:p>
+        </p:txBody>
+      </p:sp>
+      <p:pic>
+        <p:nvPicPr>
+          <p:cNvPr id="50" name="Picture 49"/>
+          <p:cNvPicPr>
+            <a:picLocks noChangeAspect="1"/>
+          </p:cNvPicPr>
+          <p:nvPr/>
+        </p:nvPicPr>
+        <p:blipFill>
+          <a:blip r:embed="rId6"/>
+          <a:stretch>
+            <a:fillRect/>
+          </a:stretch>
+        </p:blipFill>
+        <p:spPr>
+          <a:xfrm>
+            <a:off x="1441239" y="284107"/>
+            <a:ext cx="1914822" cy="2682213"/>
+          </a:xfrm>
+          <a:prstGeom prst="rect">
+            <a:avLst/>
+          </a:prstGeom>
+        </p:spPr>
+      </p:pic>
+      <p:grpSp>
+        <p:nvGrpSpPr>
+          <p:cNvPr id="2" name="Group 1"/>
+          <p:cNvGrpSpPr/>
+          <p:nvPr/>
+        </p:nvGrpSpPr>
+        <p:grpSpPr>
+          <a:xfrm>
+            <a:off x="3808357" y="346978"/>
+            <a:ext cx="4208451" cy="2350171"/>
+            <a:chOff x="3808357" y="346978"/>
+            <a:chExt cx="4208451" cy="2350171"/>
+          </a:xfrm>
+        </p:grpSpPr>
+        <p:pic>
+          <p:nvPicPr>
+            <p:cNvPr id="46" name="Picture 45" descr="santa.png"/>
+            <p:cNvPicPr>
+              <a:picLocks noChangeAspect="1"/>
+            </p:cNvPicPr>
+            <p:nvPr/>
+          </p:nvPicPr>
+          <p:blipFill>
+            <a:blip r:embed="rId7" cstate="screen">
+              <a:extLst>
+                <a:ext uri="{28A0092B-C50C-407E-A947-70E740481C1C}">
+                  <a14:useLocalDpi xmlns:a14="http://schemas.microsoft.com/office/drawing/2010/main"/>
+                </a:ext>
+              </a:extLst>
+            </a:blip>
+            <a:stretch>
+              <a:fillRect/>
+            </a:stretch>
+          </p:blipFill>
+          <p:spPr>
+            <a:xfrm>
+              <a:off x="5637173" y="346978"/>
+              <a:ext cx="1274236" cy="2204573"/>
+            </a:xfrm>
+            <a:prstGeom prst="rect">
+              <a:avLst/>
+            </a:prstGeom>
+          </p:spPr>
+        </p:pic>
+        <p:sp>
+          <p:nvSpPr>
+            <p:cNvPr id="47" name="TextBox 46"/>
+            <p:cNvSpPr txBox="1"/>
+            <p:nvPr/>
+          </p:nvSpPr>
+          <p:spPr>
+            <a:xfrm>
+              <a:off x="3808357" y="1376772"/>
+              <a:ext cx="1611314" cy="523220"/>
+            </a:xfrm>
+            <a:prstGeom prst="rect">
+              <a:avLst/>
+            </a:prstGeom>
+            <a:noFill/>
+          </p:spPr>
+          <p:txBody>
+            <a:bodyPr wrap="none" rtlCol="0">
+              <a:spAutoFit/>
+            </a:bodyPr>
+            <a:lstStyle/>
+            <a:p>
+              <a:r>
+                <a:rPr lang="en-US" sz="2800" dirty="0" err="1" smtClean="0">
+                  <a:solidFill>
+                    <a:schemeClr val="accent1"/>
+                  </a:solidFill>
+                  <a:latin typeface="Franklin Gothic Medium"/>
+                  <a:cs typeface="Franklin Gothic Medium"/>
+                </a:rPr>
+                <a:t>hash_me</a:t>
+              </a:r>
+              <a:endParaRPr lang="en-US" sz="3600" dirty="0">
+                <a:solidFill>
+                  <a:schemeClr val="accent1"/>
+                </a:solidFill>
+                <a:latin typeface="Franklin Gothic Medium"/>
+                <a:cs typeface="Franklin Gothic Medium"/>
+              </a:endParaRPr>
+            </a:p>
+          </p:txBody>
+        </p:sp>
+        <p:sp>
+          <p:nvSpPr>
+            <p:cNvPr id="48" name="TextBox 47"/>
+            <p:cNvSpPr txBox="1"/>
+            <p:nvPr/>
+          </p:nvSpPr>
+          <p:spPr>
+            <a:xfrm>
+              <a:off x="6810390" y="953130"/>
+              <a:ext cx="410464" cy="1015663"/>
+            </a:xfrm>
+            <a:prstGeom prst="rect">
+              <a:avLst/>
+            </a:prstGeom>
+            <a:noFill/>
+          </p:spPr>
+          <p:txBody>
+            <a:bodyPr wrap="none" rtlCol="0">
+              <a:spAutoFit/>
+            </a:bodyPr>
+            <a:lstStyle/>
+            <a:p>
+              <a:r>
+                <a:rPr lang="en-US" sz="6000" dirty="0">
+                  <a:solidFill>
+                    <a:srgbClr val="A92A0E"/>
+                  </a:solidFill>
+                  <a:latin typeface="Franklin Gothic Medium"/>
+                  <a:cs typeface="Franklin Gothic Medium"/>
+                </a:rPr>
+                <a:t>)</a:t>
+              </a:r>
+            </a:p>
+          </p:txBody>
+        </p:sp>
+        <p:sp>
+          <p:nvSpPr>
+            <p:cNvPr id="49" name="TextBox 48"/>
+            <p:cNvSpPr txBox="1"/>
+            <p:nvPr/>
+          </p:nvSpPr>
+          <p:spPr>
+            <a:xfrm>
+              <a:off x="5492091" y="2297039"/>
+              <a:ext cx="1560619" cy="400110"/>
+            </a:xfrm>
+            <a:prstGeom prst="rect">
+              <a:avLst/>
+            </a:prstGeom>
+            <a:noFill/>
+          </p:spPr>
+          <p:txBody>
+            <a:bodyPr wrap="none" rtlCol="0">
+              <a:spAutoFit/>
+            </a:bodyPr>
+            <a:lstStyle/>
+            <a:p>
+              <a:r>
+                <a:rPr lang="en-US" sz="2000" dirty="0" smtClean="0">
+                  <a:solidFill>
+                    <a:srgbClr val="A92A0E"/>
+                  </a:solidFill>
+                  <a:latin typeface="Franklin Gothic Medium"/>
+                  <a:cs typeface="Franklin Gothic Medium"/>
+                </a:rPr>
+                <a:t>Claus, Santa</a:t>
+              </a:r>
+              <a:endParaRPr lang="en-US" sz="2000" dirty="0">
+                <a:solidFill>
+                  <a:srgbClr val="A92A0E"/>
+                </a:solidFill>
+                <a:latin typeface="Franklin Gothic Medium"/>
+                <a:cs typeface="Franklin Gothic Medium"/>
+              </a:endParaRPr>
+            </a:p>
+          </p:txBody>
+        </p:sp>
+        <p:sp>
+          <p:nvSpPr>
+            <p:cNvPr id="22" name="TextBox 21"/>
+            <p:cNvSpPr txBox="1"/>
+            <p:nvPr/>
+          </p:nvSpPr>
+          <p:spPr>
+            <a:xfrm>
+              <a:off x="5338977" y="944780"/>
+              <a:ext cx="410464" cy="1015663"/>
+            </a:xfrm>
+            <a:prstGeom prst="rect">
+              <a:avLst/>
+            </a:prstGeom>
+            <a:noFill/>
+          </p:spPr>
+          <p:txBody>
+            <a:bodyPr wrap="none" rtlCol="0">
+              <a:spAutoFit/>
+            </a:bodyPr>
+            <a:lstStyle/>
+            <a:p>
+              <a:r>
+                <a:rPr lang="en-US" sz="6000" dirty="0" smtClean="0">
+                  <a:solidFill>
+                    <a:srgbClr val="A92A0E"/>
+                  </a:solidFill>
+                  <a:latin typeface="Franklin Gothic Medium"/>
+                  <a:cs typeface="Franklin Gothic Medium"/>
+                </a:rPr>
+                <a:t>(</a:t>
+              </a:r>
+              <a:endParaRPr lang="en-US" sz="6000" dirty="0">
+                <a:solidFill>
+                  <a:srgbClr val="A92A0E"/>
+                </a:solidFill>
+                <a:latin typeface="Franklin Gothic Medium"/>
+                <a:cs typeface="Franklin Gothic Medium"/>
+              </a:endParaRPr>
+            </a:p>
+          </p:txBody>
+        </p:sp>
+        <p:sp>
+          <p:nvSpPr>
+            <p:cNvPr id="25" name="TextBox 24"/>
+            <p:cNvSpPr txBox="1"/>
+            <p:nvPr/>
+          </p:nvSpPr>
+          <p:spPr>
+            <a:xfrm>
+              <a:off x="7175262" y="1271972"/>
+              <a:ext cx="841546" cy="646331"/>
+            </a:xfrm>
+            <a:prstGeom prst="rect">
+              <a:avLst/>
+            </a:prstGeom>
+            <a:noFill/>
+          </p:spPr>
+          <p:txBody>
+            <a:bodyPr wrap="none" rtlCol="0">
+              <a:spAutoFit/>
+            </a:bodyPr>
+            <a:lstStyle/>
+            <a:p>
+              <a:r>
+                <a:rPr lang="en-US" sz="3600" dirty="0" smtClean="0">
+                  <a:solidFill>
+                    <a:srgbClr val="A92A0E"/>
+                  </a:solidFill>
+                  <a:latin typeface="Franklin Gothic Medium"/>
+                  <a:cs typeface="Franklin Gothic Medium"/>
+                </a:rPr>
+                <a:t>= 0</a:t>
+              </a:r>
+              <a:endParaRPr lang="en-US" sz="3600" dirty="0">
+                <a:solidFill>
+                  <a:srgbClr val="A92A0E"/>
+                </a:solidFill>
+                <a:latin typeface="Franklin Gothic Medium"/>
+                <a:cs typeface="Franklin Gothic Medium"/>
+              </a:endParaRPr>
+            </a:p>
+          </p:txBody>
+        </p:sp>
+      </p:grpSp>
     </p:spTree>
     <p:extLst>
       <p:ext uri="{BB962C8B-B14F-4D97-AF65-F5344CB8AC3E}">
-        <p14:creationId xmlns:p14="http://schemas.microsoft.com/office/powerpoint/2010/main" val="1344728431"/>
+        <p14:creationId xmlns:p14="http://schemas.microsoft.com/office/powerpoint/2010/main" val="1985780882"/>
       </p:ext>
     </p:extLst>
   </p:cSld>
   <p:clrMapOvr>
     <a:masterClrMapping/>
   </p:clrMapOvr>
+  <mc:AlternateContent xmlns:mc="http://schemas.openxmlformats.org/markup-compatibility/2006" xmlns:p14="http://schemas.microsoft.com/office/powerpoint/2010/main">
+    <mc:Choice Requires="p14">
+      <p:transition spd="slow" p14:dur="2000"/>
+    </mc:Choice>
+    <mc:Fallback xmlns="">
+      <p:transition xmlns:p14="http://schemas.microsoft.com/office/powerpoint/2010/main" spd="slow"/>
+    </mc:Fallback>
+  </mc:AlternateContent>
+  <p:timing>
+    <p:tnLst>
+      <p:par>
+        <p:cTn xmlns:p14="http://schemas.microsoft.com/office/powerpoint/2010/main" id="1" dur="indefinite" restart="never" nodeType="tmRoot"/>
+      </p:par>
+    </p:tnLst>
+  </p:timing>
 </p:sld>
 </file>
 
